--- a/stim/instructions.pptx
+++ b/stim/instructions.pptx
@@ -6,20 +6,21 @@
   </p:sldMasterIdLst>
   <p:sldIdLst>
     <p:sldId id="256" r:id="rId2"/>
-    <p:sldId id="262" r:id="rId3"/>
-    <p:sldId id="269" r:id="rId4"/>
-    <p:sldId id="270" r:id="rId5"/>
-    <p:sldId id="257" r:id="rId6"/>
-    <p:sldId id="263" r:id="rId7"/>
-    <p:sldId id="258" r:id="rId8"/>
-    <p:sldId id="264" r:id="rId9"/>
-    <p:sldId id="259" r:id="rId10"/>
-    <p:sldId id="265" r:id="rId11"/>
-    <p:sldId id="260" r:id="rId12"/>
-    <p:sldId id="266" r:id="rId13"/>
-    <p:sldId id="261" r:id="rId14"/>
-    <p:sldId id="267" r:id="rId15"/>
-    <p:sldId id="268" r:id="rId16"/>
+    <p:sldId id="271" r:id="rId3"/>
+    <p:sldId id="262" r:id="rId4"/>
+    <p:sldId id="269" r:id="rId5"/>
+    <p:sldId id="270" r:id="rId6"/>
+    <p:sldId id="257" r:id="rId7"/>
+    <p:sldId id="263" r:id="rId8"/>
+    <p:sldId id="258" r:id="rId9"/>
+    <p:sldId id="264" r:id="rId10"/>
+    <p:sldId id="259" r:id="rId11"/>
+    <p:sldId id="265" r:id="rId12"/>
+    <p:sldId id="260" r:id="rId13"/>
+    <p:sldId id="266" r:id="rId14"/>
+    <p:sldId id="261" r:id="rId15"/>
+    <p:sldId id="267" r:id="rId16"/>
+    <p:sldId id="268" r:id="rId17"/>
   </p:sldIdLst>
   <p:sldSz cx="12192000" cy="6858000"/>
   <p:notesSz cx="6858000" cy="9144000"/>
@@ -273,7 +274,7 @@
           <a:p>
             <a:fld id="{EEF644FE-562C-401D-8F4D-8C6CAC9B5F76}" type="datetimeFigureOut">
               <a:rPr lang="en-US" smtClean="0"/>
-              <a:t>11/22/2024</a:t>
+              <a:t>11/25/2024</a:t>
             </a:fld>
             <a:endParaRPr lang="en-US"/>
           </a:p>
@@ -471,7 +472,7 @@
           <a:p>
             <a:fld id="{EEF644FE-562C-401D-8F4D-8C6CAC9B5F76}" type="datetimeFigureOut">
               <a:rPr lang="en-US" smtClean="0"/>
-              <a:t>11/22/2024</a:t>
+              <a:t>11/25/2024</a:t>
             </a:fld>
             <a:endParaRPr lang="en-US"/>
           </a:p>
@@ -679,7 +680,7 @@
           <a:p>
             <a:fld id="{EEF644FE-562C-401D-8F4D-8C6CAC9B5F76}" type="datetimeFigureOut">
               <a:rPr lang="en-US" smtClean="0"/>
-              <a:t>11/22/2024</a:t>
+              <a:t>11/25/2024</a:t>
             </a:fld>
             <a:endParaRPr lang="en-US"/>
           </a:p>
@@ -877,7 +878,7 @@
           <a:p>
             <a:fld id="{EEF644FE-562C-401D-8F4D-8C6CAC9B5F76}" type="datetimeFigureOut">
               <a:rPr lang="en-US" smtClean="0"/>
-              <a:t>11/22/2024</a:t>
+              <a:t>11/25/2024</a:t>
             </a:fld>
             <a:endParaRPr lang="en-US"/>
           </a:p>
@@ -1152,7 +1153,7 @@
           <a:p>
             <a:fld id="{EEF644FE-562C-401D-8F4D-8C6CAC9B5F76}" type="datetimeFigureOut">
               <a:rPr lang="en-US" smtClean="0"/>
-              <a:t>11/22/2024</a:t>
+              <a:t>11/25/2024</a:t>
             </a:fld>
             <a:endParaRPr lang="en-US"/>
           </a:p>
@@ -1417,7 +1418,7 @@
           <a:p>
             <a:fld id="{EEF644FE-562C-401D-8F4D-8C6CAC9B5F76}" type="datetimeFigureOut">
               <a:rPr lang="en-US" smtClean="0"/>
-              <a:t>11/22/2024</a:t>
+              <a:t>11/25/2024</a:t>
             </a:fld>
             <a:endParaRPr lang="en-US"/>
           </a:p>
@@ -1829,7 +1830,7 @@
           <a:p>
             <a:fld id="{EEF644FE-562C-401D-8F4D-8C6CAC9B5F76}" type="datetimeFigureOut">
               <a:rPr lang="en-US" smtClean="0"/>
-              <a:t>11/22/2024</a:t>
+              <a:t>11/25/2024</a:t>
             </a:fld>
             <a:endParaRPr lang="en-US"/>
           </a:p>
@@ -1970,7 +1971,7 @@
           <a:p>
             <a:fld id="{EEF644FE-562C-401D-8F4D-8C6CAC9B5F76}" type="datetimeFigureOut">
               <a:rPr lang="en-US" smtClean="0"/>
-              <a:t>11/22/2024</a:t>
+              <a:t>11/25/2024</a:t>
             </a:fld>
             <a:endParaRPr lang="en-US"/>
           </a:p>
@@ -2083,7 +2084,7 @@
           <a:p>
             <a:fld id="{EEF644FE-562C-401D-8F4D-8C6CAC9B5F76}" type="datetimeFigureOut">
               <a:rPr lang="en-US" smtClean="0"/>
-              <a:t>11/22/2024</a:t>
+              <a:t>11/25/2024</a:t>
             </a:fld>
             <a:endParaRPr lang="en-US"/>
           </a:p>
@@ -2394,7 +2395,7 @@
           <a:p>
             <a:fld id="{EEF644FE-562C-401D-8F4D-8C6CAC9B5F76}" type="datetimeFigureOut">
               <a:rPr lang="en-US" smtClean="0"/>
-              <a:t>11/22/2024</a:t>
+              <a:t>11/25/2024</a:t>
             </a:fld>
             <a:endParaRPr lang="en-US"/>
           </a:p>
@@ -2682,7 +2683,7 @@
           <a:p>
             <a:fld id="{EEF644FE-562C-401D-8F4D-8C6CAC9B5F76}" type="datetimeFigureOut">
               <a:rPr lang="en-US" smtClean="0"/>
-              <a:t>11/22/2024</a:t>
+              <a:t>11/25/2024</a:t>
             </a:fld>
             <a:endParaRPr lang="en-US"/>
           </a:p>
@@ -2923,7 +2924,7 @@
           <a:p>
             <a:fld id="{EEF644FE-562C-401D-8F4D-8C6CAC9B5F76}" type="datetimeFigureOut">
               <a:rPr lang="en-US" smtClean="0"/>
-              <a:t>11/22/2024</a:t>
+              <a:t>11/25/2024</a:t>
             </a:fld>
             <a:endParaRPr lang="en-US"/>
           </a:p>
@@ -3392,6 +3393,72 @@
 <file path=ppt/slides/slide10.xml><?xml version="1.0" encoding="utf-8"?>
 <p:sld xmlns:a="http://schemas.openxmlformats.org/drawingml/2006/main" xmlns:r="http://schemas.openxmlformats.org/officeDocument/2006/relationships" xmlns:p="http://schemas.openxmlformats.org/presentationml/2006/main">
   <p:cSld>
+    <p:spTree>
+      <p:nvGrpSpPr>
+        <p:cNvPr id="1" name=""/>
+        <p:cNvGrpSpPr/>
+        <p:nvPr/>
+      </p:nvGrpSpPr>
+      <p:grpSpPr>
+        <a:xfrm>
+          <a:off x="0" y="0"/>
+          <a:ext cx="0" cy="0"/>
+          <a:chOff x="0" y="0"/>
+          <a:chExt cx="0" cy="0"/>
+        </a:xfrm>
+      </p:grpSpPr>
+      <p:pic>
+        <p:nvPicPr>
+          <p:cNvPr id="5" name="Picture 4" descr="A black and white screen with white text&#10;&#10;Description automatically generated">
+            <a:extLst>
+              <a:ext uri="{FF2B5EF4-FFF2-40B4-BE49-F238E27FC236}">
+                <a16:creationId xmlns:a16="http://schemas.microsoft.com/office/drawing/2014/main" id="{F01B4522-C1CA-218C-8710-B2D2D169BFE8}"/>
+              </a:ext>
+            </a:extLst>
+          </p:cNvPr>
+          <p:cNvPicPr>
+            <a:picLocks noChangeAspect="1"/>
+          </p:cNvPicPr>
+          <p:nvPr/>
+        </p:nvPicPr>
+        <p:blipFill>
+          <a:blip r:embed="rId2">
+            <a:extLst>
+              <a:ext uri="{28A0092B-C50C-407E-A947-70E740481C1C}">
+                <a14:useLocalDpi xmlns:a14="http://schemas.microsoft.com/office/drawing/2010/main" val="0"/>
+              </a:ext>
+            </a:extLst>
+          </a:blip>
+          <a:stretch>
+            <a:fillRect/>
+          </a:stretch>
+        </p:blipFill>
+        <p:spPr>
+          <a:xfrm>
+            <a:off x="0" y="4762"/>
+            <a:ext cx="12192000" cy="6848475"/>
+          </a:xfrm>
+          <a:prstGeom prst="rect">
+            <a:avLst/>
+          </a:prstGeom>
+        </p:spPr>
+      </p:pic>
+    </p:spTree>
+    <p:extLst>
+      <p:ext uri="{BB962C8B-B14F-4D97-AF65-F5344CB8AC3E}">
+        <p14:creationId xmlns:p14="http://schemas.microsoft.com/office/powerpoint/2010/main" val="1319310568"/>
+      </p:ext>
+    </p:extLst>
+  </p:cSld>
+  <p:clrMapOvr>
+    <a:masterClrMapping/>
+  </p:clrMapOvr>
+</p:sld>
+</file>
+
+<file path=ppt/slides/slide11.xml><?xml version="1.0" encoding="utf-8"?>
+<p:sld xmlns:a="http://schemas.openxmlformats.org/drawingml/2006/main" xmlns:r="http://schemas.openxmlformats.org/officeDocument/2006/relationships" xmlns:p="http://schemas.openxmlformats.org/presentationml/2006/main">
+  <p:cSld>
     <p:bg>
       <p:bgPr>
         <a:solidFill>
@@ -3683,7 +3750,7 @@
 </p:sld>
 </file>
 
-<file path=ppt/slides/slide11.xml><?xml version="1.0" encoding="utf-8"?>
+<file path=ppt/slides/slide12.xml><?xml version="1.0" encoding="utf-8"?>
 <p:sld xmlns:a="http://schemas.openxmlformats.org/drawingml/2006/main" xmlns:r="http://schemas.openxmlformats.org/officeDocument/2006/relationships" xmlns:p="http://schemas.openxmlformats.org/presentationml/2006/main">
   <p:cSld>
     <p:spTree>
@@ -3749,7 +3816,7 @@
 </p:sld>
 </file>
 
-<file path=ppt/slides/slide12.xml><?xml version="1.0" encoding="utf-8"?>
+<file path=ppt/slides/slide13.xml><?xml version="1.0" encoding="utf-8"?>
 <p:sld xmlns:a="http://schemas.openxmlformats.org/drawingml/2006/main" xmlns:r="http://schemas.openxmlformats.org/officeDocument/2006/relationships" xmlns:p="http://schemas.openxmlformats.org/presentationml/2006/main">
   <p:cSld>
     <p:bg>
@@ -3958,7 +4025,7 @@
 </p:sld>
 </file>
 
-<file path=ppt/slides/slide13.xml><?xml version="1.0" encoding="utf-8"?>
+<file path=ppt/slides/slide14.xml><?xml version="1.0" encoding="utf-8"?>
 <p:sld xmlns:a="http://schemas.openxmlformats.org/drawingml/2006/main" xmlns:r="http://schemas.openxmlformats.org/officeDocument/2006/relationships" xmlns:p="http://schemas.openxmlformats.org/presentationml/2006/main">
   <p:cSld>
     <p:spTree>
@@ -4024,7 +4091,7 @@
 </p:sld>
 </file>
 
-<file path=ppt/slides/slide14.xml><?xml version="1.0" encoding="utf-8"?>
+<file path=ppt/slides/slide15.xml><?xml version="1.0" encoding="utf-8"?>
 <p:sld xmlns:a="http://schemas.openxmlformats.org/drawingml/2006/main" xmlns:r="http://schemas.openxmlformats.org/officeDocument/2006/relationships" xmlns:p="http://schemas.openxmlformats.org/presentationml/2006/main">
   <p:cSld>
     <p:bg>
@@ -4228,7 +4295,7 @@
 </p:sld>
 </file>
 
-<file path=ppt/slides/slide15.xml><?xml version="1.0" encoding="utf-8"?>
+<file path=ppt/slides/slide16.xml><?xml version="1.0" encoding="utf-8"?>
 <p:sld xmlns:a="http://schemas.openxmlformats.org/drawingml/2006/main" xmlns:r="http://schemas.openxmlformats.org/officeDocument/2006/relationships" xmlns:p="http://schemas.openxmlformats.org/presentationml/2006/main">
   <p:cSld>
     <p:bg>
@@ -4440,6 +4507,85 @@
         <p:cNvPr id="1" name="">
           <a:extLst>
             <a:ext uri="{FF2B5EF4-FFF2-40B4-BE49-F238E27FC236}">
+              <a16:creationId xmlns:a16="http://schemas.microsoft.com/office/drawing/2014/main" id="{A8DC1DD5-8C07-12C3-EDEB-3A1D316C45F2}"/>
+            </a:ext>
+          </a:extLst>
+        </p:cNvPr>
+        <p:cNvGrpSpPr/>
+        <p:nvPr/>
+      </p:nvGrpSpPr>
+      <p:grpSpPr>
+        <a:xfrm>
+          <a:off x="0" y="0"/>
+          <a:ext cx="0" cy="0"/>
+          <a:chOff x="0" y="0"/>
+          <a:chExt cx="0" cy="0"/>
+        </a:xfrm>
+      </p:grpSpPr>
+      <p:pic>
+        <p:nvPicPr>
+          <p:cNvPr id="17" name="Picture 16" descr="A black and white screen with white text&#10;&#10;Description automatically generated">
+            <a:extLst>
+              <a:ext uri="{FF2B5EF4-FFF2-40B4-BE49-F238E27FC236}">
+                <a16:creationId xmlns:a16="http://schemas.microsoft.com/office/drawing/2014/main" id="{B399CEB3-300A-1F24-8C89-A1F284CBF784}"/>
+              </a:ext>
+            </a:extLst>
+          </p:cNvPr>
+          <p:cNvPicPr>
+            <a:picLocks noChangeAspect="1"/>
+          </p:cNvPicPr>
+          <p:nvPr/>
+        </p:nvPicPr>
+        <p:blipFill>
+          <a:blip r:embed="rId2">
+            <a:extLst>
+              <a:ext uri="{28A0092B-C50C-407E-A947-70E740481C1C}">
+                <a14:useLocalDpi xmlns:a14="http://schemas.microsoft.com/office/drawing/2010/main" val="0"/>
+              </a:ext>
+            </a:extLst>
+          </a:blip>
+          <a:srcRect t="41766" b="41025"/>
+          <a:stretch/>
+        </p:blipFill>
+        <p:spPr>
+          <a:xfrm>
+            <a:off x="0" y="2865121"/>
+            <a:ext cx="12192000" cy="1178560"/>
+          </a:xfrm>
+          <a:prstGeom prst="rect">
+            <a:avLst/>
+          </a:prstGeom>
+        </p:spPr>
+      </p:pic>
+    </p:spTree>
+    <p:extLst>
+      <p:ext uri="{BB962C8B-B14F-4D97-AF65-F5344CB8AC3E}">
+        <p14:creationId xmlns:p14="http://schemas.microsoft.com/office/powerpoint/2010/main" val="1270078512"/>
+      </p:ext>
+    </p:extLst>
+  </p:cSld>
+  <p:clrMapOvr>
+    <a:masterClrMapping/>
+  </p:clrMapOvr>
+</p:sld>
+</file>
+
+<file path=ppt/slides/slide3.xml><?xml version="1.0" encoding="utf-8"?>
+<p:sld xmlns:a="http://schemas.openxmlformats.org/drawingml/2006/main" xmlns:r="http://schemas.openxmlformats.org/officeDocument/2006/relationships" xmlns:p="http://schemas.openxmlformats.org/presentationml/2006/main">
+  <p:cSld>
+    <p:bg>
+      <p:bgPr>
+        <a:solidFill>
+          <a:schemeClr val="tx1"/>
+        </a:solidFill>
+        <a:effectLst/>
+      </p:bgPr>
+    </p:bg>
+    <p:spTree>
+      <p:nvGrpSpPr>
+        <p:cNvPr id="1" name="">
+          <a:extLst>
+            <a:ext uri="{FF2B5EF4-FFF2-40B4-BE49-F238E27FC236}">
               <a16:creationId xmlns:a16="http://schemas.microsoft.com/office/drawing/2014/main" id="{3EC038DD-7D9C-66B0-34FD-E37D4B29028C}"/>
             </a:ext>
           </a:extLst>
@@ -4742,7 +4888,7 @@
 </p:sld>
 </file>
 
-<file path=ppt/slides/slide3.xml><?xml version="1.0" encoding="utf-8"?>
+<file path=ppt/slides/slide4.xml><?xml version="1.0" encoding="utf-8"?>
 <p:sld xmlns:a="http://schemas.openxmlformats.org/drawingml/2006/main" xmlns:r="http://schemas.openxmlformats.org/officeDocument/2006/relationships" xmlns:p="http://schemas.openxmlformats.org/presentationml/2006/main">
   <p:cSld>
     <p:bg>
@@ -5144,7 +5290,7 @@
 </p:sld>
 </file>
 
-<file path=ppt/slides/slide4.xml><?xml version="1.0" encoding="utf-8"?>
+<file path=ppt/slides/slide5.xml><?xml version="1.0" encoding="utf-8"?>
 <p:sld xmlns:a="http://schemas.openxmlformats.org/drawingml/2006/main" xmlns:r="http://schemas.openxmlformats.org/officeDocument/2006/relationships" xmlns:p="http://schemas.openxmlformats.org/presentationml/2006/main">
   <p:cSld>
     <p:bg>
@@ -5582,7 +5728,7 @@
 </p:sld>
 </file>
 
-<file path=ppt/slides/slide5.xml><?xml version="1.0" encoding="utf-8"?>
+<file path=ppt/slides/slide6.xml><?xml version="1.0" encoding="utf-8"?>
 <p:sld xmlns:a="http://schemas.openxmlformats.org/drawingml/2006/main" xmlns:r="http://schemas.openxmlformats.org/officeDocument/2006/relationships" xmlns:p="http://schemas.openxmlformats.org/presentationml/2006/main">
   <p:cSld>
     <p:spTree>
@@ -5648,7 +5794,7 @@
 </p:sld>
 </file>
 
-<file path=ppt/slides/slide6.xml><?xml version="1.0" encoding="utf-8"?>
+<file path=ppt/slides/slide7.xml><?xml version="1.0" encoding="utf-8"?>
 <p:sld xmlns:a="http://schemas.openxmlformats.org/drawingml/2006/main" xmlns:r="http://schemas.openxmlformats.org/officeDocument/2006/relationships" xmlns:p="http://schemas.openxmlformats.org/presentationml/2006/main">
   <p:cSld>
     <p:bg>
@@ -5949,7 +6095,7 @@
 </p:sld>
 </file>
 
-<file path=ppt/slides/slide7.xml><?xml version="1.0" encoding="utf-8"?>
+<file path=ppt/slides/slide8.xml><?xml version="1.0" encoding="utf-8"?>
 <p:sld xmlns:a="http://schemas.openxmlformats.org/drawingml/2006/main" xmlns:r="http://schemas.openxmlformats.org/officeDocument/2006/relationships" xmlns:p="http://schemas.openxmlformats.org/presentationml/2006/main">
   <p:cSld>
     <p:spTree>
@@ -6015,7 +6161,7 @@
 </p:sld>
 </file>
 
-<file path=ppt/slides/slide8.xml><?xml version="1.0" encoding="utf-8"?>
+<file path=ppt/slides/slide9.xml><?xml version="1.0" encoding="utf-8"?>
 <p:sld xmlns:a="http://schemas.openxmlformats.org/drawingml/2006/main" xmlns:r="http://schemas.openxmlformats.org/officeDocument/2006/relationships" xmlns:p="http://schemas.openxmlformats.org/presentationml/2006/main">
   <p:cSld>
     <p:bg>
@@ -6306,72 +6452,6 @@
     <p:extLst>
       <p:ext uri="{BB962C8B-B14F-4D97-AF65-F5344CB8AC3E}">
         <p14:creationId xmlns:p14="http://schemas.microsoft.com/office/powerpoint/2010/main" val="1136285772"/>
-      </p:ext>
-    </p:extLst>
-  </p:cSld>
-  <p:clrMapOvr>
-    <a:masterClrMapping/>
-  </p:clrMapOvr>
-</p:sld>
-</file>
-
-<file path=ppt/slides/slide9.xml><?xml version="1.0" encoding="utf-8"?>
-<p:sld xmlns:a="http://schemas.openxmlformats.org/drawingml/2006/main" xmlns:r="http://schemas.openxmlformats.org/officeDocument/2006/relationships" xmlns:p="http://schemas.openxmlformats.org/presentationml/2006/main">
-  <p:cSld>
-    <p:spTree>
-      <p:nvGrpSpPr>
-        <p:cNvPr id="1" name=""/>
-        <p:cNvGrpSpPr/>
-        <p:nvPr/>
-      </p:nvGrpSpPr>
-      <p:grpSpPr>
-        <a:xfrm>
-          <a:off x="0" y="0"/>
-          <a:ext cx="0" cy="0"/>
-          <a:chOff x="0" y="0"/>
-          <a:chExt cx="0" cy="0"/>
-        </a:xfrm>
-      </p:grpSpPr>
-      <p:pic>
-        <p:nvPicPr>
-          <p:cNvPr id="5" name="Picture 4" descr="A black and white screen with white text&#10;&#10;Description automatically generated">
-            <a:extLst>
-              <a:ext uri="{FF2B5EF4-FFF2-40B4-BE49-F238E27FC236}">
-                <a16:creationId xmlns:a16="http://schemas.microsoft.com/office/drawing/2014/main" id="{F01B4522-C1CA-218C-8710-B2D2D169BFE8}"/>
-              </a:ext>
-            </a:extLst>
-          </p:cNvPr>
-          <p:cNvPicPr>
-            <a:picLocks noChangeAspect="1"/>
-          </p:cNvPicPr>
-          <p:nvPr/>
-        </p:nvPicPr>
-        <p:blipFill>
-          <a:blip r:embed="rId2">
-            <a:extLst>
-              <a:ext uri="{28A0092B-C50C-407E-A947-70E740481C1C}">
-                <a14:useLocalDpi xmlns:a14="http://schemas.microsoft.com/office/drawing/2010/main" val="0"/>
-              </a:ext>
-            </a:extLst>
-          </a:blip>
-          <a:stretch>
-            <a:fillRect/>
-          </a:stretch>
-        </p:blipFill>
-        <p:spPr>
-          <a:xfrm>
-            <a:off x="0" y="4762"/>
-            <a:ext cx="12192000" cy="6848475"/>
-          </a:xfrm>
-          <a:prstGeom prst="rect">
-            <a:avLst/>
-          </a:prstGeom>
-        </p:spPr>
-      </p:pic>
-    </p:spTree>
-    <p:extLst>
-      <p:ext uri="{BB962C8B-B14F-4D97-AF65-F5344CB8AC3E}">
-        <p14:creationId xmlns:p14="http://schemas.microsoft.com/office/powerpoint/2010/main" val="1319310568"/>
       </p:ext>
     </p:extLst>
   </p:cSld>

--- a/stim/instructions.pptx
+++ b/stim/instructions.pptx
@@ -5,22 +5,18 @@
     <p:sldMasterId id="2147483648" r:id="rId1"/>
   </p:sldMasterIdLst>
   <p:sldIdLst>
-    <p:sldId id="256" r:id="rId2"/>
-    <p:sldId id="271" r:id="rId3"/>
-    <p:sldId id="262" r:id="rId4"/>
-    <p:sldId id="269" r:id="rId5"/>
-    <p:sldId id="270" r:id="rId6"/>
-    <p:sldId id="257" r:id="rId7"/>
-    <p:sldId id="263" r:id="rId8"/>
-    <p:sldId id="258" r:id="rId9"/>
-    <p:sldId id="264" r:id="rId10"/>
-    <p:sldId id="259" r:id="rId11"/>
-    <p:sldId id="265" r:id="rId12"/>
-    <p:sldId id="260" r:id="rId13"/>
-    <p:sldId id="266" r:id="rId14"/>
-    <p:sldId id="261" r:id="rId15"/>
-    <p:sldId id="267" r:id="rId16"/>
-    <p:sldId id="268" r:id="rId17"/>
+    <p:sldId id="270" r:id="rId2"/>
+    <p:sldId id="263" r:id="rId3"/>
+    <p:sldId id="264" r:id="rId4"/>
+    <p:sldId id="265" r:id="rId5"/>
+    <p:sldId id="266" r:id="rId6"/>
+    <p:sldId id="267" r:id="rId7"/>
+    <p:sldId id="268" r:id="rId8"/>
+    <p:sldId id="271" r:id="rId9"/>
+    <p:sldId id="272" r:id="rId10"/>
+    <p:sldId id="273" r:id="rId11"/>
+    <p:sldId id="274" r:id="rId12"/>
+    <p:sldId id="275" r:id="rId13"/>
   </p:sldIdLst>
   <p:sldSz cx="12192000" cy="6858000"/>
   <p:notesSz cx="6858000" cy="9144000"/>
@@ -274,7 +270,7 @@
           <a:p>
             <a:fld id="{EEF644FE-562C-401D-8F4D-8C6CAC9B5F76}" type="datetimeFigureOut">
               <a:rPr lang="en-US" smtClean="0"/>
-              <a:t>11/25/2024</a:t>
+              <a:t>12/7/2024</a:t>
             </a:fld>
             <a:endParaRPr lang="en-US"/>
           </a:p>
@@ -472,7 +468,7 @@
           <a:p>
             <a:fld id="{EEF644FE-562C-401D-8F4D-8C6CAC9B5F76}" type="datetimeFigureOut">
               <a:rPr lang="en-US" smtClean="0"/>
-              <a:t>11/25/2024</a:t>
+              <a:t>12/7/2024</a:t>
             </a:fld>
             <a:endParaRPr lang="en-US"/>
           </a:p>
@@ -680,7 +676,7 @@
           <a:p>
             <a:fld id="{EEF644FE-562C-401D-8F4D-8C6CAC9B5F76}" type="datetimeFigureOut">
               <a:rPr lang="en-US" smtClean="0"/>
-              <a:t>11/25/2024</a:t>
+              <a:t>12/7/2024</a:t>
             </a:fld>
             <a:endParaRPr lang="en-US"/>
           </a:p>
@@ -878,7 +874,7 @@
           <a:p>
             <a:fld id="{EEF644FE-562C-401D-8F4D-8C6CAC9B5F76}" type="datetimeFigureOut">
               <a:rPr lang="en-US" smtClean="0"/>
-              <a:t>11/25/2024</a:t>
+              <a:t>12/7/2024</a:t>
             </a:fld>
             <a:endParaRPr lang="en-US"/>
           </a:p>
@@ -1153,7 +1149,7 @@
           <a:p>
             <a:fld id="{EEF644FE-562C-401D-8F4D-8C6CAC9B5F76}" type="datetimeFigureOut">
               <a:rPr lang="en-US" smtClean="0"/>
-              <a:t>11/25/2024</a:t>
+              <a:t>12/7/2024</a:t>
             </a:fld>
             <a:endParaRPr lang="en-US"/>
           </a:p>
@@ -1418,7 +1414,7 @@
           <a:p>
             <a:fld id="{EEF644FE-562C-401D-8F4D-8C6CAC9B5F76}" type="datetimeFigureOut">
               <a:rPr lang="en-US" smtClean="0"/>
-              <a:t>11/25/2024</a:t>
+              <a:t>12/7/2024</a:t>
             </a:fld>
             <a:endParaRPr lang="en-US"/>
           </a:p>
@@ -1830,7 +1826,7 @@
           <a:p>
             <a:fld id="{EEF644FE-562C-401D-8F4D-8C6CAC9B5F76}" type="datetimeFigureOut">
               <a:rPr lang="en-US" smtClean="0"/>
-              <a:t>11/25/2024</a:t>
+              <a:t>12/7/2024</a:t>
             </a:fld>
             <a:endParaRPr lang="en-US"/>
           </a:p>
@@ -1971,7 +1967,7 @@
           <a:p>
             <a:fld id="{EEF644FE-562C-401D-8F4D-8C6CAC9B5F76}" type="datetimeFigureOut">
               <a:rPr lang="en-US" smtClean="0"/>
-              <a:t>11/25/2024</a:t>
+              <a:t>12/7/2024</a:t>
             </a:fld>
             <a:endParaRPr lang="en-US"/>
           </a:p>
@@ -2084,7 +2080,7 @@
           <a:p>
             <a:fld id="{EEF644FE-562C-401D-8F4D-8C6CAC9B5F76}" type="datetimeFigureOut">
               <a:rPr lang="en-US" smtClean="0"/>
-              <a:t>11/25/2024</a:t>
+              <a:t>12/7/2024</a:t>
             </a:fld>
             <a:endParaRPr lang="en-US"/>
           </a:p>
@@ -2395,7 +2391,7 @@
           <a:p>
             <a:fld id="{EEF644FE-562C-401D-8F4D-8C6CAC9B5F76}" type="datetimeFigureOut">
               <a:rPr lang="en-US" smtClean="0"/>
-              <a:t>11/25/2024</a:t>
+              <a:t>12/7/2024</a:t>
             </a:fld>
             <a:endParaRPr lang="en-US"/>
           </a:p>
@@ -2683,7 +2679,7 @@
           <a:p>
             <a:fld id="{EEF644FE-562C-401D-8F4D-8C6CAC9B5F76}" type="datetimeFigureOut">
               <a:rPr lang="en-US" smtClean="0"/>
-              <a:t>11/25/2024</a:t>
+              <a:t>12/7/2024</a:t>
             </a:fld>
             <a:endParaRPr lang="en-US"/>
           </a:p>
@@ -2760,9 +2756,12 @@
 <p:sldMaster xmlns:a="http://schemas.openxmlformats.org/drawingml/2006/main" xmlns:r="http://schemas.openxmlformats.org/officeDocument/2006/relationships" xmlns:p="http://schemas.openxmlformats.org/presentationml/2006/main">
   <p:cSld>
     <p:bg>
-      <p:bgRef idx="1001">
-        <a:schemeClr val="bg1"/>
-      </p:bgRef>
+      <p:bgPr>
+        <a:solidFill>
+          <a:schemeClr val="tx1"/>
+        </a:solidFill>
+        <a:effectLst/>
+      </p:bgPr>
     </p:bg>
     <p:spTree>
       <p:nvGrpSpPr>
@@ -2924,7 +2923,7 @@
           <a:p>
             <a:fld id="{EEF644FE-562C-401D-8F4D-8C6CAC9B5F76}" type="datetimeFigureOut">
               <a:rPr lang="en-US" smtClean="0"/>
-              <a:t>11/25/2024</a:t>
+              <a:t>12/7/2024</a:t>
             </a:fld>
             <a:endParaRPr lang="en-US"/>
           </a:p>
@@ -3329,1980 +3328,6 @@
   <p:cSld>
     <p:spTree>
       <p:nvGrpSpPr>
-        <p:cNvPr id="1" name=""/>
-        <p:cNvGrpSpPr/>
-        <p:nvPr/>
-      </p:nvGrpSpPr>
-      <p:grpSpPr>
-        <a:xfrm>
-          <a:off x="0" y="0"/>
-          <a:ext cx="0" cy="0"/>
-          <a:chOff x="0" y="0"/>
-          <a:chExt cx="0" cy="0"/>
-        </a:xfrm>
-      </p:grpSpPr>
-      <p:pic>
-        <p:nvPicPr>
-          <p:cNvPr id="17" name="Picture 16" descr="A black and white screen with white text&#10;&#10;Description automatically generated">
-            <a:extLst>
-              <a:ext uri="{FF2B5EF4-FFF2-40B4-BE49-F238E27FC236}">
-                <a16:creationId xmlns:a16="http://schemas.microsoft.com/office/drawing/2014/main" id="{CBF9F255-3566-C21A-B00C-00C5233BD2D0}"/>
-              </a:ext>
-            </a:extLst>
-          </p:cNvPr>
-          <p:cNvPicPr>
-            <a:picLocks noChangeAspect="1"/>
-          </p:cNvPicPr>
-          <p:nvPr/>
-        </p:nvPicPr>
-        <p:blipFill>
-          <a:blip r:embed="rId2">
-            <a:extLst>
-              <a:ext uri="{28A0092B-C50C-407E-A947-70E740481C1C}">
-                <a14:useLocalDpi xmlns:a14="http://schemas.microsoft.com/office/drawing/2010/main" val="0"/>
-              </a:ext>
-            </a:extLst>
-          </a:blip>
-          <a:stretch>
-            <a:fillRect/>
-          </a:stretch>
-        </p:blipFill>
-        <p:spPr>
-          <a:xfrm>
-            <a:off x="0" y="4762"/>
-            <a:ext cx="12192000" cy="6848475"/>
-          </a:xfrm>
-          <a:prstGeom prst="rect">
-            <a:avLst/>
-          </a:prstGeom>
-        </p:spPr>
-      </p:pic>
-    </p:spTree>
-    <p:extLst>
-      <p:ext uri="{BB962C8B-B14F-4D97-AF65-F5344CB8AC3E}">
-        <p14:creationId xmlns:p14="http://schemas.microsoft.com/office/powerpoint/2010/main" val="2079816479"/>
-      </p:ext>
-    </p:extLst>
-  </p:cSld>
-  <p:clrMapOvr>
-    <a:masterClrMapping/>
-  </p:clrMapOvr>
-</p:sld>
-</file>
-
-<file path=ppt/slides/slide10.xml><?xml version="1.0" encoding="utf-8"?>
-<p:sld xmlns:a="http://schemas.openxmlformats.org/drawingml/2006/main" xmlns:r="http://schemas.openxmlformats.org/officeDocument/2006/relationships" xmlns:p="http://schemas.openxmlformats.org/presentationml/2006/main">
-  <p:cSld>
-    <p:spTree>
-      <p:nvGrpSpPr>
-        <p:cNvPr id="1" name=""/>
-        <p:cNvGrpSpPr/>
-        <p:nvPr/>
-      </p:nvGrpSpPr>
-      <p:grpSpPr>
-        <a:xfrm>
-          <a:off x="0" y="0"/>
-          <a:ext cx="0" cy="0"/>
-          <a:chOff x="0" y="0"/>
-          <a:chExt cx="0" cy="0"/>
-        </a:xfrm>
-      </p:grpSpPr>
-      <p:pic>
-        <p:nvPicPr>
-          <p:cNvPr id="5" name="Picture 4" descr="A black and white screen with white text&#10;&#10;Description automatically generated">
-            <a:extLst>
-              <a:ext uri="{FF2B5EF4-FFF2-40B4-BE49-F238E27FC236}">
-                <a16:creationId xmlns:a16="http://schemas.microsoft.com/office/drawing/2014/main" id="{F01B4522-C1CA-218C-8710-B2D2D169BFE8}"/>
-              </a:ext>
-            </a:extLst>
-          </p:cNvPr>
-          <p:cNvPicPr>
-            <a:picLocks noChangeAspect="1"/>
-          </p:cNvPicPr>
-          <p:nvPr/>
-        </p:nvPicPr>
-        <p:blipFill>
-          <a:blip r:embed="rId2">
-            <a:extLst>
-              <a:ext uri="{28A0092B-C50C-407E-A947-70E740481C1C}">
-                <a14:useLocalDpi xmlns:a14="http://schemas.microsoft.com/office/drawing/2010/main" val="0"/>
-              </a:ext>
-            </a:extLst>
-          </a:blip>
-          <a:stretch>
-            <a:fillRect/>
-          </a:stretch>
-        </p:blipFill>
-        <p:spPr>
-          <a:xfrm>
-            <a:off x="0" y="4762"/>
-            <a:ext cx="12192000" cy="6848475"/>
-          </a:xfrm>
-          <a:prstGeom prst="rect">
-            <a:avLst/>
-          </a:prstGeom>
-        </p:spPr>
-      </p:pic>
-    </p:spTree>
-    <p:extLst>
-      <p:ext uri="{BB962C8B-B14F-4D97-AF65-F5344CB8AC3E}">
-        <p14:creationId xmlns:p14="http://schemas.microsoft.com/office/powerpoint/2010/main" val="1319310568"/>
-      </p:ext>
-    </p:extLst>
-  </p:cSld>
-  <p:clrMapOvr>
-    <a:masterClrMapping/>
-  </p:clrMapOvr>
-</p:sld>
-</file>
-
-<file path=ppt/slides/slide11.xml><?xml version="1.0" encoding="utf-8"?>
-<p:sld xmlns:a="http://schemas.openxmlformats.org/drawingml/2006/main" xmlns:r="http://schemas.openxmlformats.org/officeDocument/2006/relationships" xmlns:p="http://schemas.openxmlformats.org/presentationml/2006/main">
-  <p:cSld>
-    <p:bg>
-      <p:bgPr>
-        <a:solidFill>
-          <a:schemeClr val="tx1"/>
-        </a:solidFill>
-        <a:effectLst/>
-      </p:bgPr>
-    </p:bg>
-    <p:spTree>
-      <p:nvGrpSpPr>
-        <p:cNvPr id="1" name="">
-          <a:extLst>
-            <a:ext uri="{FF2B5EF4-FFF2-40B4-BE49-F238E27FC236}">
-              <a16:creationId xmlns:a16="http://schemas.microsoft.com/office/drawing/2014/main" id="{DA457FAA-12C6-B7B9-40AB-1F8834613552}"/>
-            </a:ext>
-          </a:extLst>
-        </p:cNvPr>
-        <p:cNvGrpSpPr/>
-        <p:nvPr/>
-      </p:nvGrpSpPr>
-      <p:grpSpPr>
-        <a:xfrm>
-          <a:off x="0" y="0"/>
-          <a:ext cx="0" cy="0"/>
-          <a:chOff x="0" y="0"/>
-          <a:chExt cx="0" cy="0"/>
-        </a:xfrm>
-      </p:grpSpPr>
-      <p:sp>
-        <p:nvSpPr>
-          <p:cNvPr id="20" name="TextBox 19">
-            <a:extLst>
-              <a:ext uri="{FF2B5EF4-FFF2-40B4-BE49-F238E27FC236}">
-                <a16:creationId xmlns:a16="http://schemas.microsoft.com/office/drawing/2014/main" id="{45AE4E81-E3E1-8F68-413C-404506E5E00A}"/>
-              </a:ext>
-            </a:extLst>
-          </p:cNvPr>
-          <p:cNvSpPr txBox="1"/>
-          <p:nvPr/>
-        </p:nvSpPr>
-        <p:spPr>
-          <a:xfrm>
-            <a:off x="545222" y="4351239"/>
-            <a:ext cx="11101565" cy="1892826"/>
-          </a:xfrm>
-          <a:prstGeom prst="rect">
-            <a:avLst/>
-          </a:prstGeom>
-          <a:noFill/>
-        </p:spPr>
-        <p:txBody>
-          <a:bodyPr wrap="none" rtlCol="0">
-            <a:spAutoFit/>
-          </a:bodyPr>
-          <a:lstStyle/>
-          <a:p>
-            <a:pPr algn="ctr"/>
-            <a:r>
-              <a:rPr lang="en-US" sz="3900" b="0" i="0" dirty="0">
-                <a:solidFill>
-                  <a:schemeClr val="bg1"/>
-                </a:solidFill>
-                <a:effectLst/>
-                <a:latin typeface="Menlo"/>
-              </a:rPr>
-              <a:t>After </a:t>
-            </a:r>
-            <a:r>
-              <a:rPr lang="en-US" altLang="zh-CN" sz="3900" b="0" i="0" dirty="0">
-                <a:solidFill>
-                  <a:schemeClr val="bg1"/>
-                </a:solidFill>
-                <a:effectLst/>
-                <a:latin typeface="Menlo"/>
-              </a:rPr>
-              <a:t>another</a:t>
-            </a:r>
-            <a:r>
-              <a:rPr lang="en-US" sz="3900" b="0" i="0" dirty="0">
-                <a:solidFill>
-                  <a:schemeClr val="bg1"/>
-                </a:solidFill>
-                <a:effectLst/>
-                <a:latin typeface="Menlo"/>
-              </a:rPr>
-              <a:t> delay, you will see a green circle (      )</a:t>
-            </a:r>
-            <a:r>
-              <a:rPr lang="en-US" sz="3900" dirty="0">
-                <a:solidFill>
-                  <a:schemeClr val="bg1"/>
-                </a:solidFill>
-                <a:latin typeface="Menlo"/>
-              </a:rPr>
-              <a:t>.</a:t>
-            </a:r>
-          </a:p>
-          <a:p>
-            <a:pPr algn="ctr"/>
-            <a:r>
-              <a:rPr lang="en-US" sz="3900" u="sng" dirty="0">
-                <a:solidFill>
-                  <a:schemeClr val="bg1"/>
-                </a:solidFill>
-                <a:latin typeface="Menlo"/>
-              </a:rPr>
-              <a:t>Reverse the order of sounds and say them</a:t>
-            </a:r>
-            <a:r>
-              <a:rPr lang="en-US" sz="3900" dirty="0">
-                <a:solidFill>
-                  <a:schemeClr val="bg1"/>
-                </a:solidFill>
-                <a:latin typeface="Menlo"/>
-              </a:rPr>
-              <a:t> </a:t>
-            </a:r>
-          </a:p>
-          <a:p>
-            <a:pPr algn="ctr"/>
-            <a:r>
-              <a:rPr lang="en-US" sz="3900" dirty="0">
-                <a:solidFill>
-                  <a:schemeClr val="bg1"/>
-                </a:solidFill>
-                <a:latin typeface="Menlo"/>
-              </a:rPr>
-              <a:t>once the circle appears.</a:t>
-            </a:r>
-            <a:endParaRPr lang="en-US" sz="3900" b="0" i="0" dirty="0">
-              <a:solidFill>
-                <a:schemeClr val="bg1"/>
-              </a:solidFill>
-              <a:effectLst/>
-              <a:latin typeface="Menlo"/>
-            </a:endParaRPr>
-          </a:p>
-        </p:txBody>
-      </p:sp>
-      <p:sp>
-        <p:nvSpPr>
-          <p:cNvPr id="19" name="TextBox 18">
-            <a:extLst>
-              <a:ext uri="{FF2B5EF4-FFF2-40B4-BE49-F238E27FC236}">
-                <a16:creationId xmlns:a16="http://schemas.microsoft.com/office/drawing/2014/main" id="{792D4B31-97DC-B7B5-E6AC-8177CC7B7919}"/>
-              </a:ext>
-            </a:extLst>
-          </p:cNvPr>
-          <p:cNvSpPr txBox="1"/>
-          <p:nvPr/>
-        </p:nvSpPr>
-        <p:spPr>
-          <a:xfrm>
-            <a:off x="1622021" y="583457"/>
-            <a:ext cx="8947962" cy="1892826"/>
-          </a:xfrm>
-          <a:prstGeom prst="rect">
-            <a:avLst/>
-          </a:prstGeom>
-          <a:noFill/>
-        </p:spPr>
-        <p:txBody>
-          <a:bodyPr wrap="none" rtlCol="0">
-            <a:spAutoFit/>
-          </a:bodyPr>
-          <a:lstStyle/>
-          <a:p>
-            <a:pPr algn="ctr"/>
-            <a:r>
-              <a:rPr lang="en-US" sz="3900" b="0" i="0" dirty="0">
-                <a:solidFill>
-                  <a:schemeClr val="bg1"/>
-                </a:solidFill>
-                <a:effectLst/>
-                <a:latin typeface="Menlo"/>
-              </a:rPr>
-              <a:t>You will hear two sounds (sounds 1 and 2). </a:t>
-            </a:r>
-          </a:p>
-          <a:p>
-            <a:pPr algn="ctr"/>
-            <a:r>
-              <a:rPr lang="en-US" sz="3900" b="0" i="0" dirty="0">
-                <a:solidFill>
-                  <a:schemeClr val="bg1"/>
-                </a:solidFill>
-                <a:effectLst/>
-                <a:latin typeface="Menlo"/>
-              </a:rPr>
-              <a:t>Keep them in mind.</a:t>
-            </a:r>
-          </a:p>
-          <a:p>
-            <a:pPr algn="ctr"/>
-            <a:r>
-              <a:rPr lang="en-US" sz="3900" b="0" i="0" dirty="0">
-                <a:solidFill>
-                  <a:schemeClr val="bg1"/>
-                </a:solidFill>
-                <a:effectLst/>
-                <a:latin typeface="Menlo"/>
-              </a:rPr>
-              <a:t>After a delay, you will see a cue on screen:</a:t>
-            </a:r>
-          </a:p>
-        </p:txBody>
-      </p:sp>
-      <p:pic>
-        <p:nvPicPr>
-          <p:cNvPr id="2" name="Picture 1" descr="A black and white screen with white text">
-            <a:extLst>
-              <a:ext uri="{FF2B5EF4-FFF2-40B4-BE49-F238E27FC236}">
-                <a16:creationId xmlns:a16="http://schemas.microsoft.com/office/drawing/2014/main" id="{BFC97D69-8780-3C91-3DF0-749659D5D34B}"/>
-              </a:ext>
-            </a:extLst>
-          </p:cNvPr>
-          <p:cNvPicPr>
-            <a:picLocks noChangeAspect="1"/>
-          </p:cNvPicPr>
-          <p:nvPr/>
-        </p:nvPicPr>
-        <p:blipFill>
-          <a:blip r:embed="rId2">
-            <a:extLst>
-              <a:ext uri="{28A0092B-C50C-407E-A947-70E740481C1C}">
-                <a14:useLocalDpi xmlns:a14="http://schemas.microsoft.com/office/drawing/2010/main" val="0"/>
-              </a:ext>
-            </a:extLst>
-          </a:blip>
-          <a:srcRect t="43102" b="42359"/>
-          <a:stretch/>
-        </p:blipFill>
-        <p:spPr>
-          <a:xfrm>
-            <a:off x="0" y="2956561"/>
-            <a:ext cx="12192000" cy="995680"/>
-          </a:xfrm>
-          <a:prstGeom prst="rect">
-            <a:avLst/>
-          </a:prstGeom>
-        </p:spPr>
-      </p:pic>
-      <p:pic>
-        <p:nvPicPr>
-          <p:cNvPr id="5" name="Picture 4" descr="A green circle with black background&#10;&#10;Description automatically generated">
-            <a:extLst>
-              <a:ext uri="{FF2B5EF4-FFF2-40B4-BE49-F238E27FC236}">
-                <a16:creationId xmlns:a16="http://schemas.microsoft.com/office/drawing/2014/main" id="{7B669571-6612-132B-E03C-A933DB07809F}"/>
-              </a:ext>
-            </a:extLst>
-          </p:cNvPr>
-          <p:cNvPicPr>
-            <a:picLocks noChangeAspect="1"/>
-          </p:cNvPicPr>
-          <p:nvPr/>
-        </p:nvPicPr>
-        <p:blipFill>
-          <a:blip r:embed="rId3">
-            <a:extLst>
-              <a:ext uri="{28A0092B-C50C-407E-A947-70E740481C1C}">
-                <a14:useLocalDpi xmlns:a14="http://schemas.microsoft.com/office/drawing/2010/main" val="0"/>
-              </a:ext>
-            </a:extLst>
-          </a:blip>
-          <a:stretch>
-            <a:fillRect/>
-          </a:stretch>
-        </p:blipFill>
-        <p:spPr>
-          <a:xfrm>
-            <a:off x="10427510" y="4432519"/>
-            <a:ext cx="579238" cy="579238"/>
-          </a:xfrm>
-          <a:prstGeom prst="rect">
-            <a:avLst/>
-          </a:prstGeom>
-        </p:spPr>
-      </p:pic>
-    </p:spTree>
-    <p:extLst>
-      <p:ext uri="{BB962C8B-B14F-4D97-AF65-F5344CB8AC3E}">
-        <p14:creationId xmlns:p14="http://schemas.microsoft.com/office/powerpoint/2010/main" val="3205096061"/>
-      </p:ext>
-    </p:extLst>
-  </p:cSld>
-  <p:clrMapOvr>
-    <a:masterClrMapping/>
-  </p:clrMapOvr>
-</p:sld>
-</file>
-
-<file path=ppt/slides/slide12.xml><?xml version="1.0" encoding="utf-8"?>
-<p:sld xmlns:a="http://schemas.openxmlformats.org/drawingml/2006/main" xmlns:r="http://schemas.openxmlformats.org/officeDocument/2006/relationships" xmlns:p="http://schemas.openxmlformats.org/presentationml/2006/main">
-  <p:cSld>
-    <p:spTree>
-      <p:nvGrpSpPr>
-        <p:cNvPr id="1" name=""/>
-        <p:cNvGrpSpPr/>
-        <p:nvPr/>
-      </p:nvGrpSpPr>
-      <p:grpSpPr>
-        <a:xfrm>
-          <a:off x="0" y="0"/>
-          <a:ext cx="0" cy="0"/>
-          <a:chOff x="0" y="0"/>
-          <a:chExt cx="0" cy="0"/>
-        </a:xfrm>
-      </p:grpSpPr>
-      <p:pic>
-        <p:nvPicPr>
-          <p:cNvPr id="5" name="Picture 4" descr="A screenshot of a black screen&#10;&#10;Description automatically generated">
-            <a:extLst>
-              <a:ext uri="{FF2B5EF4-FFF2-40B4-BE49-F238E27FC236}">
-                <a16:creationId xmlns:a16="http://schemas.microsoft.com/office/drawing/2014/main" id="{3803988E-AA88-E136-AD00-ACFC9513B81D}"/>
-              </a:ext>
-            </a:extLst>
-          </p:cNvPr>
-          <p:cNvPicPr>
-            <a:picLocks noChangeAspect="1"/>
-          </p:cNvPicPr>
-          <p:nvPr/>
-        </p:nvPicPr>
-        <p:blipFill>
-          <a:blip r:embed="rId2">
-            <a:extLst>
-              <a:ext uri="{28A0092B-C50C-407E-A947-70E740481C1C}">
-                <a14:useLocalDpi xmlns:a14="http://schemas.microsoft.com/office/drawing/2010/main" val="0"/>
-              </a:ext>
-            </a:extLst>
-          </a:blip>
-          <a:stretch>
-            <a:fillRect/>
-          </a:stretch>
-        </p:blipFill>
-        <p:spPr>
-          <a:xfrm>
-            <a:off x="0" y="4762"/>
-            <a:ext cx="12192000" cy="6848475"/>
-          </a:xfrm>
-          <a:prstGeom prst="rect">
-            <a:avLst/>
-          </a:prstGeom>
-        </p:spPr>
-      </p:pic>
-    </p:spTree>
-    <p:extLst>
-      <p:ext uri="{BB962C8B-B14F-4D97-AF65-F5344CB8AC3E}">
-        <p14:creationId xmlns:p14="http://schemas.microsoft.com/office/powerpoint/2010/main" val="50808137"/>
-      </p:ext>
-    </p:extLst>
-  </p:cSld>
-  <p:clrMapOvr>
-    <a:masterClrMapping/>
-  </p:clrMapOvr>
-</p:sld>
-</file>
-
-<file path=ppt/slides/slide13.xml><?xml version="1.0" encoding="utf-8"?>
-<p:sld xmlns:a="http://schemas.openxmlformats.org/drawingml/2006/main" xmlns:r="http://schemas.openxmlformats.org/officeDocument/2006/relationships" xmlns:p="http://schemas.openxmlformats.org/presentationml/2006/main">
-  <p:cSld>
-    <p:bg>
-      <p:bgPr>
-        <a:solidFill>
-          <a:schemeClr val="tx1"/>
-        </a:solidFill>
-        <a:effectLst/>
-      </p:bgPr>
-    </p:bg>
-    <p:spTree>
-      <p:nvGrpSpPr>
-        <p:cNvPr id="1" name="">
-          <a:extLst>
-            <a:ext uri="{FF2B5EF4-FFF2-40B4-BE49-F238E27FC236}">
-              <a16:creationId xmlns:a16="http://schemas.microsoft.com/office/drawing/2014/main" id="{45E7330F-ACEA-3D7B-D9E8-5456D3CA4EBC}"/>
-            </a:ext>
-          </a:extLst>
-        </p:cNvPr>
-        <p:cNvGrpSpPr/>
-        <p:nvPr/>
-      </p:nvGrpSpPr>
-      <p:grpSpPr>
-        <a:xfrm>
-          <a:off x="0" y="0"/>
-          <a:ext cx="0" cy="0"/>
-          <a:chOff x="0" y="0"/>
-          <a:chExt cx="0" cy="0"/>
-        </a:xfrm>
-      </p:grpSpPr>
-      <p:sp>
-        <p:nvSpPr>
-          <p:cNvPr id="20" name="TextBox 19">
-            <a:extLst>
-              <a:ext uri="{FF2B5EF4-FFF2-40B4-BE49-F238E27FC236}">
-                <a16:creationId xmlns:a16="http://schemas.microsoft.com/office/drawing/2014/main" id="{B203A73B-4464-4217-5C1E-17A2C0778F44}"/>
-              </a:ext>
-            </a:extLst>
-          </p:cNvPr>
-          <p:cNvSpPr txBox="1"/>
-          <p:nvPr/>
-        </p:nvSpPr>
-        <p:spPr>
-          <a:xfrm>
-            <a:off x="2537686" y="4351239"/>
-            <a:ext cx="7116628" cy="692497"/>
-          </a:xfrm>
-          <a:prstGeom prst="rect">
-            <a:avLst/>
-          </a:prstGeom>
-          <a:noFill/>
-        </p:spPr>
-        <p:txBody>
-          <a:bodyPr wrap="none" rtlCol="0">
-            <a:spAutoFit/>
-          </a:bodyPr>
-          <a:lstStyle/>
-          <a:p>
-            <a:pPr algn="ctr"/>
-            <a:r>
-              <a:rPr lang="en-US" sz="3900" b="0" i="0" dirty="0">
-                <a:solidFill>
-                  <a:schemeClr val="bg1"/>
-                </a:solidFill>
-                <a:effectLst/>
-                <a:latin typeface="Menlo"/>
-              </a:rPr>
-              <a:t>Once you see the cue, </a:t>
-            </a:r>
-            <a:r>
-              <a:rPr lang="en-US" sz="3900" b="0" i="0" u="sng" dirty="0">
-                <a:solidFill>
-                  <a:schemeClr val="bg1"/>
-                </a:solidFill>
-                <a:effectLst/>
-                <a:latin typeface="Menlo"/>
-              </a:rPr>
-              <a:t>do nothing</a:t>
-            </a:r>
-            <a:r>
-              <a:rPr lang="en-US" sz="3900" b="0" i="0" dirty="0">
-                <a:solidFill>
-                  <a:schemeClr val="bg1"/>
-                </a:solidFill>
-                <a:effectLst/>
-                <a:latin typeface="Menlo"/>
-              </a:rPr>
-              <a:t>.</a:t>
-            </a:r>
-          </a:p>
-        </p:txBody>
-      </p:sp>
-      <p:sp>
-        <p:nvSpPr>
-          <p:cNvPr id="19" name="TextBox 18">
-            <a:extLst>
-              <a:ext uri="{FF2B5EF4-FFF2-40B4-BE49-F238E27FC236}">
-                <a16:creationId xmlns:a16="http://schemas.microsoft.com/office/drawing/2014/main" id="{56DCAE30-03FE-881F-6DA4-44CFFF2CB207}"/>
-              </a:ext>
-            </a:extLst>
-          </p:cNvPr>
-          <p:cNvSpPr txBox="1"/>
-          <p:nvPr/>
-        </p:nvSpPr>
-        <p:spPr>
-          <a:xfrm>
-            <a:off x="1622021" y="583457"/>
-            <a:ext cx="8947962" cy="1892826"/>
-          </a:xfrm>
-          <a:prstGeom prst="rect">
-            <a:avLst/>
-          </a:prstGeom>
-          <a:noFill/>
-        </p:spPr>
-        <p:txBody>
-          <a:bodyPr wrap="none" rtlCol="0">
-            <a:spAutoFit/>
-          </a:bodyPr>
-          <a:lstStyle/>
-          <a:p>
-            <a:pPr algn="ctr"/>
-            <a:r>
-              <a:rPr lang="en-US" sz="3900" b="0" i="0" dirty="0">
-                <a:solidFill>
-                  <a:schemeClr val="bg1"/>
-                </a:solidFill>
-                <a:effectLst/>
-                <a:latin typeface="Menlo"/>
-              </a:rPr>
-              <a:t>You will hear two sounds (sounds 1 and 2). </a:t>
-            </a:r>
-          </a:p>
-          <a:p>
-            <a:pPr algn="ctr"/>
-            <a:r>
-              <a:rPr lang="en-US" sz="3900" b="0" i="0" dirty="0">
-                <a:solidFill>
-                  <a:schemeClr val="bg1"/>
-                </a:solidFill>
-                <a:effectLst/>
-                <a:latin typeface="Menlo"/>
-              </a:rPr>
-              <a:t>Keep them in mind.</a:t>
-            </a:r>
-          </a:p>
-          <a:p>
-            <a:pPr algn="ctr"/>
-            <a:r>
-              <a:rPr lang="en-US" sz="3900" b="0" i="0" dirty="0">
-                <a:solidFill>
-                  <a:schemeClr val="bg1"/>
-                </a:solidFill>
-                <a:effectLst/>
-                <a:latin typeface="Menlo"/>
-              </a:rPr>
-              <a:t>After a delay, you will see a cue on screen:</a:t>
-            </a:r>
-          </a:p>
-        </p:txBody>
-      </p:sp>
-      <p:pic>
-        <p:nvPicPr>
-          <p:cNvPr id="5" name="Picture 4" descr="A screenshot of a black screen">
-            <a:extLst>
-              <a:ext uri="{FF2B5EF4-FFF2-40B4-BE49-F238E27FC236}">
-                <a16:creationId xmlns:a16="http://schemas.microsoft.com/office/drawing/2014/main" id="{0FF85C45-2648-FB9D-90C0-84696026A099}"/>
-              </a:ext>
-            </a:extLst>
-          </p:cNvPr>
-          <p:cNvPicPr>
-            <a:picLocks noChangeAspect="1"/>
-          </p:cNvPicPr>
-          <p:nvPr/>
-        </p:nvPicPr>
-        <p:blipFill>
-          <a:blip r:embed="rId2">
-            <a:extLst>
-              <a:ext uri="{28A0092B-C50C-407E-A947-70E740481C1C}">
-                <a14:useLocalDpi xmlns:a14="http://schemas.microsoft.com/office/drawing/2010/main" val="0"/>
-              </a:ext>
-            </a:extLst>
-          </a:blip>
-          <a:srcRect t="43844" b="44139"/>
-          <a:stretch/>
-        </p:blipFill>
-        <p:spPr>
-          <a:xfrm>
-            <a:off x="0" y="3007361"/>
-            <a:ext cx="12192000" cy="822960"/>
-          </a:xfrm>
-          <a:prstGeom prst="rect">
-            <a:avLst/>
-          </a:prstGeom>
-        </p:spPr>
-      </p:pic>
-    </p:spTree>
-    <p:extLst>
-      <p:ext uri="{BB962C8B-B14F-4D97-AF65-F5344CB8AC3E}">
-        <p14:creationId xmlns:p14="http://schemas.microsoft.com/office/powerpoint/2010/main" val="2062959938"/>
-      </p:ext>
-    </p:extLst>
-  </p:cSld>
-  <p:clrMapOvr>
-    <a:masterClrMapping/>
-  </p:clrMapOvr>
-</p:sld>
-</file>
-
-<file path=ppt/slides/slide14.xml><?xml version="1.0" encoding="utf-8"?>
-<p:sld xmlns:a="http://schemas.openxmlformats.org/drawingml/2006/main" xmlns:r="http://schemas.openxmlformats.org/officeDocument/2006/relationships" xmlns:p="http://schemas.openxmlformats.org/presentationml/2006/main">
-  <p:cSld>
-    <p:spTree>
-      <p:nvGrpSpPr>
-        <p:cNvPr id="1" name=""/>
-        <p:cNvGrpSpPr/>
-        <p:nvPr/>
-      </p:nvGrpSpPr>
-      <p:grpSpPr>
-        <a:xfrm>
-          <a:off x="0" y="0"/>
-          <a:ext cx="0" cy="0"/>
-          <a:chOff x="0" y="0"/>
-          <a:chExt cx="0" cy="0"/>
-        </a:xfrm>
-      </p:grpSpPr>
-      <p:pic>
-        <p:nvPicPr>
-          <p:cNvPr id="5" name="Picture 4" descr="A black screen with white text&#10;&#10;Description automatically generated">
-            <a:extLst>
-              <a:ext uri="{FF2B5EF4-FFF2-40B4-BE49-F238E27FC236}">
-                <a16:creationId xmlns:a16="http://schemas.microsoft.com/office/drawing/2014/main" id="{5FA05139-82CB-0BC0-2A3C-56DBF90EA81E}"/>
-              </a:ext>
-            </a:extLst>
-          </p:cNvPr>
-          <p:cNvPicPr>
-            <a:picLocks noChangeAspect="1"/>
-          </p:cNvPicPr>
-          <p:nvPr/>
-        </p:nvPicPr>
-        <p:blipFill>
-          <a:blip r:embed="rId2">
-            <a:extLst>
-              <a:ext uri="{28A0092B-C50C-407E-A947-70E740481C1C}">
-                <a14:useLocalDpi xmlns:a14="http://schemas.microsoft.com/office/drawing/2010/main" val="0"/>
-              </a:ext>
-            </a:extLst>
-          </a:blip>
-          <a:stretch>
-            <a:fillRect/>
-          </a:stretch>
-        </p:blipFill>
-        <p:spPr>
-          <a:xfrm>
-            <a:off x="0" y="4762"/>
-            <a:ext cx="12192000" cy="6848475"/>
-          </a:xfrm>
-          <a:prstGeom prst="rect">
-            <a:avLst/>
-          </a:prstGeom>
-        </p:spPr>
-      </p:pic>
-    </p:spTree>
-    <p:extLst>
-      <p:ext uri="{BB962C8B-B14F-4D97-AF65-F5344CB8AC3E}">
-        <p14:creationId xmlns:p14="http://schemas.microsoft.com/office/powerpoint/2010/main" val="2483652347"/>
-      </p:ext>
-    </p:extLst>
-  </p:cSld>
-  <p:clrMapOvr>
-    <a:masterClrMapping/>
-  </p:clrMapOvr>
-</p:sld>
-</file>
-
-<file path=ppt/slides/slide15.xml><?xml version="1.0" encoding="utf-8"?>
-<p:sld xmlns:a="http://schemas.openxmlformats.org/drawingml/2006/main" xmlns:r="http://schemas.openxmlformats.org/officeDocument/2006/relationships" xmlns:p="http://schemas.openxmlformats.org/presentationml/2006/main">
-  <p:cSld>
-    <p:bg>
-      <p:bgPr>
-        <a:solidFill>
-          <a:schemeClr val="tx1"/>
-        </a:solidFill>
-        <a:effectLst/>
-      </p:bgPr>
-    </p:bg>
-    <p:spTree>
-      <p:nvGrpSpPr>
-        <p:cNvPr id="1" name="">
-          <a:extLst>
-            <a:ext uri="{FF2B5EF4-FFF2-40B4-BE49-F238E27FC236}">
-              <a16:creationId xmlns:a16="http://schemas.microsoft.com/office/drawing/2014/main" id="{D29AA06E-E03B-73D9-757E-28D4AC0CBE0D}"/>
-            </a:ext>
-          </a:extLst>
-        </p:cNvPr>
-        <p:cNvGrpSpPr/>
-        <p:nvPr/>
-      </p:nvGrpSpPr>
-      <p:grpSpPr>
-        <a:xfrm>
-          <a:off x="0" y="0"/>
-          <a:ext cx="0" cy="0"/>
-          <a:chOff x="0" y="0"/>
-          <a:chExt cx="0" cy="0"/>
-        </a:xfrm>
-      </p:grpSpPr>
-      <p:sp>
-        <p:nvSpPr>
-          <p:cNvPr id="2" name="TextBox 1">
-            <a:extLst>
-              <a:ext uri="{FF2B5EF4-FFF2-40B4-BE49-F238E27FC236}">
-                <a16:creationId xmlns:a16="http://schemas.microsoft.com/office/drawing/2014/main" id="{406ECF57-2AD8-2869-76D6-B72E6EF3461E}"/>
-              </a:ext>
-            </a:extLst>
-          </p:cNvPr>
-          <p:cNvSpPr txBox="1"/>
-          <p:nvPr/>
-        </p:nvSpPr>
-        <p:spPr>
-          <a:xfrm>
-            <a:off x="3421999" y="540132"/>
-            <a:ext cx="5348002" cy="5777736"/>
-          </a:xfrm>
-          <a:prstGeom prst="rect">
-            <a:avLst/>
-          </a:prstGeom>
-          <a:noFill/>
-        </p:spPr>
-        <p:txBody>
-          <a:bodyPr wrap="none" rtlCol="0">
-            <a:spAutoFit/>
-          </a:bodyPr>
-          <a:lstStyle/>
-          <a:p>
-            <a:pPr>
-              <a:lnSpc>
-                <a:spcPct val="125000"/>
-              </a:lnSpc>
-            </a:pPr>
-            <a:r>
-              <a:rPr lang="en-US" sz="6000" b="0" i="0" dirty="0">
-                <a:solidFill>
-                  <a:schemeClr val="bg1"/>
-                </a:solidFill>
-                <a:effectLst/>
-                <a:latin typeface="Menlo"/>
-              </a:rPr>
-              <a:t>1 2  </a:t>
-            </a:r>
-            <a:r>
-              <a:rPr lang="en-US" sz="3900" b="0" i="0" dirty="0">
-                <a:solidFill>
-                  <a:schemeClr val="bg1"/>
-                </a:solidFill>
-                <a:effectLst/>
-                <a:latin typeface="Menlo"/>
-              </a:rPr>
-              <a:t>Repeat both.</a:t>
-            </a:r>
-          </a:p>
-          <a:p>
-            <a:pPr>
-              <a:lnSpc>
-                <a:spcPct val="125000"/>
-              </a:lnSpc>
-            </a:pPr>
-            <a:r>
-              <a:rPr lang="en-US" sz="6000" dirty="0">
-                <a:solidFill>
-                  <a:schemeClr val="bg1"/>
-                </a:solidFill>
-                <a:latin typeface="Menlo"/>
-              </a:rPr>
-              <a:t>1     </a:t>
-            </a:r>
-            <a:r>
-              <a:rPr lang="en-US" sz="3900" dirty="0">
-                <a:solidFill>
-                  <a:schemeClr val="bg1"/>
-                </a:solidFill>
-                <a:latin typeface="Menlo"/>
-              </a:rPr>
-              <a:t>Repeat the first.</a:t>
-            </a:r>
-          </a:p>
-          <a:p>
-            <a:pPr>
-              <a:lnSpc>
-                <a:spcPct val="125000"/>
-              </a:lnSpc>
-            </a:pPr>
-            <a:r>
-              <a:rPr lang="en-US" sz="6000" b="0" i="0" dirty="0">
-                <a:solidFill>
-                  <a:schemeClr val="bg1"/>
-                </a:solidFill>
-                <a:effectLst/>
-                <a:latin typeface="Menlo"/>
-              </a:rPr>
-              <a:t>2     </a:t>
-            </a:r>
-            <a:r>
-              <a:rPr lang="en-US" sz="3900" b="0" i="0" dirty="0">
-                <a:solidFill>
-                  <a:schemeClr val="bg1"/>
-                </a:solidFill>
-                <a:effectLst/>
-                <a:latin typeface="Menlo"/>
-              </a:rPr>
-              <a:t>Repeat the second.</a:t>
-            </a:r>
-          </a:p>
-          <a:p>
-            <a:pPr>
-              <a:lnSpc>
-                <a:spcPct val="125000"/>
-              </a:lnSpc>
-            </a:pPr>
-            <a:r>
-              <a:rPr lang="en-US" sz="6000" dirty="0">
-                <a:solidFill>
-                  <a:schemeClr val="bg1"/>
-                </a:solidFill>
-                <a:latin typeface="Menlo"/>
-              </a:rPr>
-              <a:t>2 1  </a:t>
-            </a:r>
-            <a:r>
-              <a:rPr lang="en-US" sz="3900" dirty="0">
-                <a:solidFill>
-                  <a:schemeClr val="bg1"/>
-                </a:solidFill>
-                <a:latin typeface="Menlo"/>
-              </a:rPr>
-              <a:t>Reverse and say.</a:t>
-            </a:r>
-          </a:p>
-          <a:p>
-            <a:pPr>
-              <a:lnSpc>
-                <a:spcPct val="125000"/>
-              </a:lnSpc>
-            </a:pPr>
-            <a:r>
-              <a:rPr lang="en-US" sz="6000" b="0" i="0" dirty="0">
-                <a:solidFill>
-                  <a:schemeClr val="bg1"/>
-                </a:solidFill>
-                <a:effectLst/>
-                <a:latin typeface="Menlo"/>
-              </a:rPr>
-              <a:t>0     </a:t>
-            </a:r>
-            <a:r>
-              <a:rPr lang="en-US" sz="3900" b="0" i="0" dirty="0">
-                <a:solidFill>
-                  <a:schemeClr val="bg1"/>
-                </a:solidFill>
-                <a:effectLst/>
-                <a:latin typeface="Menlo"/>
-              </a:rPr>
-              <a:t>Do nothing.</a:t>
-            </a:r>
-          </a:p>
-        </p:txBody>
-      </p:sp>
-    </p:spTree>
-    <p:extLst>
-      <p:ext uri="{BB962C8B-B14F-4D97-AF65-F5344CB8AC3E}">
-        <p14:creationId xmlns:p14="http://schemas.microsoft.com/office/powerpoint/2010/main" val="1208737659"/>
-      </p:ext>
-    </p:extLst>
-  </p:cSld>
-  <p:clrMapOvr>
-    <a:masterClrMapping/>
-  </p:clrMapOvr>
-</p:sld>
-</file>
-
-<file path=ppt/slides/slide16.xml><?xml version="1.0" encoding="utf-8"?>
-<p:sld xmlns:a="http://schemas.openxmlformats.org/drawingml/2006/main" xmlns:r="http://schemas.openxmlformats.org/officeDocument/2006/relationships" xmlns:p="http://schemas.openxmlformats.org/presentationml/2006/main">
-  <p:cSld>
-    <p:bg>
-      <p:bgPr>
-        <a:solidFill>
-          <a:schemeClr val="tx1"/>
-        </a:solidFill>
-        <a:effectLst/>
-      </p:bgPr>
-    </p:bg>
-    <p:spTree>
-      <p:nvGrpSpPr>
-        <p:cNvPr id="1" name="">
-          <a:extLst>
-            <a:ext uri="{FF2B5EF4-FFF2-40B4-BE49-F238E27FC236}">
-              <a16:creationId xmlns:a16="http://schemas.microsoft.com/office/drawing/2014/main" id="{ECB9B012-ED7A-67D5-CDF1-DB9235726258}"/>
-            </a:ext>
-          </a:extLst>
-        </p:cNvPr>
-        <p:cNvGrpSpPr/>
-        <p:nvPr/>
-      </p:nvGrpSpPr>
-      <p:grpSpPr>
-        <a:xfrm>
-          <a:off x="0" y="0"/>
-          <a:ext cx="0" cy="0"/>
-          <a:chOff x="0" y="0"/>
-          <a:chExt cx="0" cy="0"/>
-        </a:xfrm>
-      </p:grpSpPr>
-      <p:sp>
-        <p:nvSpPr>
-          <p:cNvPr id="2" name="TextBox 1">
-            <a:extLst>
-              <a:ext uri="{FF2B5EF4-FFF2-40B4-BE49-F238E27FC236}">
-                <a16:creationId xmlns:a16="http://schemas.microsoft.com/office/drawing/2014/main" id="{6D7DA2FA-E2ED-9099-5DEF-BA558F83BB5E}"/>
-              </a:ext>
-            </a:extLst>
-          </p:cNvPr>
-          <p:cNvSpPr txBox="1"/>
-          <p:nvPr/>
-        </p:nvSpPr>
-        <p:spPr>
-          <a:xfrm>
-            <a:off x="2532172" y="1570350"/>
-            <a:ext cx="7127657" cy="3717300"/>
-          </a:xfrm>
-          <a:prstGeom prst="rect">
-            <a:avLst/>
-          </a:prstGeom>
-          <a:noFill/>
-        </p:spPr>
-        <p:txBody>
-          <a:bodyPr wrap="none" rtlCol="0">
-            <a:spAutoFit/>
-          </a:bodyPr>
-          <a:lstStyle/>
-          <a:p>
-            <a:pPr>
-              <a:lnSpc>
-                <a:spcPct val="125000"/>
-              </a:lnSpc>
-            </a:pPr>
-            <a:r>
-              <a:rPr lang="en-US" sz="4800" b="0" i="0" dirty="0">
-                <a:solidFill>
-                  <a:schemeClr val="bg1"/>
-                </a:solidFill>
-                <a:effectLst/>
-                <a:latin typeface="Menlo"/>
-              </a:rPr>
-              <a:t>Space  </a:t>
-            </a:r>
-            <a:r>
-              <a:rPr lang="en-US" sz="3200" b="0" i="0" dirty="0">
-                <a:solidFill>
-                  <a:schemeClr val="bg1"/>
-                </a:solidFill>
-                <a:effectLst/>
-                <a:latin typeface="Menlo"/>
-              </a:rPr>
-              <a:t>Continue the experiment.</a:t>
-            </a:r>
-          </a:p>
-          <a:p>
-            <a:pPr>
-              <a:lnSpc>
-                <a:spcPct val="125000"/>
-              </a:lnSpc>
-            </a:pPr>
-            <a:r>
-              <a:rPr lang="en-US" sz="4800" dirty="0">
-                <a:solidFill>
-                  <a:schemeClr val="bg1"/>
-                </a:solidFill>
-                <a:latin typeface="Menlo"/>
-              </a:rPr>
-              <a:t>Q          </a:t>
-            </a:r>
-            <a:r>
-              <a:rPr lang="en-US" sz="3200" dirty="0">
-                <a:solidFill>
-                  <a:schemeClr val="bg1"/>
-                </a:solidFill>
-                <a:latin typeface="Menlo"/>
-              </a:rPr>
-              <a:t>Quit.</a:t>
-            </a:r>
-          </a:p>
-          <a:p>
-            <a:pPr>
-              <a:lnSpc>
-                <a:spcPct val="125000"/>
-              </a:lnSpc>
-            </a:pPr>
-            <a:r>
-              <a:rPr lang="en-US" sz="4800" b="0" i="0" dirty="0">
-                <a:solidFill>
-                  <a:schemeClr val="bg1"/>
-                </a:solidFill>
-                <a:effectLst/>
-                <a:latin typeface="Menlo"/>
-              </a:rPr>
-              <a:t>R          </a:t>
-            </a:r>
-            <a:r>
-              <a:rPr lang="en-US" sz="3200" b="0" i="0" dirty="0">
-                <a:solidFill>
-                  <a:schemeClr val="bg1"/>
-                </a:solidFill>
-                <a:effectLst/>
-                <a:latin typeface="Menlo"/>
-              </a:rPr>
-              <a:t>Repeat the </a:t>
-            </a:r>
-            <a:r>
-              <a:rPr lang="en-US" sz="3200" dirty="0">
-                <a:solidFill>
-                  <a:schemeClr val="bg1"/>
-                </a:solidFill>
-                <a:latin typeface="Menlo"/>
-              </a:rPr>
-              <a:t>whole practice</a:t>
-            </a:r>
-            <a:r>
-              <a:rPr lang="en-US" sz="3200" b="0" i="0" dirty="0">
-                <a:solidFill>
-                  <a:schemeClr val="bg1"/>
-                </a:solidFill>
-                <a:effectLst/>
-                <a:latin typeface="Menlo"/>
-              </a:rPr>
-              <a:t>.</a:t>
-            </a:r>
-          </a:p>
-          <a:p>
-            <a:pPr>
-              <a:lnSpc>
-                <a:spcPct val="125000"/>
-              </a:lnSpc>
-            </a:pPr>
-            <a:r>
-              <a:rPr lang="en-US" sz="4800" dirty="0">
-                <a:solidFill>
-                  <a:schemeClr val="bg1"/>
-                </a:solidFill>
-                <a:latin typeface="Menlo"/>
-              </a:rPr>
-              <a:t>P          </a:t>
-            </a:r>
-            <a:r>
-              <a:rPr lang="en-US" sz="3200" dirty="0">
-                <a:solidFill>
-                  <a:schemeClr val="bg1"/>
-                </a:solidFill>
-                <a:latin typeface="Menlo"/>
-              </a:rPr>
-              <a:t>Repeat the mixed practice only.</a:t>
-            </a:r>
-          </a:p>
-        </p:txBody>
-      </p:sp>
-    </p:spTree>
-    <p:extLst>
-      <p:ext uri="{BB962C8B-B14F-4D97-AF65-F5344CB8AC3E}">
-        <p14:creationId xmlns:p14="http://schemas.microsoft.com/office/powerpoint/2010/main" val="1584843054"/>
-      </p:ext>
-    </p:extLst>
-  </p:cSld>
-  <p:clrMapOvr>
-    <a:masterClrMapping/>
-  </p:clrMapOvr>
-</p:sld>
-</file>
-
-<file path=ppt/slides/slide2.xml><?xml version="1.0" encoding="utf-8"?>
-<p:sld xmlns:a="http://schemas.openxmlformats.org/drawingml/2006/main" xmlns:r="http://schemas.openxmlformats.org/officeDocument/2006/relationships" xmlns:p="http://schemas.openxmlformats.org/presentationml/2006/main">
-  <p:cSld>
-    <p:bg>
-      <p:bgPr>
-        <a:solidFill>
-          <a:schemeClr val="tx1"/>
-        </a:solidFill>
-        <a:effectLst/>
-      </p:bgPr>
-    </p:bg>
-    <p:spTree>
-      <p:nvGrpSpPr>
-        <p:cNvPr id="1" name="">
-          <a:extLst>
-            <a:ext uri="{FF2B5EF4-FFF2-40B4-BE49-F238E27FC236}">
-              <a16:creationId xmlns:a16="http://schemas.microsoft.com/office/drawing/2014/main" id="{A8DC1DD5-8C07-12C3-EDEB-3A1D316C45F2}"/>
-            </a:ext>
-          </a:extLst>
-        </p:cNvPr>
-        <p:cNvGrpSpPr/>
-        <p:nvPr/>
-      </p:nvGrpSpPr>
-      <p:grpSpPr>
-        <a:xfrm>
-          <a:off x="0" y="0"/>
-          <a:ext cx="0" cy="0"/>
-          <a:chOff x="0" y="0"/>
-          <a:chExt cx="0" cy="0"/>
-        </a:xfrm>
-      </p:grpSpPr>
-      <p:pic>
-        <p:nvPicPr>
-          <p:cNvPr id="17" name="Picture 16" descr="A black and white screen with white text&#10;&#10;Description automatically generated">
-            <a:extLst>
-              <a:ext uri="{FF2B5EF4-FFF2-40B4-BE49-F238E27FC236}">
-                <a16:creationId xmlns:a16="http://schemas.microsoft.com/office/drawing/2014/main" id="{B399CEB3-300A-1F24-8C89-A1F284CBF784}"/>
-              </a:ext>
-            </a:extLst>
-          </p:cNvPr>
-          <p:cNvPicPr>
-            <a:picLocks noChangeAspect="1"/>
-          </p:cNvPicPr>
-          <p:nvPr/>
-        </p:nvPicPr>
-        <p:blipFill>
-          <a:blip r:embed="rId2">
-            <a:extLst>
-              <a:ext uri="{28A0092B-C50C-407E-A947-70E740481C1C}">
-                <a14:useLocalDpi xmlns:a14="http://schemas.microsoft.com/office/drawing/2010/main" val="0"/>
-              </a:ext>
-            </a:extLst>
-          </a:blip>
-          <a:srcRect t="41766" b="41025"/>
-          <a:stretch/>
-        </p:blipFill>
-        <p:spPr>
-          <a:xfrm>
-            <a:off x="0" y="2865121"/>
-            <a:ext cx="12192000" cy="1178560"/>
-          </a:xfrm>
-          <a:prstGeom prst="rect">
-            <a:avLst/>
-          </a:prstGeom>
-        </p:spPr>
-      </p:pic>
-    </p:spTree>
-    <p:extLst>
-      <p:ext uri="{BB962C8B-B14F-4D97-AF65-F5344CB8AC3E}">
-        <p14:creationId xmlns:p14="http://schemas.microsoft.com/office/powerpoint/2010/main" val="1270078512"/>
-      </p:ext>
-    </p:extLst>
-  </p:cSld>
-  <p:clrMapOvr>
-    <a:masterClrMapping/>
-  </p:clrMapOvr>
-</p:sld>
-</file>
-
-<file path=ppt/slides/slide3.xml><?xml version="1.0" encoding="utf-8"?>
-<p:sld xmlns:a="http://schemas.openxmlformats.org/drawingml/2006/main" xmlns:r="http://schemas.openxmlformats.org/officeDocument/2006/relationships" xmlns:p="http://schemas.openxmlformats.org/presentationml/2006/main">
-  <p:cSld>
-    <p:bg>
-      <p:bgPr>
-        <a:solidFill>
-          <a:schemeClr val="tx1"/>
-        </a:solidFill>
-        <a:effectLst/>
-      </p:bgPr>
-    </p:bg>
-    <p:spTree>
-      <p:nvGrpSpPr>
-        <p:cNvPr id="1" name="">
-          <a:extLst>
-            <a:ext uri="{FF2B5EF4-FFF2-40B4-BE49-F238E27FC236}">
-              <a16:creationId xmlns:a16="http://schemas.microsoft.com/office/drawing/2014/main" id="{3EC038DD-7D9C-66B0-34FD-E37D4B29028C}"/>
-            </a:ext>
-          </a:extLst>
-        </p:cNvPr>
-        <p:cNvGrpSpPr/>
-        <p:nvPr/>
-      </p:nvGrpSpPr>
-      <p:grpSpPr>
-        <a:xfrm>
-          <a:off x="0" y="0"/>
-          <a:ext cx="0" cy="0"/>
-          <a:chOff x="0" y="0"/>
-          <a:chExt cx="0" cy="0"/>
-        </a:xfrm>
-      </p:grpSpPr>
-      <p:sp>
-        <p:nvSpPr>
-          <p:cNvPr id="20" name="TextBox 19">
-            <a:extLst>
-              <a:ext uri="{FF2B5EF4-FFF2-40B4-BE49-F238E27FC236}">
-                <a16:creationId xmlns:a16="http://schemas.microsoft.com/office/drawing/2014/main" id="{6A8631BC-1EEF-6611-7DC9-EC385058F524}"/>
-              </a:ext>
-            </a:extLst>
-          </p:cNvPr>
-          <p:cNvSpPr txBox="1"/>
-          <p:nvPr/>
-        </p:nvSpPr>
-        <p:spPr>
-          <a:xfrm>
-            <a:off x="1700437" y="4351239"/>
-            <a:ext cx="8791125" cy="1292662"/>
-          </a:xfrm>
-          <a:prstGeom prst="rect">
-            <a:avLst/>
-          </a:prstGeom>
-          <a:noFill/>
-        </p:spPr>
-        <p:txBody>
-          <a:bodyPr wrap="none" rtlCol="0">
-            <a:spAutoFit/>
-          </a:bodyPr>
-          <a:lstStyle/>
-          <a:p>
-            <a:pPr algn="ctr"/>
-            <a:r>
-              <a:rPr lang="en-US" sz="3900" b="0" i="0" dirty="0">
-                <a:solidFill>
-                  <a:schemeClr val="bg1"/>
-                </a:solidFill>
-                <a:effectLst/>
-                <a:latin typeface="Menlo"/>
-              </a:rPr>
-              <a:t>After </a:t>
-            </a:r>
-            <a:r>
-              <a:rPr lang="en-US" altLang="zh-CN" sz="3900" b="0" i="0" dirty="0">
-                <a:solidFill>
-                  <a:schemeClr val="bg1"/>
-                </a:solidFill>
-                <a:effectLst/>
-                <a:latin typeface="Menlo"/>
-              </a:rPr>
-              <a:t>another</a:t>
-            </a:r>
-            <a:r>
-              <a:rPr lang="en-US" sz="3900" b="0" i="0" dirty="0">
-                <a:solidFill>
-                  <a:schemeClr val="bg1"/>
-                </a:solidFill>
-                <a:effectLst/>
-                <a:latin typeface="Menlo"/>
-              </a:rPr>
-              <a:t> delay, you will see a          </a:t>
-            </a:r>
-            <a:r>
-              <a:rPr lang="en-US" sz="3900" dirty="0">
-                <a:solidFill>
-                  <a:schemeClr val="bg1"/>
-                </a:solidFill>
-                <a:latin typeface="Menlo"/>
-              </a:rPr>
-              <a:t>.</a:t>
-            </a:r>
-          </a:p>
-          <a:p>
-            <a:pPr algn="ctr"/>
-            <a:r>
-              <a:rPr lang="en-US" sz="3900" u="sng" dirty="0">
-                <a:solidFill>
-                  <a:schemeClr val="bg1"/>
-                </a:solidFill>
-                <a:latin typeface="Menlo"/>
-              </a:rPr>
-              <a:t>Repeat the sounds</a:t>
-            </a:r>
-            <a:r>
-              <a:rPr lang="en-US" sz="3900" dirty="0">
-                <a:solidFill>
-                  <a:schemeClr val="bg1"/>
-                </a:solidFill>
-                <a:latin typeface="Menlo"/>
-              </a:rPr>
-              <a:t> once the          appears.</a:t>
-            </a:r>
-            <a:endParaRPr lang="en-US" sz="3900" b="0" i="0" dirty="0">
-              <a:solidFill>
-                <a:schemeClr val="bg1"/>
-              </a:solidFill>
-              <a:effectLst/>
-              <a:latin typeface="Menlo"/>
-            </a:endParaRPr>
-          </a:p>
-        </p:txBody>
-      </p:sp>
-      <p:pic>
-        <p:nvPicPr>
-          <p:cNvPr id="17" name="Picture 16" descr="A black and white screen with white text&#10;&#10;Description automatically generated">
-            <a:extLst>
-              <a:ext uri="{FF2B5EF4-FFF2-40B4-BE49-F238E27FC236}">
-                <a16:creationId xmlns:a16="http://schemas.microsoft.com/office/drawing/2014/main" id="{12EBE3F2-7E67-292B-645B-B9D4AC3E3799}"/>
-              </a:ext>
-            </a:extLst>
-          </p:cNvPr>
-          <p:cNvPicPr>
-            <a:picLocks noChangeAspect="1"/>
-          </p:cNvPicPr>
-          <p:nvPr/>
-        </p:nvPicPr>
-        <p:blipFill>
-          <a:blip r:embed="rId2">
-            <a:extLst>
-              <a:ext uri="{28A0092B-C50C-407E-A947-70E740481C1C}">
-                <a14:useLocalDpi xmlns:a14="http://schemas.microsoft.com/office/drawing/2010/main" val="0"/>
-              </a:ext>
-            </a:extLst>
-          </a:blip>
-          <a:srcRect t="41766" b="42212"/>
-          <a:stretch/>
-        </p:blipFill>
-        <p:spPr>
-          <a:xfrm>
-            <a:off x="0" y="2865121"/>
-            <a:ext cx="12192000" cy="1097280"/>
-          </a:xfrm>
-          <a:prstGeom prst="rect">
-            <a:avLst/>
-          </a:prstGeom>
-        </p:spPr>
-      </p:pic>
-      <p:sp>
-        <p:nvSpPr>
-          <p:cNvPr id="19" name="TextBox 18">
-            <a:extLst>
-              <a:ext uri="{FF2B5EF4-FFF2-40B4-BE49-F238E27FC236}">
-                <a16:creationId xmlns:a16="http://schemas.microsoft.com/office/drawing/2014/main" id="{100E55D3-FC20-5F93-82F8-C9BF6A8CE7FF}"/>
-              </a:ext>
-            </a:extLst>
-          </p:cNvPr>
-          <p:cNvSpPr txBox="1"/>
-          <p:nvPr/>
-        </p:nvSpPr>
-        <p:spPr>
-          <a:xfrm>
-            <a:off x="1622021" y="583457"/>
-            <a:ext cx="8947962" cy="1892826"/>
-          </a:xfrm>
-          <a:prstGeom prst="rect">
-            <a:avLst/>
-          </a:prstGeom>
-          <a:noFill/>
-        </p:spPr>
-        <p:txBody>
-          <a:bodyPr wrap="none" rtlCol="0">
-            <a:spAutoFit/>
-          </a:bodyPr>
-          <a:lstStyle/>
-          <a:p>
-            <a:pPr algn="ctr"/>
-            <a:r>
-              <a:rPr lang="en-US" sz="3900" b="0" i="0" dirty="0">
-                <a:solidFill>
-                  <a:schemeClr val="bg1"/>
-                </a:solidFill>
-                <a:effectLst/>
-                <a:latin typeface="Menlo"/>
-              </a:rPr>
-              <a:t>You will hear two sounds (sounds 1 and 2). </a:t>
-            </a:r>
-          </a:p>
-          <a:p>
-            <a:pPr algn="ctr"/>
-            <a:r>
-              <a:rPr lang="en-US" sz="3900" b="0" i="0" dirty="0">
-                <a:solidFill>
-                  <a:schemeClr val="bg1"/>
-                </a:solidFill>
-                <a:effectLst/>
-                <a:latin typeface="Menlo"/>
-              </a:rPr>
-              <a:t>Keep them in mind.</a:t>
-            </a:r>
-          </a:p>
-          <a:p>
-            <a:pPr algn="ctr"/>
-            <a:r>
-              <a:rPr lang="en-US" sz="3900" b="0" i="0" dirty="0">
-                <a:solidFill>
-                  <a:schemeClr val="bg1"/>
-                </a:solidFill>
-                <a:effectLst/>
-                <a:latin typeface="Menlo"/>
-              </a:rPr>
-              <a:t>After a delay, you will see a cue on screen:</a:t>
-            </a:r>
-          </a:p>
-        </p:txBody>
-      </p:sp>
-      <p:pic>
-        <p:nvPicPr>
-          <p:cNvPr id="3" name="Picture 2" descr="A green circle with black background&#10;&#10;Description automatically generated">
-            <a:extLst>
-              <a:ext uri="{FF2B5EF4-FFF2-40B4-BE49-F238E27FC236}">
-                <a16:creationId xmlns:a16="http://schemas.microsoft.com/office/drawing/2014/main" id="{8F3FFD8B-4B8A-2C41-F51D-F66A994D5685}"/>
-              </a:ext>
-            </a:extLst>
-          </p:cNvPr>
-          <p:cNvPicPr>
-            <a:picLocks noChangeAspect="1"/>
-          </p:cNvPicPr>
-          <p:nvPr/>
-        </p:nvPicPr>
-        <p:blipFill>
-          <a:blip r:embed="rId3">
-            <a:extLst>
-              <a:ext uri="{28A0092B-C50C-407E-A947-70E740481C1C}">
-                <a14:useLocalDpi xmlns:a14="http://schemas.microsoft.com/office/drawing/2010/main" val="0"/>
-              </a:ext>
-            </a:extLst>
-          </a:blip>
-          <a:stretch>
-            <a:fillRect/>
-          </a:stretch>
-        </p:blipFill>
-        <p:spPr>
-          <a:xfrm>
-            <a:off x="9098280" y="4351239"/>
-            <a:ext cx="675421" cy="675421"/>
-          </a:xfrm>
-          <a:prstGeom prst="rect">
-            <a:avLst/>
-          </a:prstGeom>
-        </p:spPr>
-      </p:pic>
-      <p:pic>
-        <p:nvPicPr>
-          <p:cNvPr id="4" name="Picture 3" descr="A green circle with black background&#10;&#10;Description automatically generated">
-            <a:extLst>
-              <a:ext uri="{FF2B5EF4-FFF2-40B4-BE49-F238E27FC236}">
-                <a16:creationId xmlns:a16="http://schemas.microsoft.com/office/drawing/2014/main" id="{86D279C0-CAB4-E8D8-A861-B563E2CF42D0}"/>
-              </a:ext>
-            </a:extLst>
-          </p:cNvPr>
-          <p:cNvPicPr>
-            <a:picLocks noChangeAspect="1"/>
-          </p:cNvPicPr>
-          <p:nvPr/>
-        </p:nvPicPr>
-        <p:blipFill>
-          <a:blip r:embed="rId3">
-            <a:extLst>
-              <a:ext uri="{28A0092B-C50C-407E-A947-70E740481C1C}">
-                <a14:useLocalDpi xmlns:a14="http://schemas.microsoft.com/office/drawing/2010/main" val="0"/>
-              </a:ext>
-            </a:extLst>
-          </a:blip>
-          <a:stretch>
-            <a:fillRect/>
-          </a:stretch>
-        </p:blipFill>
-        <p:spPr>
-          <a:xfrm>
-            <a:off x="7704998" y="4997570"/>
-            <a:ext cx="675421" cy="675421"/>
-          </a:xfrm>
-          <a:prstGeom prst="rect">
-            <a:avLst/>
-          </a:prstGeom>
-        </p:spPr>
-      </p:pic>
-    </p:spTree>
-    <p:extLst>
-      <p:ext uri="{BB962C8B-B14F-4D97-AF65-F5344CB8AC3E}">
-        <p14:creationId xmlns:p14="http://schemas.microsoft.com/office/powerpoint/2010/main" val="1534912554"/>
-      </p:ext>
-    </p:extLst>
-  </p:cSld>
-  <p:clrMapOvr>
-    <a:masterClrMapping/>
-  </p:clrMapOvr>
-</p:sld>
-</file>
-
-<file path=ppt/slides/slide4.xml><?xml version="1.0" encoding="utf-8"?>
-<p:sld xmlns:a="http://schemas.openxmlformats.org/drawingml/2006/main" xmlns:r="http://schemas.openxmlformats.org/officeDocument/2006/relationships" xmlns:p="http://schemas.openxmlformats.org/presentationml/2006/main">
-  <p:cSld>
-    <p:bg>
-      <p:bgPr>
-        <a:solidFill>
-          <a:schemeClr val="tx1"/>
-        </a:solidFill>
-        <a:effectLst/>
-      </p:bgPr>
-    </p:bg>
-    <p:spTree>
-      <p:nvGrpSpPr>
-        <p:cNvPr id="1" name="">
-          <a:extLst>
-            <a:ext uri="{FF2B5EF4-FFF2-40B4-BE49-F238E27FC236}">
-              <a16:creationId xmlns:a16="http://schemas.microsoft.com/office/drawing/2014/main" id="{F65F03A7-A3B3-2F7A-349A-50C3A24D7E45}"/>
-            </a:ext>
-          </a:extLst>
-        </p:cNvPr>
-        <p:cNvGrpSpPr/>
-        <p:nvPr/>
-      </p:nvGrpSpPr>
-      <p:grpSpPr>
-        <a:xfrm>
-          <a:off x="0" y="0"/>
-          <a:ext cx="0" cy="0"/>
-          <a:chOff x="0" y="0"/>
-          <a:chExt cx="0" cy="0"/>
-        </a:xfrm>
-      </p:grpSpPr>
-      <p:sp>
-        <p:nvSpPr>
-          <p:cNvPr id="20" name="TextBox 19">
-            <a:extLst>
-              <a:ext uri="{FF2B5EF4-FFF2-40B4-BE49-F238E27FC236}">
-                <a16:creationId xmlns:a16="http://schemas.microsoft.com/office/drawing/2014/main" id="{EFC3E2D4-694E-697E-8389-F2B33CEA2EE1}"/>
-              </a:ext>
-            </a:extLst>
-          </p:cNvPr>
-          <p:cNvSpPr txBox="1"/>
-          <p:nvPr/>
-        </p:nvSpPr>
-        <p:spPr>
-          <a:xfrm>
-            <a:off x="1266570" y="4351239"/>
-            <a:ext cx="9658863" cy="1292662"/>
-          </a:xfrm>
-          <a:prstGeom prst="rect">
-            <a:avLst/>
-          </a:prstGeom>
-          <a:noFill/>
-        </p:spPr>
-        <p:txBody>
-          <a:bodyPr wrap="none" rtlCol="0">
-            <a:spAutoFit/>
-          </a:bodyPr>
-          <a:lstStyle/>
-          <a:p>
-            <a:pPr marL="0" marR="0" lvl="0" indent="0" algn="ctr" defTabSz="914400" rtl="0" eaLnBrk="1" fontAlgn="auto" latinLnBrk="0" hangingPunct="1">
-              <a:lnSpc>
-                <a:spcPct val="100000"/>
-              </a:lnSpc>
-              <a:spcBef>
-                <a:spcPts val="0"/>
-              </a:spcBef>
-              <a:spcAft>
-                <a:spcPts val="0"/>
-              </a:spcAft>
-              <a:buClrTx/>
-              <a:buSzTx/>
-              <a:buFontTx/>
-              <a:buNone/>
-              <a:tabLst/>
-              <a:defRPr/>
-            </a:pPr>
-            <a:r>
-              <a:rPr kumimoji="0" lang="en-US" sz="3900" b="0" i="0" u="none" strike="noStrike" kern="1200" cap="none" spc="0" normalizeH="0" baseline="0" noProof="0" dirty="0">
-                <a:ln>
-                  <a:noFill/>
-                </a:ln>
-                <a:solidFill>
-                  <a:prstClr val="white"/>
-                </a:solidFill>
-                <a:effectLst/>
-                <a:uLnTx/>
-                <a:uFillTx/>
-                <a:latin typeface="Menlo"/>
-                <a:ea typeface="+mn-ea"/>
-                <a:cs typeface="+mn-cs"/>
-              </a:rPr>
-              <a:t>After </a:t>
-            </a:r>
-            <a:r>
-              <a:rPr kumimoji="0" lang="en-US" altLang="zh-CN" sz="3900" b="0" i="0" u="none" strike="noStrike" kern="1200" cap="none" spc="0" normalizeH="0" baseline="0" noProof="0" dirty="0">
-                <a:ln>
-                  <a:noFill/>
-                </a:ln>
-                <a:solidFill>
-                  <a:prstClr val="white"/>
-                </a:solidFill>
-                <a:effectLst/>
-                <a:uLnTx/>
-                <a:uFillTx/>
-                <a:latin typeface="Menlo"/>
-                <a:ea typeface="等线" panose="02010600030101010101" pitchFamily="2" charset="-122"/>
-                <a:cs typeface="+mn-cs"/>
-              </a:rPr>
-              <a:t>another</a:t>
-            </a:r>
-            <a:r>
-              <a:rPr kumimoji="0" lang="en-US" sz="3900" b="0" i="0" u="none" strike="noStrike" kern="1200" cap="none" spc="0" normalizeH="0" baseline="0" noProof="0" dirty="0">
-                <a:ln>
-                  <a:noFill/>
-                </a:ln>
-                <a:solidFill>
-                  <a:prstClr val="white"/>
-                </a:solidFill>
-                <a:effectLst/>
-                <a:uLnTx/>
-                <a:uFillTx/>
-                <a:latin typeface="Menlo"/>
-                <a:ea typeface="+mn-ea"/>
-                <a:cs typeface="+mn-cs"/>
-              </a:rPr>
-              <a:t> delay, you will see a </a:t>
-            </a:r>
-            <a:r>
-              <a:rPr kumimoji="0" lang="en-US" altLang="zh-CN" sz="3900" b="0" i="0" u="none" strike="noStrike" kern="1200" cap="none" spc="0" normalizeH="0" baseline="0" noProof="0" dirty="0">
-                <a:ln>
-                  <a:noFill/>
-                </a:ln>
-                <a:solidFill>
-                  <a:prstClr val="white"/>
-                </a:solidFill>
-                <a:effectLst/>
-                <a:uLnTx/>
-                <a:uFillTx/>
-                <a:latin typeface="Menlo"/>
-                <a:ea typeface="+mn-ea"/>
-                <a:cs typeface="+mn-cs"/>
-              </a:rPr>
-              <a:t>green circle</a:t>
-            </a:r>
-            <a:r>
-              <a:rPr kumimoji="0" lang="en-US" sz="3900" b="0" i="0" u="none" strike="noStrike" kern="1200" cap="none" spc="0" normalizeH="0" baseline="0" noProof="0" dirty="0">
-                <a:ln>
-                  <a:noFill/>
-                </a:ln>
-                <a:solidFill>
-                  <a:prstClr val="white"/>
-                </a:solidFill>
-                <a:effectLst/>
-                <a:uLnTx/>
-                <a:uFillTx/>
-                <a:latin typeface="Menlo"/>
-                <a:ea typeface="+mn-ea"/>
-                <a:cs typeface="+mn-cs"/>
-              </a:rPr>
-              <a:t>.</a:t>
-            </a:r>
-          </a:p>
-          <a:p>
-            <a:pPr marL="0" marR="0" lvl="0" indent="0" algn="ctr" defTabSz="914400" rtl="0" eaLnBrk="1" fontAlgn="auto" latinLnBrk="0" hangingPunct="1">
-              <a:lnSpc>
-                <a:spcPct val="100000"/>
-              </a:lnSpc>
-              <a:spcBef>
-                <a:spcPts val="0"/>
-              </a:spcBef>
-              <a:spcAft>
-                <a:spcPts val="0"/>
-              </a:spcAft>
-              <a:buClrTx/>
-              <a:buSzTx/>
-              <a:buFontTx/>
-              <a:buNone/>
-              <a:tabLst/>
-              <a:defRPr/>
-            </a:pPr>
-            <a:r>
-              <a:rPr kumimoji="0" lang="en-US" sz="3900" b="0" i="0" u="sng" strike="noStrike" kern="1200" cap="none" spc="0" normalizeH="0" baseline="0" noProof="0" dirty="0">
-                <a:ln>
-                  <a:noFill/>
-                </a:ln>
-                <a:solidFill>
-                  <a:prstClr val="white"/>
-                </a:solidFill>
-                <a:effectLst/>
-                <a:uLnTx/>
-                <a:uFillTx/>
-                <a:latin typeface="Menlo"/>
-                <a:ea typeface="+mn-ea"/>
-                <a:cs typeface="+mn-cs"/>
-              </a:rPr>
-              <a:t>Repeat the sounds</a:t>
-            </a:r>
-            <a:r>
-              <a:rPr kumimoji="0" lang="en-US" sz="3900" b="0" i="0" u="none" strike="noStrike" kern="1200" cap="none" spc="0" normalizeH="0" baseline="0" noProof="0" dirty="0">
-                <a:ln>
-                  <a:noFill/>
-                </a:ln>
-                <a:solidFill>
-                  <a:prstClr val="white"/>
-                </a:solidFill>
-                <a:effectLst/>
-                <a:uLnTx/>
-                <a:uFillTx/>
-                <a:latin typeface="Menlo"/>
-                <a:ea typeface="+mn-ea"/>
-                <a:cs typeface="+mn-cs"/>
-              </a:rPr>
-              <a:t> once the circle appears.</a:t>
-            </a:r>
-          </a:p>
-        </p:txBody>
-      </p:sp>
-      <p:pic>
-        <p:nvPicPr>
-          <p:cNvPr id="17" name="Picture 16" descr="A black and white screen with white text&#10;&#10;Description automatically generated">
-            <a:extLst>
-              <a:ext uri="{FF2B5EF4-FFF2-40B4-BE49-F238E27FC236}">
-                <a16:creationId xmlns:a16="http://schemas.microsoft.com/office/drawing/2014/main" id="{13C4E5C4-80CE-E826-C1EA-A1F58350A5AB}"/>
-              </a:ext>
-            </a:extLst>
-          </p:cNvPr>
-          <p:cNvPicPr>
-            <a:picLocks noChangeAspect="1"/>
-          </p:cNvPicPr>
-          <p:nvPr/>
-        </p:nvPicPr>
-        <p:blipFill>
-          <a:blip r:embed="rId2">
-            <a:extLst>
-              <a:ext uri="{28A0092B-C50C-407E-A947-70E740481C1C}">
-                <a14:useLocalDpi xmlns:a14="http://schemas.microsoft.com/office/drawing/2010/main" val="0"/>
-              </a:ext>
-            </a:extLst>
-          </a:blip>
-          <a:srcRect t="41766" b="42212"/>
-          <a:stretch/>
-        </p:blipFill>
-        <p:spPr>
-          <a:xfrm>
-            <a:off x="0" y="2865121"/>
-            <a:ext cx="12192000" cy="1097280"/>
-          </a:xfrm>
-          <a:prstGeom prst="rect">
-            <a:avLst/>
-          </a:prstGeom>
-        </p:spPr>
-      </p:pic>
-      <p:sp>
-        <p:nvSpPr>
-          <p:cNvPr id="19" name="TextBox 18">
-            <a:extLst>
-              <a:ext uri="{FF2B5EF4-FFF2-40B4-BE49-F238E27FC236}">
-                <a16:creationId xmlns:a16="http://schemas.microsoft.com/office/drawing/2014/main" id="{FD9EF6B7-2E99-AEDE-49E9-098CC2217F7A}"/>
-              </a:ext>
-            </a:extLst>
-          </p:cNvPr>
-          <p:cNvSpPr txBox="1"/>
-          <p:nvPr/>
-        </p:nvSpPr>
-        <p:spPr>
-          <a:xfrm>
-            <a:off x="1622021" y="583457"/>
-            <a:ext cx="8947962" cy="1892826"/>
-          </a:xfrm>
-          <a:prstGeom prst="rect">
-            <a:avLst/>
-          </a:prstGeom>
-          <a:noFill/>
-        </p:spPr>
-        <p:txBody>
-          <a:bodyPr wrap="none" rtlCol="0">
-            <a:spAutoFit/>
-          </a:bodyPr>
-          <a:lstStyle/>
-          <a:p>
-            <a:pPr marL="0" marR="0" lvl="0" indent="0" algn="ctr" defTabSz="914400" rtl="0" eaLnBrk="1" fontAlgn="auto" latinLnBrk="0" hangingPunct="1">
-              <a:lnSpc>
-                <a:spcPct val="100000"/>
-              </a:lnSpc>
-              <a:spcBef>
-                <a:spcPts val="0"/>
-              </a:spcBef>
-              <a:spcAft>
-                <a:spcPts val="0"/>
-              </a:spcAft>
-              <a:buClrTx/>
-              <a:buSzTx/>
-              <a:buFontTx/>
-              <a:buNone/>
-              <a:tabLst/>
-              <a:defRPr/>
-            </a:pPr>
-            <a:r>
-              <a:rPr kumimoji="0" lang="en-US" sz="3900" b="0" i="0" u="none" strike="noStrike" kern="1200" cap="none" spc="0" normalizeH="0" baseline="0" noProof="0" dirty="0">
-                <a:ln>
-                  <a:noFill/>
-                </a:ln>
-                <a:solidFill>
-                  <a:prstClr val="white"/>
-                </a:solidFill>
-                <a:effectLst/>
-                <a:uLnTx/>
-                <a:uFillTx/>
-                <a:latin typeface="Menlo"/>
-                <a:ea typeface="+mn-ea"/>
-                <a:cs typeface="+mn-cs"/>
-              </a:rPr>
-              <a:t>You will hear two sounds (sounds 1 and 2). </a:t>
-            </a:r>
-          </a:p>
-          <a:p>
-            <a:pPr marL="0" marR="0" lvl="0" indent="0" algn="ctr" defTabSz="914400" rtl="0" eaLnBrk="1" fontAlgn="auto" latinLnBrk="0" hangingPunct="1">
-              <a:lnSpc>
-                <a:spcPct val="100000"/>
-              </a:lnSpc>
-              <a:spcBef>
-                <a:spcPts val="0"/>
-              </a:spcBef>
-              <a:spcAft>
-                <a:spcPts val="0"/>
-              </a:spcAft>
-              <a:buClrTx/>
-              <a:buSzTx/>
-              <a:buFontTx/>
-              <a:buNone/>
-              <a:tabLst/>
-              <a:defRPr/>
-            </a:pPr>
-            <a:r>
-              <a:rPr kumimoji="0" lang="en-US" sz="3900" b="0" i="0" u="none" strike="noStrike" kern="1200" cap="none" spc="0" normalizeH="0" baseline="0" noProof="0" dirty="0">
-                <a:ln>
-                  <a:noFill/>
-                </a:ln>
-                <a:solidFill>
-                  <a:prstClr val="white"/>
-                </a:solidFill>
-                <a:effectLst/>
-                <a:uLnTx/>
-                <a:uFillTx/>
-                <a:latin typeface="Menlo"/>
-                <a:ea typeface="+mn-ea"/>
-                <a:cs typeface="+mn-cs"/>
-              </a:rPr>
-              <a:t>Keep them in mind.</a:t>
-            </a:r>
-          </a:p>
-          <a:p>
-            <a:pPr marL="0" marR="0" lvl="0" indent="0" algn="ctr" defTabSz="914400" rtl="0" eaLnBrk="1" fontAlgn="auto" latinLnBrk="0" hangingPunct="1">
-              <a:lnSpc>
-                <a:spcPct val="100000"/>
-              </a:lnSpc>
-              <a:spcBef>
-                <a:spcPts val="0"/>
-              </a:spcBef>
-              <a:spcAft>
-                <a:spcPts val="0"/>
-              </a:spcAft>
-              <a:buClrTx/>
-              <a:buSzTx/>
-              <a:buFontTx/>
-              <a:buNone/>
-              <a:tabLst/>
-              <a:defRPr/>
-            </a:pPr>
-            <a:r>
-              <a:rPr kumimoji="0" lang="en-US" sz="3900" b="0" i="0" u="none" strike="noStrike" kern="1200" cap="none" spc="0" normalizeH="0" baseline="0" noProof="0" dirty="0">
-                <a:ln>
-                  <a:noFill/>
-                </a:ln>
-                <a:solidFill>
-                  <a:prstClr val="white"/>
-                </a:solidFill>
-                <a:effectLst/>
-                <a:uLnTx/>
-                <a:uFillTx/>
-                <a:latin typeface="Menlo"/>
-                <a:ea typeface="+mn-ea"/>
-                <a:cs typeface="+mn-cs"/>
-              </a:rPr>
-              <a:t>After a delay, you will see a cue on screen:</a:t>
-            </a:r>
-          </a:p>
-        </p:txBody>
-      </p:sp>
-    </p:spTree>
-    <p:extLst>
-      <p:ext uri="{BB962C8B-B14F-4D97-AF65-F5344CB8AC3E}">
-        <p14:creationId xmlns:p14="http://schemas.microsoft.com/office/powerpoint/2010/main" val="2620332181"/>
-      </p:ext>
-    </p:extLst>
-  </p:cSld>
-  <p:clrMapOvr>
-    <a:masterClrMapping/>
-  </p:clrMapOvr>
-</p:sld>
-</file>
-
-<file path=ppt/slides/slide5.xml><?xml version="1.0" encoding="utf-8"?>
-<p:sld xmlns:a="http://schemas.openxmlformats.org/drawingml/2006/main" xmlns:r="http://schemas.openxmlformats.org/officeDocument/2006/relationships" xmlns:p="http://schemas.openxmlformats.org/presentationml/2006/main">
-  <p:cSld>
-    <p:bg>
-      <p:bgPr>
-        <a:solidFill>
-          <a:schemeClr val="tx1"/>
-        </a:solidFill>
-        <a:effectLst/>
-      </p:bgPr>
-    </p:bg>
-    <p:spTree>
-      <p:nvGrpSpPr>
         <p:cNvPr id="1" name="">
           <a:extLst>
             <a:ext uri="{FF2B5EF4-FFF2-40B4-BE49-F238E27FC236}">
@@ -5507,41 +3532,6 @@
           </a:p>
         </p:txBody>
       </p:sp>
-      <p:pic>
-        <p:nvPicPr>
-          <p:cNvPr id="17" name="Picture 16" descr="A black and white screen with white text&#10;&#10;Description automatically generated">
-            <a:extLst>
-              <a:ext uri="{FF2B5EF4-FFF2-40B4-BE49-F238E27FC236}">
-                <a16:creationId xmlns:a16="http://schemas.microsoft.com/office/drawing/2014/main" id="{0A8E78F1-822D-3D8F-17BF-CBC29A14DCDA}"/>
-              </a:ext>
-            </a:extLst>
-          </p:cNvPr>
-          <p:cNvPicPr>
-            <a:picLocks noChangeAspect="1"/>
-          </p:cNvPicPr>
-          <p:nvPr/>
-        </p:nvPicPr>
-        <p:blipFill>
-          <a:blip r:embed="rId2">
-            <a:extLst>
-              <a:ext uri="{28A0092B-C50C-407E-A947-70E740481C1C}">
-                <a14:useLocalDpi xmlns:a14="http://schemas.microsoft.com/office/drawing/2010/main" val="0"/>
-              </a:ext>
-            </a:extLst>
-          </a:blip>
-          <a:srcRect t="41766" b="42212"/>
-          <a:stretch/>
-        </p:blipFill>
-        <p:spPr>
-          <a:xfrm>
-            <a:off x="0" y="2865121"/>
-            <a:ext cx="12192000" cy="1097280"/>
-          </a:xfrm>
-          <a:prstGeom prst="rect">
-            <a:avLst/>
-          </a:prstGeom>
-        </p:spPr>
-      </p:pic>
       <p:sp>
         <p:nvSpPr>
           <p:cNvPr id="19" name="TextBox 18">
@@ -5694,7 +3684,7 @@
           <p:nvPr/>
         </p:nvPicPr>
         <p:blipFill>
-          <a:blip r:embed="rId3">
+          <a:blip r:embed="rId2">
             <a:extLst>
               <a:ext uri="{28A0092B-C50C-407E-A947-70E740481C1C}">
                 <a14:useLocalDpi xmlns:a14="http://schemas.microsoft.com/office/drawing/2010/main" val="0"/>
@@ -5715,6 +3705,47 @@
           </a:prstGeom>
         </p:spPr>
       </p:pic>
+      <p:sp>
+        <p:nvSpPr>
+          <p:cNvPr id="3" name="TextBox 2">
+            <a:extLst>
+              <a:ext uri="{FF2B5EF4-FFF2-40B4-BE49-F238E27FC236}">
+                <a16:creationId xmlns:a16="http://schemas.microsoft.com/office/drawing/2014/main" id="{41ED8666-0EFD-2FB9-FC52-CDC6F97D3803}"/>
+              </a:ext>
+            </a:extLst>
+          </p:cNvPr>
+          <p:cNvSpPr txBox="1"/>
+          <p:nvPr/>
+        </p:nvSpPr>
+        <p:spPr>
+          <a:xfrm>
+            <a:off x="5380099" y="2844225"/>
+            <a:ext cx="1431802" cy="1169551"/>
+          </a:xfrm>
+          <a:prstGeom prst="rect">
+            <a:avLst/>
+          </a:prstGeom>
+          <a:noFill/>
+        </p:spPr>
+        <p:txBody>
+          <a:bodyPr wrap="none" rtlCol="0">
+            <a:spAutoFit/>
+          </a:bodyPr>
+          <a:lstStyle/>
+          <a:p>
+            <a:r>
+              <a:rPr lang="en-US" sz="7000" dirty="0">
+                <a:solidFill>
+                  <a:schemeClr val="bg1"/>
+                </a:solidFill>
+                <a:latin typeface="Arial" panose="020B0604020202020204" pitchFamily="34" charset="0"/>
+                <a:cs typeface="Arial" panose="020B0604020202020204" pitchFamily="34" charset="0"/>
+              </a:rPr>
+              <a:t>1 2</a:t>
+            </a:r>
+          </a:p>
+        </p:txBody>
+      </p:sp>
     </p:spTree>
     <p:extLst>
       <p:ext uri="{BB962C8B-B14F-4D97-AF65-F5344CB8AC3E}">
@@ -5728,12 +3759,18 @@
 </p:sld>
 </file>
 
-<file path=ppt/slides/slide6.xml><?xml version="1.0" encoding="utf-8"?>
+<file path=ppt/slides/slide10.xml><?xml version="1.0" encoding="utf-8"?>
 <p:sld xmlns:a="http://schemas.openxmlformats.org/drawingml/2006/main" xmlns:r="http://schemas.openxmlformats.org/officeDocument/2006/relationships" xmlns:p="http://schemas.openxmlformats.org/presentationml/2006/main">
   <p:cSld>
     <p:spTree>
       <p:nvGrpSpPr>
-        <p:cNvPr id="1" name=""/>
+        <p:cNvPr id="1" name="">
+          <a:extLst>
+            <a:ext uri="{FF2B5EF4-FFF2-40B4-BE49-F238E27FC236}">
+              <a16:creationId xmlns:a16="http://schemas.microsoft.com/office/drawing/2014/main" id="{897CEF44-648D-AAF2-3B96-893380A23805}"/>
+            </a:ext>
+          </a:extLst>
+        </p:cNvPr>
         <p:cNvGrpSpPr/>
         <p:nvPr/>
       </p:nvGrpSpPr>
@@ -5745,46 +3782,113 @@
           <a:chExt cx="0" cy="0"/>
         </a:xfrm>
       </p:grpSpPr>
-      <p:pic>
-        <p:nvPicPr>
-          <p:cNvPr id="5" name="Picture 4" descr="A black and white screen with white text&#10;&#10;Description automatically generated">
-            <a:extLst>
-              <a:ext uri="{FF2B5EF4-FFF2-40B4-BE49-F238E27FC236}">
-                <a16:creationId xmlns:a16="http://schemas.microsoft.com/office/drawing/2014/main" id="{98CD509B-2B19-1653-0117-F07ED8E0D00D}"/>
-              </a:ext>
-            </a:extLst>
-          </p:cNvPr>
-          <p:cNvPicPr>
-            <a:picLocks noChangeAspect="1"/>
-          </p:cNvPicPr>
+      <p:grpSp>
+        <p:nvGrpSpPr>
+          <p:cNvPr id="9" name="Group 8">
+            <a:extLst>
+              <a:ext uri="{FF2B5EF4-FFF2-40B4-BE49-F238E27FC236}">
+                <a16:creationId xmlns:a16="http://schemas.microsoft.com/office/drawing/2014/main" id="{9B846E69-43A6-7DEA-F35E-8E13C43F29D5}"/>
+              </a:ext>
+            </a:extLst>
+          </p:cNvPr>
+          <p:cNvGrpSpPr/>
           <p:nvPr/>
-        </p:nvPicPr>
-        <p:blipFill>
-          <a:blip r:embed="rId2">
-            <a:extLst>
-              <a:ext uri="{28A0092B-C50C-407E-A947-70E740481C1C}">
-                <a14:useLocalDpi xmlns:a14="http://schemas.microsoft.com/office/drawing/2010/main" val="0"/>
-              </a:ext>
-            </a:extLst>
-          </a:blip>
-          <a:stretch>
-            <a:fillRect/>
-          </a:stretch>
-        </p:blipFill>
-        <p:spPr>
+        </p:nvGrpSpPr>
+        <p:grpSpPr>
           <a:xfrm>
-            <a:off x="0" y="4762"/>
-            <a:ext cx="12192000" cy="6848475"/>
+            <a:off x="5350594" y="2820998"/>
+            <a:ext cx="1452646" cy="1785104"/>
+            <a:chOff x="5350594" y="2768838"/>
+            <a:chExt cx="1452646" cy="1785104"/>
           </a:xfrm>
-          <a:prstGeom prst="rect">
-            <a:avLst/>
-          </a:prstGeom>
-        </p:spPr>
-      </p:pic>
+        </p:grpSpPr>
+        <p:sp>
+          <p:nvSpPr>
+            <p:cNvPr id="10" name="TextBox 9">
+              <a:extLst>
+                <a:ext uri="{FF2B5EF4-FFF2-40B4-BE49-F238E27FC236}">
+                  <a16:creationId xmlns:a16="http://schemas.microsoft.com/office/drawing/2014/main" id="{BA0A865A-FCA7-8730-5701-E4E61B7833F3}"/>
+                </a:ext>
+              </a:extLst>
+            </p:cNvPr>
+            <p:cNvSpPr txBox="1"/>
+            <p:nvPr/>
+          </p:nvSpPr>
+          <p:spPr>
+            <a:xfrm>
+              <a:off x="6120040" y="2792850"/>
+              <a:ext cx="683200" cy="1169551"/>
+            </a:xfrm>
+            <a:prstGeom prst="rect">
+              <a:avLst/>
+            </a:prstGeom>
+            <a:noFill/>
+          </p:spPr>
+          <p:txBody>
+            <a:bodyPr wrap="none" rtlCol="0">
+              <a:spAutoFit/>
+            </a:bodyPr>
+            <a:lstStyle/>
+            <a:p>
+              <a:r>
+                <a:rPr lang="en-US" sz="7000" dirty="0">
+                  <a:solidFill>
+                    <a:schemeClr val="bg1"/>
+                  </a:solidFill>
+                  <a:latin typeface="Arial" panose="020B0604020202020204" pitchFamily="34" charset="0"/>
+                  <a:cs typeface="Arial" panose="020B0604020202020204" pitchFamily="34" charset="0"/>
+                </a:rPr>
+                <a:t>2</a:t>
+              </a:r>
+            </a:p>
+          </p:txBody>
+        </p:sp>
+        <p:sp>
+          <p:nvSpPr>
+            <p:cNvPr id="11" name="TextBox 10">
+              <a:extLst>
+                <a:ext uri="{FF2B5EF4-FFF2-40B4-BE49-F238E27FC236}">
+                  <a16:creationId xmlns:a16="http://schemas.microsoft.com/office/drawing/2014/main" id="{53D0DDDC-BBF6-D819-F8F7-0FC0DF5C1E9D}"/>
+                </a:ext>
+              </a:extLst>
+            </p:cNvPr>
+            <p:cNvSpPr txBox="1"/>
+            <p:nvPr/>
+          </p:nvSpPr>
+          <p:spPr>
+            <a:xfrm>
+              <a:off x="5350594" y="2768838"/>
+              <a:ext cx="732893" cy="1785104"/>
+            </a:xfrm>
+            <a:prstGeom prst="rect">
+              <a:avLst/>
+            </a:prstGeom>
+            <a:noFill/>
+          </p:spPr>
+          <p:txBody>
+            <a:bodyPr wrap="none" rtlCol="0">
+              <a:spAutoFit/>
+            </a:bodyPr>
+            <a:lstStyle/>
+            <a:p>
+              <a:r>
+                <a:rPr lang="en-US" sz="11000" dirty="0">
+                  <a:solidFill>
+                    <a:schemeClr val="bg1"/>
+                  </a:solidFill>
+                  <a:latin typeface="Arial" panose="020B0604020202020204" pitchFamily="34" charset="0"/>
+                  <a:cs typeface="Arial" panose="020B0604020202020204" pitchFamily="34" charset="0"/>
+                </a:rPr>
+                <a:t>*</a:t>
+              </a:r>
+            </a:p>
+          </p:txBody>
+        </p:sp>
+      </p:grpSp>
     </p:spTree>
     <p:extLst>
       <p:ext uri="{BB962C8B-B14F-4D97-AF65-F5344CB8AC3E}">
-        <p14:creationId xmlns:p14="http://schemas.microsoft.com/office/powerpoint/2010/main" val="565857251"/>
+        <p14:creationId xmlns:p14="http://schemas.microsoft.com/office/powerpoint/2010/main" val="3307536011"/>
       </p:ext>
     </p:extLst>
   </p:cSld>
@@ -5794,17 +3898,225 @@
 </p:sld>
 </file>
 
-<file path=ppt/slides/slide7.xml><?xml version="1.0" encoding="utf-8"?>
+<file path=ppt/slides/slide11.xml><?xml version="1.0" encoding="utf-8"?>
 <p:sld xmlns:a="http://schemas.openxmlformats.org/drawingml/2006/main" xmlns:r="http://schemas.openxmlformats.org/officeDocument/2006/relationships" xmlns:p="http://schemas.openxmlformats.org/presentationml/2006/main">
   <p:cSld>
-    <p:bg>
-      <p:bgPr>
-        <a:solidFill>
-          <a:schemeClr val="tx1"/>
-        </a:solidFill>
-        <a:effectLst/>
-      </p:bgPr>
-    </p:bg>
+    <p:spTree>
+      <p:nvGrpSpPr>
+        <p:cNvPr id="1" name="">
+          <a:extLst>
+            <a:ext uri="{FF2B5EF4-FFF2-40B4-BE49-F238E27FC236}">
+              <a16:creationId xmlns:a16="http://schemas.microsoft.com/office/drawing/2014/main" id="{D02BD361-B9B3-F588-ECDE-F44FAD93514B}"/>
+            </a:ext>
+          </a:extLst>
+        </p:cNvPr>
+        <p:cNvGrpSpPr/>
+        <p:nvPr/>
+      </p:nvGrpSpPr>
+      <p:grpSpPr>
+        <a:xfrm>
+          <a:off x="0" y="0"/>
+          <a:ext cx="0" cy="0"/>
+          <a:chOff x="0" y="0"/>
+          <a:chExt cx="0" cy="0"/>
+        </a:xfrm>
+      </p:grpSpPr>
+      <p:sp>
+        <p:nvSpPr>
+          <p:cNvPr id="3" name="TextBox 2">
+            <a:extLst>
+              <a:ext uri="{FF2B5EF4-FFF2-40B4-BE49-F238E27FC236}">
+                <a16:creationId xmlns:a16="http://schemas.microsoft.com/office/drawing/2014/main" id="{A656DBEF-F291-CA7C-A52C-6C164F5FAB5D}"/>
+              </a:ext>
+            </a:extLst>
+          </p:cNvPr>
+          <p:cNvSpPr txBox="1"/>
+          <p:nvPr/>
+        </p:nvSpPr>
+        <p:spPr>
+          <a:xfrm>
+            <a:off x="5380099" y="2844225"/>
+            <a:ext cx="1431802" cy="1169551"/>
+          </a:xfrm>
+          <a:prstGeom prst="rect">
+            <a:avLst/>
+          </a:prstGeom>
+          <a:noFill/>
+        </p:spPr>
+        <p:txBody>
+          <a:bodyPr wrap="none" rtlCol="0">
+            <a:spAutoFit/>
+          </a:bodyPr>
+          <a:lstStyle/>
+          <a:p>
+            <a:r>
+              <a:rPr lang="en-US" sz="7000" dirty="0">
+                <a:solidFill>
+                  <a:schemeClr val="bg1"/>
+                </a:solidFill>
+                <a:latin typeface="Arial" panose="020B0604020202020204" pitchFamily="34" charset="0"/>
+                <a:cs typeface="Arial" panose="020B0604020202020204" pitchFamily="34" charset="0"/>
+              </a:rPr>
+              <a:t>2 1</a:t>
+            </a:r>
+          </a:p>
+        </p:txBody>
+      </p:sp>
+    </p:spTree>
+    <p:extLst>
+      <p:ext uri="{BB962C8B-B14F-4D97-AF65-F5344CB8AC3E}">
+        <p14:creationId xmlns:p14="http://schemas.microsoft.com/office/powerpoint/2010/main" val="561660381"/>
+      </p:ext>
+    </p:extLst>
+  </p:cSld>
+  <p:clrMapOvr>
+    <a:masterClrMapping/>
+  </p:clrMapOvr>
+</p:sld>
+</file>
+
+<file path=ppt/slides/slide12.xml><?xml version="1.0" encoding="utf-8"?>
+<p:sld xmlns:a="http://schemas.openxmlformats.org/drawingml/2006/main" xmlns:r="http://schemas.openxmlformats.org/officeDocument/2006/relationships" xmlns:p="http://schemas.openxmlformats.org/presentationml/2006/main">
+  <p:cSld>
+    <p:spTree>
+      <p:nvGrpSpPr>
+        <p:cNvPr id="1" name="">
+          <a:extLst>
+            <a:ext uri="{FF2B5EF4-FFF2-40B4-BE49-F238E27FC236}">
+              <a16:creationId xmlns:a16="http://schemas.microsoft.com/office/drawing/2014/main" id="{2AF0A006-C213-63E7-7897-01D33C905258}"/>
+            </a:ext>
+          </a:extLst>
+        </p:cNvPr>
+        <p:cNvGrpSpPr/>
+        <p:nvPr/>
+      </p:nvGrpSpPr>
+      <p:grpSpPr>
+        <a:xfrm>
+          <a:off x="0" y="0"/>
+          <a:ext cx="0" cy="0"/>
+          <a:chOff x="0" y="0"/>
+          <a:chExt cx="0" cy="0"/>
+        </a:xfrm>
+      </p:grpSpPr>
+      <p:grpSp>
+        <p:nvGrpSpPr>
+          <p:cNvPr id="17" name="Group 16">
+            <a:extLst>
+              <a:ext uri="{FF2B5EF4-FFF2-40B4-BE49-F238E27FC236}">
+                <a16:creationId xmlns:a16="http://schemas.microsoft.com/office/drawing/2014/main" id="{593CB7FC-093F-A7C9-6CD5-CFD5CAB467E1}"/>
+              </a:ext>
+            </a:extLst>
+          </p:cNvPr>
+          <p:cNvGrpSpPr/>
+          <p:nvPr/>
+        </p:nvGrpSpPr>
+        <p:grpSpPr>
+          <a:xfrm>
+            <a:off x="5350594" y="2820998"/>
+            <a:ext cx="1479595" cy="1786120"/>
+            <a:chOff x="5350594" y="2820998"/>
+            <a:chExt cx="1479595" cy="1786120"/>
+          </a:xfrm>
+        </p:grpSpPr>
+        <p:sp>
+          <p:nvSpPr>
+            <p:cNvPr id="13" name="TextBox 12">
+              <a:extLst>
+                <a:ext uri="{FF2B5EF4-FFF2-40B4-BE49-F238E27FC236}">
+                  <a16:creationId xmlns:a16="http://schemas.microsoft.com/office/drawing/2014/main" id="{18A6DD41-82F9-3BA2-D1C7-50F43DF0B48C}"/>
+                </a:ext>
+              </a:extLst>
+            </p:cNvPr>
+            <p:cNvSpPr txBox="1"/>
+            <p:nvPr/>
+          </p:nvSpPr>
+          <p:spPr>
+            <a:xfrm>
+              <a:off x="6097296" y="2822014"/>
+              <a:ext cx="732893" cy="1785104"/>
+            </a:xfrm>
+            <a:prstGeom prst="rect">
+              <a:avLst/>
+            </a:prstGeom>
+            <a:noFill/>
+          </p:spPr>
+          <p:txBody>
+            <a:bodyPr wrap="none" rtlCol="0">
+              <a:spAutoFit/>
+            </a:bodyPr>
+            <a:lstStyle/>
+            <a:p>
+              <a:r>
+                <a:rPr lang="en-US" sz="11000" dirty="0">
+                  <a:solidFill>
+                    <a:schemeClr val="bg1"/>
+                  </a:solidFill>
+                  <a:latin typeface="Arial" panose="020B0604020202020204" pitchFamily="34" charset="0"/>
+                  <a:cs typeface="Arial" panose="020B0604020202020204" pitchFamily="34" charset="0"/>
+                </a:rPr>
+                <a:t>*</a:t>
+              </a:r>
+            </a:p>
+          </p:txBody>
+        </p:sp>
+        <p:sp>
+          <p:nvSpPr>
+            <p:cNvPr id="16" name="TextBox 15">
+              <a:extLst>
+                <a:ext uri="{FF2B5EF4-FFF2-40B4-BE49-F238E27FC236}">
+                  <a16:creationId xmlns:a16="http://schemas.microsoft.com/office/drawing/2014/main" id="{AE04AB66-2CF6-2E49-8A87-2648284A739D}"/>
+                </a:ext>
+              </a:extLst>
+            </p:cNvPr>
+            <p:cNvSpPr txBox="1"/>
+            <p:nvPr/>
+          </p:nvSpPr>
+          <p:spPr>
+            <a:xfrm>
+              <a:off x="5350594" y="2820998"/>
+              <a:ext cx="732893" cy="1785104"/>
+            </a:xfrm>
+            <a:prstGeom prst="rect">
+              <a:avLst/>
+            </a:prstGeom>
+            <a:noFill/>
+          </p:spPr>
+          <p:txBody>
+            <a:bodyPr wrap="none" rtlCol="0">
+              <a:spAutoFit/>
+            </a:bodyPr>
+            <a:lstStyle/>
+            <a:p>
+              <a:r>
+                <a:rPr lang="en-US" sz="11000" dirty="0">
+                  <a:solidFill>
+                    <a:schemeClr val="bg1"/>
+                  </a:solidFill>
+                  <a:latin typeface="Arial" panose="020B0604020202020204" pitchFamily="34" charset="0"/>
+                  <a:cs typeface="Arial" panose="020B0604020202020204" pitchFamily="34" charset="0"/>
+                </a:rPr>
+                <a:t>*</a:t>
+              </a:r>
+            </a:p>
+          </p:txBody>
+        </p:sp>
+      </p:grpSp>
+    </p:spTree>
+    <p:extLst>
+      <p:ext uri="{BB962C8B-B14F-4D97-AF65-F5344CB8AC3E}">
+        <p14:creationId xmlns:p14="http://schemas.microsoft.com/office/powerpoint/2010/main" val="3844517863"/>
+      </p:ext>
+    </p:extLst>
+  </p:cSld>
+  <p:clrMapOvr>
+    <a:masterClrMapping/>
+  </p:clrMapOvr>
+</p:sld>
+</file>
+
+<file path=ppt/slides/slide2.xml><?xml version="1.0" encoding="utf-8"?>
+<p:sld xmlns:a="http://schemas.openxmlformats.org/drawingml/2006/main" xmlns:r="http://schemas.openxmlformats.org/officeDocument/2006/relationships" xmlns:p="http://schemas.openxmlformats.org/presentationml/2006/main">
+  <p:cSld>
     <p:spTree>
       <p:nvGrpSpPr>
         <p:cNvPr id="1" name="">
@@ -5825,6 +4137,109 @@
           <a:chExt cx="0" cy="0"/>
         </a:xfrm>
       </p:grpSpPr>
+      <p:grpSp>
+        <p:nvGrpSpPr>
+          <p:cNvPr id="7" name="Group 6">
+            <a:extLst>
+              <a:ext uri="{FF2B5EF4-FFF2-40B4-BE49-F238E27FC236}">
+                <a16:creationId xmlns:a16="http://schemas.microsoft.com/office/drawing/2014/main" id="{11B0259A-00EB-F713-4CCF-A287CDCF0820}"/>
+              </a:ext>
+            </a:extLst>
+          </p:cNvPr>
+          <p:cNvGrpSpPr/>
+          <p:nvPr/>
+        </p:nvGrpSpPr>
+        <p:grpSpPr>
+          <a:xfrm>
+            <a:off x="5380098" y="2817823"/>
+            <a:ext cx="1450091" cy="1785104"/>
+            <a:chOff x="5380098" y="2765663"/>
+            <a:chExt cx="1450091" cy="1785104"/>
+          </a:xfrm>
+        </p:grpSpPr>
+        <p:sp>
+          <p:nvSpPr>
+            <p:cNvPr id="3" name="TextBox 2">
+              <a:extLst>
+                <a:ext uri="{FF2B5EF4-FFF2-40B4-BE49-F238E27FC236}">
+                  <a16:creationId xmlns:a16="http://schemas.microsoft.com/office/drawing/2014/main" id="{33460054-E2FC-2DFC-7C06-DC649C4F8027}"/>
+                </a:ext>
+              </a:extLst>
+            </p:cNvPr>
+            <p:cNvSpPr txBox="1"/>
+            <p:nvPr/>
+          </p:nvSpPr>
+          <p:spPr>
+            <a:xfrm>
+              <a:off x="5380098" y="2792850"/>
+              <a:ext cx="683200" cy="1169551"/>
+            </a:xfrm>
+            <a:prstGeom prst="rect">
+              <a:avLst/>
+            </a:prstGeom>
+            <a:noFill/>
+          </p:spPr>
+          <p:txBody>
+            <a:bodyPr wrap="none" rtlCol="0">
+              <a:spAutoFit/>
+            </a:bodyPr>
+            <a:lstStyle/>
+            <a:p>
+              <a:r>
+                <a:rPr lang="en-US" sz="7000" dirty="0">
+                  <a:solidFill>
+                    <a:schemeClr val="bg1"/>
+                  </a:solidFill>
+                  <a:latin typeface="Arial" panose="020B0604020202020204" pitchFamily="34" charset="0"/>
+                  <a:cs typeface="Arial" panose="020B0604020202020204" pitchFamily="34" charset="0"/>
+                </a:rPr>
+                <a:t>1</a:t>
+              </a:r>
+            </a:p>
+          </p:txBody>
+        </p:sp>
+        <p:sp>
+          <p:nvSpPr>
+            <p:cNvPr id="4" name="TextBox 3">
+              <a:extLst>
+                <a:ext uri="{FF2B5EF4-FFF2-40B4-BE49-F238E27FC236}">
+                  <a16:creationId xmlns:a16="http://schemas.microsoft.com/office/drawing/2014/main" id="{D334ABF1-F54D-2E67-62DF-0F1E50EABA3E}"/>
+                </a:ext>
+              </a:extLst>
+            </p:cNvPr>
+            <p:cNvSpPr txBox="1"/>
+            <p:nvPr/>
+          </p:nvSpPr>
+          <p:spPr>
+            <a:xfrm>
+              <a:off x="6097296" y="2765663"/>
+              <a:ext cx="732893" cy="1785104"/>
+            </a:xfrm>
+            <a:prstGeom prst="rect">
+              <a:avLst/>
+            </a:prstGeom>
+            <a:noFill/>
+          </p:spPr>
+          <p:txBody>
+            <a:bodyPr wrap="none" rtlCol="0">
+              <a:spAutoFit/>
+            </a:bodyPr>
+            <a:lstStyle/>
+            <a:p>
+              <a:r>
+                <a:rPr lang="en-US" sz="11000" dirty="0">
+                  <a:solidFill>
+                    <a:schemeClr val="bg1"/>
+                  </a:solidFill>
+                  <a:latin typeface="Arial" panose="020B0604020202020204" pitchFamily="34" charset="0"/>
+                  <a:cs typeface="Arial" panose="020B0604020202020204" pitchFamily="34" charset="0"/>
+                </a:rPr>
+                <a:t>*</a:t>
+              </a:r>
+            </a:p>
+          </p:txBody>
+        </p:sp>
+      </p:grpSp>
       <p:sp>
         <p:nvSpPr>
           <p:cNvPr id="20" name="TextBox 19">
@@ -6013,10 +4428,10 @@
       </p:sp>
       <p:pic>
         <p:nvPicPr>
-          <p:cNvPr id="2" name="Picture 1" descr="A black and white screen with white text">
-            <a:extLst>
-              <a:ext uri="{FF2B5EF4-FFF2-40B4-BE49-F238E27FC236}">
-                <a16:creationId xmlns:a16="http://schemas.microsoft.com/office/drawing/2014/main" id="{B9899FA4-2A91-F832-0F3A-0409DD37149D}"/>
+          <p:cNvPr id="5" name="Picture 4" descr="A green circle with black background&#10;&#10;Description automatically generated">
+            <a:extLst>
+              <a:ext uri="{FF2B5EF4-FFF2-40B4-BE49-F238E27FC236}">
+                <a16:creationId xmlns:a16="http://schemas.microsoft.com/office/drawing/2014/main" id="{5AED9760-52BA-E03E-CCB8-1D7BC0F4EC66}"/>
               </a:ext>
             </a:extLst>
           </p:cNvPr>
@@ -6027,41 +4442,6 @@
         </p:nvPicPr>
         <p:blipFill>
           <a:blip r:embed="rId2">
-            <a:extLst>
-              <a:ext uri="{28A0092B-C50C-407E-A947-70E740481C1C}">
-                <a14:useLocalDpi xmlns:a14="http://schemas.microsoft.com/office/drawing/2010/main" val="0"/>
-              </a:ext>
-            </a:extLst>
-          </a:blip>
-          <a:srcRect t="42657" b="42656"/>
-          <a:stretch/>
-        </p:blipFill>
-        <p:spPr>
-          <a:xfrm>
-            <a:off x="0" y="2926081"/>
-            <a:ext cx="12192000" cy="1005840"/>
-          </a:xfrm>
-          <a:prstGeom prst="rect">
-            <a:avLst/>
-          </a:prstGeom>
-        </p:spPr>
-      </p:pic>
-      <p:pic>
-        <p:nvPicPr>
-          <p:cNvPr id="5" name="Picture 4" descr="A green circle with black background&#10;&#10;Description automatically generated">
-            <a:extLst>
-              <a:ext uri="{FF2B5EF4-FFF2-40B4-BE49-F238E27FC236}">
-                <a16:creationId xmlns:a16="http://schemas.microsoft.com/office/drawing/2014/main" id="{5AED9760-52BA-E03E-CCB8-1D7BC0F4EC66}"/>
-              </a:ext>
-            </a:extLst>
-          </p:cNvPr>
-          <p:cNvPicPr>
-            <a:picLocks noChangeAspect="1"/>
-          </p:cNvPicPr>
-          <p:nvPr/>
-        </p:nvPicPr>
-        <p:blipFill>
-          <a:blip r:embed="rId3">
             <a:extLst>
               <a:ext uri="{28A0092B-C50C-407E-A947-70E740481C1C}">
                 <a14:useLocalDpi xmlns:a14="http://schemas.microsoft.com/office/drawing/2010/main" val="0"/>
@@ -6095,83 +4475,9 @@
 </p:sld>
 </file>
 
-<file path=ppt/slides/slide8.xml><?xml version="1.0" encoding="utf-8"?>
+<file path=ppt/slides/slide3.xml><?xml version="1.0" encoding="utf-8"?>
 <p:sld xmlns:a="http://schemas.openxmlformats.org/drawingml/2006/main" xmlns:r="http://schemas.openxmlformats.org/officeDocument/2006/relationships" xmlns:p="http://schemas.openxmlformats.org/presentationml/2006/main">
   <p:cSld>
-    <p:spTree>
-      <p:nvGrpSpPr>
-        <p:cNvPr id="1" name=""/>
-        <p:cNvGrpSpPr/>
-        <p:nvPr/>
-      </p:nvGrpSpPr>
-      <p:grpSpPr>
-        <a:xfrm>
-          <a:off x="0" y="0"/>
-          <a:ext cx="0" cy="0"/>
-          <a:chOff x="0" y="0"/>
-          <a:chExt cx="0" cy="0"/>
-        </a:xfrm>
-      </p:grpSpPr>
-      <p:pic>
-        <p:nvPicPr>
-          <p:cNvPr id="5" name="Picture 4" descr="A black and white screen with white text&#10;&#10;Description automatically generated">
-            <a:extLst>
-              <a:ext uri="{FF2B5EF4-FFF2-40B4-BE49-F238E27FC236}">
-                <a16:creationId xmlns:a16="http://schemas.microsoft.com/office/drawing/2014/main" id="{0CCB30B8-F023-AC96-5FE1-FCBD61F80DA0}"/>
-              </a:ext>
-            </a:extLst>
-          </p:cNvPr>
-          <p:cNvPicPr>
-            <a:picLocks noChangeAspect="1"/>
-          </p:cNvPicPr>
-          <p:nvPr/>
-        </p:nvPicPr>
-        <p:blipFill>
-          <a:blip r:embed="rId2">
-            <a:extLst>
-              <a:ext uri="{28A0092B-C50C-407E-A947-70E740481C1C}">
-                <a14:useLocalDpi xmlns:a14="http://schemas.microsoft.com/office/drawing/2010/main" val="0"/>
-              </a:ext>
-            </a:extLst>
-          </a:blip>
-          <a:stretch>
-            <a:fillRect/>
-          </a:stretch>
-        </p:blipFill>
-        <p:spPr>
-          <a:xfrm>
-            <a:off x="0" y="4762"/>
-            <a:ext cx="12192000" cy="6848475"/>
-          </a:xfrm>
-          <a:prstGeom prst="rect">
-            <a:avLst/>
-          </a:prstGeom>
-        </p:spPr>
-      </p:pic>
-    </p:spTree>
-    <p:extLst>
-      <p:ext uri="{BB962C8B-B14F-4D97-AF65-F5344CB8AC3E}">
-        <p14:creationId xmlns:p14="http://schemas.microsoft.com/office/powerpoint/2010/main" val="4118640415"/>
-      </p:ext>
-    </p:extLst>
-  </p:cSld>
-  <p:clrMapOvr>
-    <a:masterClrMapping/>
-  </p:clrMapOvr>
-</p:sld>
-</file>
-
-<file path=ppt/slides/slide9.xml><?xml version="1.0" encoding="utf-8"?>
-<p:sld xmlns:a="http://schemas.openxmlformats.org/drawingml/2006/main" xmlns:r="http://schemas.openxmlformats.org/officeDocument/2006/relationships" xmlns:p="http://schemas.openxmlformats.org/presentationml/2006/main">
-  <p:cSld>
-    <p:bg>
-      <p:bgPr>
-        <a:solidFill>
-          <a:schemeClr val="tx1"/>
-        </a:solidFill>
-        <a:effectLst/>
-      </p:bgPr>
-    </p:bg>
     <p:spTree>
       <p:nvGrpSpPr>
         <p:cNvPr id="1" name="">
@@ -6192,6 +4498,109 @@
           <a:chExt cx="0" cy="0"/>
         </a:xfrm>
       </p:grpSpPr>
+      <p:grpSp>
+        <p:nvGrpSpPr>
+          <p:cNvPr id="9" name="Group 8">
+            <a:extLst>
+              <a:ext uri="{FF2B5EF4-FFF2-40B4-BE49-F238E27FC236}">
+                <a16:creationId xmlns:a16="http://schemas.microsoft.com/office/drawing/2014/main" id="{46B99828-D22C-B9DD-4D83-A45CF30FBE29}"/>
+              </a:ext>
+            </a:extLst>
+          </p:cNvPr>
+          <p:cNvGrpSpPr/>
+          <p:nvPr/>
+        </p:nvGrpSpPr>
+        <p:grpSpPr>
+          <a:xfrm>
+            <a:off x="5350594" y="2820998"/>
+            <a:ext cx="1452646" cy="1785104"/>
+            <a:chOff x="5350594" y="2768838"/>
+            <a:chExt cx="1452646" cy="1785104"/>
+          </a:xfrm>
+        </p:grpSpPr>
+        <p:sp>
+          <p:nvSpPr>
+            <p:cNvPr id="10" name="TextBox 9">
+              <a:extLst>
+                <a:ext uri="{FF2B5EF4-FFF2-40B4-BE49-F238E27FC236}">
+                  <a16:creationId xmlns:a16="http://schemas.microsoft.com/office/drawing/2014/main" id="{27B03163-521D-4DF3-C6DD-A0E6688C148E}"/>
+                </a:ext>
+              </a:extLst>
+            </p:cNvPr>
+            <p:cNvSpPr txBox="1"/>
+            <p:nvPr/>
+          </p:nvSpPr>
+          <p:spPr>
+            <a:xfrm>
+              <a:off x="6120040" y="2792850"/>
+              <a:ext cx="683200" cy="1169551"/>
+            </a:xfrm>
+            <a:prstGeom prst="rect">
+              <a:avLst/>
+            </a:prstGeom>
+            <a:noFill/>
+          </p:spPr>
+          <p:txBody>
+            <a:bodyPr wrap="none" rtlCol="0">
+              <a:spAutoFit/>
+            </a:bodyPr>
+            <a:lstStyle/>
+            <a:p>
+              <a:r>
+                <a:rPr lang="en-US" sz="7000" dirty="0">
+                  <a:solidFill>
+                    <a:schemeClr val="bg1"/>
+                  </a:solidFill>
+                  <a:latin typeface="Arial" panose="020B0604020202020204" pitchFamily="34" charset="0"/>
+                  <a:cs typeface="Arial" panose="020B0604020202020204" pitchFamily="34" charset="0"/>
+                </a:rPr>
+                <a:t>2</a:t>
+              </a:r>
+            </a:p>
+          </p:txBody>
+        </p:sp>
+        <p:sp>
+          <p:nvSpPr>
+            <p:cNvPr id="11" name="TextBox 10">
+              <a:extLst>
+                <a:ext uri="{FF2B5EF4-FFF2-40B4-BE49-F238E27FC236}">
+                  <a16:creationId xmlns:a16="http://schemas.microsoft.com/office/drawing/2014/main" id="{000DA3F0-658F-E11D-646C-7E1E3F2703F0}"/>
+                </a:ext>
+              </a:extLst>
+            </p:cNvPr>
+            <p:cNvSpPr txBox="1"/>
+            <p:nvPr/>
+          </p:nvSpPr>
+          <p:spPr>
+            <a:xfrm>
+              <a:off x="5350594" y="2768838"/>
+              <a:ext cx="732893" cy="1785104"/>
+            </a:xfrm>
+            <a:prstGeom prst="rect">
+              <a:avLst/>
+            </a:prstGeom>
+            <a:noFill/>
+          </p:spPr>
+          <p:txBody>
+            <a:bodyPr wrap="none" rtlCol="0">
+              <a:spAutoFit/>
+            </a:bodyPr>
+            <a:lstStyle/>
+            <a:p>
+              <a:r>
+                <a:rPr lang="en-US" sz="11000" dirty="0">
+                  <a:solidFill>
+                    <a:schemeClr val="bg1"/>
+                  </a:solidFill>
+                  <a:latin typeface="Arial" panose="020B0604020202020204" pitchFamily="34" charset="0"/>
+                  <a:cs typeface="Arial" panose="020B0604020202020204" pitchFamily="34" charset="0"/>
+                </a:rPr>
+                <a:t>*</a:t>
+              </a:r>
+            </a:p>
+          </p:txBody>
+        </p:sp>
+      </p:grpSp>
       <p:sp>
         <p:nvSpPr>
           <p:cNvPr id="20" name="TextBox 19">
@@ -6379,10 +4788,10 @@
       </p:sp>
       <p:pic>
         <p:nvPicPr>
-          <p:cNvPr id="5" name="Picture 4" descr="A black and white screen with white text">
-            <a:extLst>
-              <a:ext uri="{FF2B5EF4-FFF2-40B4-BE49-F238E27FC236}">
-                <a16:creationId xmlns:a16="http://schemas.microsoft.com/office/drawing/2014/main" id="{2D847588-6135-78C9-9824-BB6B694DD631}"/>
+          <p:cNvPr id="2" name="Picture 1" descr="A green circle with black background&#10;&#10;Description automatically generated">
+            <a:extLst>
+              <a:ext uri="{FF2B5EF4-FFF2-40B4-BE49-F238E27FC236}">
+                <a16:creationId xmlns:a16="http://schemas.microsoft.com/office/drawing/2014/main" id="{7F46E411-0732-7C59-D4EA-546A260C5D4A}"/>
               </a:ext>
             </a:extLst>
           </p:cNvPr>
@@ -6393,41 +4802,6 @@
         </p:nvPicPr>
         <p:blipFill>
           <a:blip r:embed="rId2">
-            <a:extLst>
-              <a:ext uri="{28A0092B-C50C-407E-A947-70E740481C1C}">
-                <a14:useLocalDpi xmlns:a14="http://schemas.microsoft.com/office/drawing/2010/main" val="0"/>
-              </a:ext>
-            </a:extLst>
-          </a:blip>
-          <a:srcRect t="43102" b="42804"/>
-          <a:stretch/>
-        </p:blipFill>
-        <p:spPr>
-          <a:xfrm>
-            <a:off x="0" y="2956561"/>
-            <a:ext cx="12192000" cy="965200"/>
-          </a:xfrm>
-          <a:prstGeom prst="rect">
-            <a:avLst/>
-          </a:prstGeom>
-        </p:spPr>
-      </p:pic>
-      <p:pic>
-        <p:nvPicPr>
-          <p:cNvPr id="2" name="Picture 1" descr="A green circle with black background&#10;&#10;Description automatically generated">
-            <a:extLst>
-              <a:ext uri="{FF2B5EF4-FFF2-40B4-BE49-F238E27FC236}">
-                <a16:creationId xmlns:a16="http://schemas.microsoft.com/office/drawing/2014/main" id="{7F46E411-0732-7C59-D4EA-546A260C5D4A}"/>
-              </a:ext>
-            </a:extLst>
-          </p:cNvPr>
-          <p:cNvPicPr>
-            <a:picLocks noChangeAspect="1"/>
-          </p:cNvPicPr>
-          <p:nvPr/>
-        </p:nvPicPr>
-        <p:blipFill>
-          <a:blip r:embed="rId3">
             <a:extLst>
               <a:ext uri="{28A0092B-C50C-407E-A947-70E740481C1C}">
                 <a14:useLocalDpi xmlns:a14="http://schemas.microsoft.com/office/drawing/2010/main" val="0"/>
@@ -6452,6 +4826,1167 @@
     <p:extLst>
       <p:ext uri="{BB962C8B-B14F-4D97-AF65-F5344CB8AC3E}">
         <p14:creationId xmlns:p14="http://schemas.microsoft.com/office/powerpoint/2010/main" val="1136285772"/>
+      </p:ext>
+    </p:extLst>
+  </p:cSld>
+  <p:clrMapOvr>
+    <a:masterClrMapping/>
+  </p:clrMapOvr>
+</p:sld>
+</file>
+
+<file path=ppt/slides/slide4.xml><?xml version="1.0" encoding="utf-8"?>
+<p:sld xmlns:a="http://schemas.openxmlformats.org/drawingml/2006/main" xmlns:r="http://schemas.openxmlformats.org/officeDocument/2006/relationships" xmlns:p="http://schemas.openxmlformats.org/presentationml/2006/main">
+  <p:cSld>
+    <p:spTree>
+      <p:nvGrpSpPr>
+        <p:cNvPr id="1" name="">
+          <a:extLst>
+            <a:ext uri="{FF2B5EF4-FFF2-40B4-BE49-F238E27FC236}">
+              <a16:creationId xmlns:a16="http://schemas.microsoft.com/office/drawing/2014/main" id="{DA457FAA-12C6-B7B9-40AB-1F8834613552}"/>
+            </a:ext>
+          </a:extLst>
+        </p:cNvPr>
+        <p:cNvGrpSpPr/>
+        <p:nvPr/>
+      </p:nvGrpSpPr>
+      <p:grpSpPr>
+        <a:xfrm>
+          <a:off x="0" y="0"/>
+          <a:ext cx="0" cy="0"/>
+          <a:chOff x="0" y="0"/>
+          <a:chExt cx="0" cy="0"/>
+        </a:xfrm>
+      </p:grpSpPr>
+      <p:sp>
+        <p:nvSpPr>
+          <p:cNvPr id="20" name="TextBox 19">
+            <a:extLst>
+              <a:ext uri="{FF2B5EF4-FFF2-40B4-BE49-F238E27FC236}">
+                <a16:creationId xmlns:a16="http://schemas.microsoft.com/office/drawing/2014/main" id="{45AE4E81-E3E1-8F68-413C-404506E5E00A}"/>
+              </a:ext>
+            </a:extLst>
+          </p:cNvPr>
+          <p:cNvSpPr txBox="1"/>
+          <p:nvPr/>
+        </p:nvSpPr>
+        <p:spPr>
+          <a:xfrm>
+            <a:off x="545222" y="4351239"/>
+            <a:ext cx="11101565" cy="1892826"/>
+          </a:xfrm>
+          <a:prstGeom prst="rect">
+            <a:avLst/>
+          </a:prstGeom>
+          <a:noFill/>
+        </p:spPr>
+        <p:txBody>
+          <a:bodyPr wrap="none" rtlCol="0">
+            <a:spAutoFit/>
+          </a:bodyPr>
+          <a:lstStyle/>
+          <a:p>
+            <a:pPr algn="ctr"/>
+            <a:r>
+              <a:rPr lang="en-US" sz="3900" b="0" i="0" dirty="0">
+                <a:solidFill>
+                  <a:schemeClr val="bg1"/>
+                </a:solidFill>
+                <a:effectLst/>
+                <a:latin typeface="Menlo"/>
+              </a:rPr>
+              <a:t>After </a:t>
+            </a:r>
+            <a:r>
+              <a:rPr lang="en-US" altLang="zh-CN" sz="3900" b="0" i="0" dirty="0">
+                <a:solidFill>
+                  <a:schemeClr val="bg1"/>
+                </a:solidFill>
+                <a:effectLst/>
+                <a:latin typeface="Menlo"/>
+              </a:rPr>
+              <a:t>another</a:t>
+            </a:r>
+            <a:r>
+              <a:rPr lang="en-US" sz="3900" b="0" i="0" dirty="0">
+                <a:solidFill>
+                  <a:schemeClr val="bg1"/>
+                </a:solidFill>
+                <a:effectLst/>
+                <a:latin typeface="Menlo"/>
+              </a:rPr>
+              <a:t> delay, you will see a green circle (      )</a:t>
+            </a:r>
+            <a:r>
+              <a:rPr lang="en-US" sz="3900" dirty="0">
+                <a:solidFill>
+                  <a:schemeClr val="bg1"/>
+                </a:solidFill>
+                <a:latin typeface="Menlo"/>
+              </a:rPr>
+              <a:t>.</a:t>
+            </a:r>
+          </a:p>
+          <a:p>
+            <a:pPr algn="ctr"/>
+            <a:r>
+              <a:rPr lang="en-US" sz="3900" u="sng" dirty="0">
+                <a:solidFill>
+                  <a:schemeClr val="bg1"/>
+                </a:solidFill>
+                <a:latin typeface="Menlo"/>
+              </a:rPr>
+              <a:t>Reverse the order of sounds and say them</a:t>
+            </a:r>
+            <a:r>
+              <a:rPr lang="en-US" sz="3900" dirty="0">
+                <a:solidFill>
+                  <a:schemeClr val="bg1"/>
+                </a:solidFill>
+                <a:latin typeface="Menlo"/>
+              </a:rPr>
+              <a:t> </a:t>
+            </a:r>
+          </a:p>
+          <a:p>
+            <a:pPr algn="ctr"/>
+            <a:r>
+              <a:rPr lang="en-US" sz="3900" dirty="0">
+                <a:solidFill>
+                  <a:schemeClr val="bg1"/>
+                </a:solidFill>
+                <a:latin typeface="Menlo"/>
+              </a:rPr>
+              <a:t>once the circle appears.</a:t>
+            </a:r>
+            <a:endParaRPr lang="en-US" sz="3900" b="0" i="0" dirty="0">
+              <a:solidFill>
+                <a:schemeClr val="bg1"/>
+              </a:solidFill>
+              <a:effectLst/>
+              <a:latin typeface="Menlo"/>
+            </a:endParaRPr>
+          </a:p>
+        </p:txBody>
+      </p:sp>
+      <p:sp>
+        <p:nvSpPr>
+          <p:cNvPr id="19" name="TextBox 18">
+            <a:extLst>
+              <a:ext uri="{FF2B5EF4-FFF2-40B4-BE49-F238E27FC236}">
+                <a16:creationId xmlns:a16="http://schemas.microsoft.com/office/drawing/2014/main" id="{792D4B31-97DC-B7B5-E6AC-8177CC7B7919}"/>
+              </a:ext>
+            </a:extLst>
+          </p:cNvPr>
+          <p:cNvSpPr txBox="1"/>
+          <p:nvPr/>
+        </p:nvSpPr>
+        <p:spPr>
+          <a:xfrm>
+            <a:off x="1622021" y="583457"/>
+            <a:ext cx="8947962" cy="1892826"/>
+          </a:xfrm>
+          <a:prstGeom prst="rect">
+            <a:avLst/>
+          </a:prstGeom>
+          <a:noFill/>
+        </p:spPr>
+        <p:txBody>
+          <a:bodyPr wrap="none" rtlCol="0">
+            <a:spAutoFit/>
+          </a:bodyPr>
+          <a:lstStyle/>
+          <a:p>
+            <a:pPr algn="ctr"/>
+            <a:r>
+              <a:rPr lang="en-US" sz="3900" b="0" i="0" dirty="0">
+                <a:solidFill>
+                  <a:schemeClr val="bg1"/>
+                </a:solidFill>
+                <a:effectLst/>
+                <a:latin typeface="Menlo"/>
+              </a:rPr>
+              <a:t>You will hear two sounds (sounds 1 and 2). </a:t>
+            </a:r>
+          </a:p>
+          <a:p>
+            <a:pPr algn="ctr"/>
+            <a:r>
+              <a:rPr lang="en-US" sz="3900" b="0" i="0" dirty="0">
+                <a:solidFill>
+                  <a:schemeClr val="bg1"/>
+                </a:solidFill>
+                <a:effectLst/>
+                <a:latin typeface="Menlo"/>
+              </a:rPr>
+              <a:t>Keep them in mind.</a:t>
+            </a:r>
+          </a:p>
+          <a:p>
+            <a:pPr algn="ctr"/>
+            <a:r>
+              <a:rPr lang="en-US" sz="3900" b="0" i="0" dirty="0">
+                <a:solidFill>
+                  <a:schemeClr val="bg1"/>
+                </a:solidFill>
+                <a:effectLst/>
+                <a:latin typeface="Menlo"/>
+              </a:rPr>
+              <a:t>After a delay, you will see a cue on screen:</a:t>
+            </a:r>
+          </a:p>
+        </p:txBody>
+      </p:sp>
+      <p:pic>
+        <p:nvPicPr>
+          <p:cNvPr id="5" name="Picture 4" descr="A green circle with black background&#10;&#10;Description automatically generated">
+            <a:extLst>
+              <a:ext uri="{FF2B5EF4-FFF2-40B4-BE49-F238E27FC236}">
+                <a16:creationId xmlns:a16="http://schemas.microsoft.com/office/drawing/2014/main" id="{7B669571-6612-132B-E03C-A933DB07809F}"/>
+              </a:ext>
+            </a:extLst>
+          </p:cNvPr>
+          <p:cNvPicPr>
+            <a:picLocks noChangeAspect="1"/>
+          </p:cNvPicPr>
+          <p:nvPr/>
+        </p:nvPicPr>
+        <p:blipFill>
+          <a:blip r:embed="rId2">
+            <a:extLst>
+              <a:ext uri="{28A0092B-C50C-407E-A947-70E740481C1C}">
+                <a14:useLocalDpi xmlns:a14="http://schemas.microsoft.com/office/drawing/2010/main" val="0"/>
+              </a:ext>
+            </a:extLst>
+          </a:blip>
+          <a:stretch>
+            <a:fillRect/>
+          </a:stretch>
+        </p:blipFill>
+        <p:spPr>
+          <a:xfrm>
+            <a:off x="10427510" y="4432519"/>
+            <a:ext cx="579238" cy="579238"/>
+          </a:xfrm>
+          <a:prstGeom prst="rect">
+            <a:avLst/>
+          </a:prstGeom>
+        </p:spPr>
+      </p:pic>
+      <p:sp>
+        <p:nvSpPr>
+          <p:cNvPr id="3" name="TextBox 2">
+            <a:extLst>
+              <a:ext uri="{FF2B5EF4-FFF2-40B4-BE49-F238E27FC236}">
+                <a16:creationId xmlns:a16="http://schemas.microsoft.com/office/drawing/2014/main" id="{07E3A64D-5569-D3CE-7086-2AD27046B36C}"/>
+              </a:ext>
+            </a:extLst>
+          </p:cNvPr>
+          <p:cNvSpPr txBox="1"/>
+          <p:nvPr/>
+        </p:nvSpPr>
+        <p:spPr>
+          <a:xfrm>
+            <a:off x="5380099" y="2844225"/>
+            <a:ext cx="1431802" cy="1169551"/>
+          </a:xfrm>
+          <a:prstGeom prst="rect">
+            <a:avLst/>
+          </a:prstGeom>
+          <a:noFill/>
+        </p:spPr>
+        <p:txBody>
+          <a:bodyPr wrap="none" rtlCol="0">
+            <a:spAutoFit/>
+          </a:bodyPr>
+          <a:lstStyle/>
+          <a:p>
+            <a:r>
+              <a:rPr lang="en-US" sz="7000" dirty="0">
+                <a:solidFill>
+                  <a:schemeClr val="bg1"/>
+                </a:solidFill>
+                <a:latin typeface="Arial" panose="020B0604020202020204" pitchFamily="34" charset="0"/>
+                <a:cs typeface="Arial" panose="020B0604020202020204" pitchFamily="34" charset="0"/>
+              </a:rPr>
+              <a:t>2 1</a:t>
+            </a:r>
+          </a:p>
+        </p:txBody>
+      </p:sp>
+    </p:spTree>
+    <p:extLst>
+      <p:ext uri="{BB962C8B-B14F-4D97-AF65-F5344CB8AC3E}">
+        <p14:creationId xmlns:p14="http://schemas.microsoft.com/office/powerpoint/2010/main" val="3205096061"/>
+      </p:ext>
+    </p:extLst>
+  </p:cSld>
+  <p:clrMapOvr>
+    <a:masterClrMapping/>
+  </p:clrMapOvr>
+</p:sld>
+</file>
+
+<file path=ppt/slides/slide5.xml><?xml version="1.0" encoding="utf-8"?>
+<p:sld xmlns:a="http://schemas.openxmlformats.org/drawingml/2006/main" xmlns:r="http://schemas.openxmlformats.org/officeDocument/2006/relationships" xmlns:p="http://schemas.openxmlformats.org/presentationml/2006/main">
+  <p:cSld>
+    <p:spTree>
+      <p:nvGrpSpPr>
+        <p:cNvPr id="1" name="">
+          <a:extLst>
+            <a:ext uri="{FF2B5EF4-FFF2-40B4-BE49-F238E27FC236}">
+              <a16:creationId xmlns:a16="http://schemas.microsoft.com/office/drawing/2014/main" id="{45E7330F-ACEA-3D7B-D9E8-5456D3CA4EBC}"/>
+            </a:ext>
+          </a:extLst>
+        </p:cNvPr>
+        <p:cNvGrpSpPr/>
+        <p:nvPr/>
+      </p:nvGrpSpPr>
+      <p:grpSpPr>
+        <a:xfrm>
+          <a:off x="0" y="0"/>
+          <a:ext cx="0" cy="0"/>
+          <a:chOff x="0" y="0"/>
+          <a:chExt cx="0" cy="0"/>
+        </a:xfrm>
+      </p:grpSpPr>
+      <p:sp>
+        <p:nvSpPr>
+          <p:cNvPr id="20" name="TextBox 19">
+            <a:extLst>
+              <a:ext uri="{FF2B5EF4-FFF2-40B4-BE49-F238E27FC236}">
+                <a16:creationId xmlns:a16="http://schemas.microsoft.com/office/drawing/2014/main" id="{B203A73B-4464-4217-5C1E-17A2C0778F44}"/>
+              </a:ext>
+            </a:extLst>
+          </p:cNvPr>
+          <p:cNvSpPr txBox="1"/>
+          <p:nvPr/>
+        </p:nvSpPr>
+        <p:spPr>
+          <a:xfrm>
+            <a:off x="2537686" y="4351239"/>
+            <a:ext cx="7116628" cy="692497"/>
+          </a:xfrm>
+          <a:prstGeom prst="rect">
+            <a:avLst/>
+          </a:prstGeom>
+          <a:noFill/>
+        </p:spPr>
+        <p:txBody>
+          <a:bodyPr wrap="none" rtlCol="0">
+            <a:spAutoFit/>
+          </a:bodyPr>
+          <a:lstStyle/>
+          <a:p>
+            <a:pPr algn="ctr"/>
+            <a:r>
+              <a:rPr lang="en-US" sz="3900" b="0" i="0" dirty="0">
+                <a:solidFill>
+                  <a:schemeClr val="bg1"/>
+                </a:solidFill>
+                <a:effectLst/>
+                <a:latin typeface="Menlo"/>
+              </a:rPr>
+              <a:t>Once you see the cue, </a:t>
+            </a:r>
+            <a:r>
+              <a:rPr lang="en-US" sz="3900" b="0" i="0" u="sng" dirty="0">
+                <a:solidFill>
+                  <a:schemeClr val="bg1"/>
+                </a:solidFill>
+                <a:effectLst/>
+                <a:latin typeface="Menlo"/>
+              </a:rPr>
+              <a:t>do nothing</a:t>
+            </a:r>
+            <a:r>
+              <a:rPr lang="en-US" sz="3900" b="0" i="0" dirty="0">
+                <a:solidFill>
+                  <a:schemeClr val="bg1"/>
+                </a:solidFill>
+                <a:effectLst/>
+                <a:latin typeface="Menlo"/>
+              </a:rPr>
+              <a:t>.</a:t>
+            </a:r>
+          </a:p>
+        </p:txBody>
+      </p:sp>
+      <p:sp>
+        <p:nvSpPr>
+          <p:cNvPr id="19" name="TextBox 18">
+            <a:extLst>
+              <a:ext uri="{FF2B5EF4-FFF2-40B4-BE49-F238E27FC236}">
+                <a16:creationId xmlns:a16="http://schemas.microsoft.com/office/drawing/2014/main" id="{56DCAE30-03FE-881F-6DA4-44CFFF2CB207}"/>
+              </a:ext>
+            </a:extLst>
+          </p:cNvPr>
+          <p:cNvSpPr txBox="1"/>
+          <p:nvPr/>
+        </p:nvSpPr>
+        <p:spPr>
+          <a:xfrm>
+            <a:off x="1622021" y="583457"/>
+            <a:ext cx="8947962" cy="1892826"/>
+          </a:xfrm>
+          <a:prstGeom prst="rect">
+            <a:avLst/>
+          </a:prstGeom>
+          <a:noFill/>
+        </p:spPr>
+        <p:txBody>
+          <a:bodyPr wrap="none" rtlCol="0">
+            <a:spAutoFit/>
+          </a:bodyPr>
+          <a:lstStyle/>
+          <a:p>
+            <a:pPr algn="ctr"/>
+            <a:r>
+              <a:rPr lang="en-US" sz="3900" b="0" i="0" dirty="0">
+                <a:solidFill>
+                  <a:schemeClr val="bg1"/>
+                </a:solidFill>
+                <a:effectLst/>
+                <a:latin typeface="Menlo"/>
+              </a:rPr>
+              <a:t>You will hear two sounds (sounds 1 and 2). </a:t>
+            </a:r>
+          </a:p>
+          <a:p>
+            <a:pPr algn="ctr"/>
+            <a:r>
+              <a:rPr lang="en-US" sz="3900" b="0" i="0" dirty="0">
+                <a:solidFill>
+                  <a:schemeClr val="bg1"/>
+                </a:solidFill>
+                <a:effectLst/>
+                <a:latin typeface="Menlo"/>
+              </a:rPr>
+              <a:t>Keep them in mind.</a:t>
+            </a:r>
+          </a:p>
+          <a:p>
+            <a:pPr algn="ctr"/>
+            <a:r>
+              <a:rPr lang="en-US" sz="3900" b="0" i="0" dirty="0">
+                <a:solidFill>
+                  <a:schemeClr val="bg1"/>
+                </a:solidFill>
+                <a:effectLst/>
+                <a:latin typeface="Menlo"/>
+              </a:rPr>
+              <a:t>After a delay, you will see a cue on screen:</a:t>
+            </a:r>
+          </a:p>
+        </p:txBody>
+      </p:sp>
+      <p:grpSp>
+        <p:nvGrpSpPr>
+          <p:cNvPr id="17" name="Group 16">
+            <a:extLst>
+              <a:ext uri="{FF2B5EF4-FFF2-40B4-BE49-F238E27FC236}">
+                <a16:creationId xmlns:a16="http://schemas.microsoft.com/office/drawing/2014/main" id="{B3F8EDB5-DA24-001D-6F50-5BA416C5ACED}"/>
+              </a:ext>
+            </a:extLst>
+          </p:cNvPr>
+          <p:cNvGrpSpPr/>
+          <p:nvPr/>
+        </p:nvGrpSpPr>
+        <p:grpSpPr>
+          <a:xfrm>
+            <a:off x="5350594" y="2820998"/>
+            <a:ext cx="1479595" cy="1786120"/>
+            <a:chOff x="5350594" y="2820998"/>
+            <a:chExt cx="1479595" cy="1786120"/>
+          </a:xfrm>
+        </p:grpSpPr>
+        <p:sp>
+          <p:nvSpPr>
+            <p:cNvPr id="13" name="TextBox 12">
+              <a:extLst>
+                <a:ext uri="{FF2B5EF4-FFF2-40B4-BE49-F238E27FC236}">
+                  <a16:creationId xmlns:a16="http://schemas.microsoft.com/office/drawing/2014/main" id="{76A73344-849A-B70D-9B32-A888D994252E}"/>
+                </a:ext>
+              </a:extLst>
+            </p:cNvPr>
+            <p:cNvSpPr txBox="1"/>
+            <p:nvPr/>
+          </p:nvSpPr>
+          <p:spPr>
+            <a:xfrm>
+              <a:off x="6097296" y="2822014"/>
+              <a:ext cx="732893" cy="1785104"/>
+            </a:xfrm>
+            <a:prstGeom prst="rect">
+              <a:avLst/>
+            </a:prstGeom>
+            <a:noFill/>
+          </p:spPr>
+          <p:txBody>
+            <a:bodyPr wrap="none" rtlCol="0">
+              <a:spAutoFit/>
+            </a:bodyPr>
+            <a:lstStyle/>
+            <a:p>
+              <a:r>
+                <a:rPr lang="en-US" sz="11000" dirty="0">
+                  <a:solidFill>
+                    <a:schemeClr val="bg1"/>
+                  </a:solidFill>
+                  <a:latin typeface="Arial" panose="020B0604020202020204" pitchFamily="34" charset="0"/>
+                  <a:cs typeface="Arial" panose="020B0604020202020204" pitchFamily="34" charset="0"/>
+                </a:rPr>
+                <a:t>*</a:t>
+              </a:r>
+            </a:p>
+          </p:txBody>
+        </p:sp>
+        <p:sp>
+          <p:nvSpPr>
+            <p:cNvPr id="16" name="TextBox 15">
+              <a:extLst>
+                <a:ext uri="{FF2B5EF4-FFF2-40B4-BE49-F238E27FC236}">
+                  <a16:creationId xmlns:a16="http://schemas.microsoft.com/office/drawing/2014/main" id="{69CB8EF7-867E-D947-6B8C-FDEF1EACBC35}"/>
+                </a:ext>
+              </a:extLst>
+            </p:cNvPr>
+            <p:cNvSpPr txBox="1"/>
+            <p:nvPr/>
+          </p:nvSpPr>
+          <p:spPr>
+            <a:xfrm>
+              <a:off x="5350594" y="2820998"/>
+              <a:ext cx="732893" cy="1785104"/>
+            </a:xfrm>
+            <a:prstGeom prst="rect">
+              <a:avLst/>
+            </a:prstGeom>
+            <a:noFill/>
+          </p:spPr>
+          <p:txBody>
+            <a:bodyPr wrap="none" rtlCol="0">
+              <a:spAutoFit/>
+            </a:bodyPr>
+            <a:lstStyle/>
+            <a:p>
+              <a:r>
+                <a:rPr lang="en-US" sz="11000" dirty="0">
+                  <a:solidFill>
+                    <a:schemeClr val="bg1"/>
+                  </a:solidFill>
+                  <a:latin typeface="Arial" panose="020B0604020202020204" pitchFamily="34" charset="0"/>
+                  <a:cs typeface="Arial" panose="020B0604020202020204" pitchFamily="34" charset="0"/>
+                </a:rPr>
+                <a:t>*</a:t>
+              </a:r>
+            </a:p>
+          </p:txBody>
+        </p:sp>
+      </p:grpSp>
+    </p:spTree>
+    <p:extLst>
+      <p:ext uri="{BB962C8B-B14F-4D97-AF65-F5344CB8AC3E}">
+        <p14:creationId xmlns:p14="http://schemas.microsoft.com/office/powerpoint/2010/main" val="2062959938"/>
+      </p:ext>
+    </p:extLst>
+  </p:cSld>
+  <p:clrMapOvr>
+    <a:masterClrMapping/>
+  </p:clrMapOvr>
+</p:sld>
+</file>
+
+<file path=ppt/slides/slide6.xml><?xml version="1.0" encoding="utf-8"?>
+<p:sld xmlns:a="http://schemas.openxmlformats.org/drawingml/2006/main" xmlns:r="http://schemas.openxmlformats.org/officeDocument/2006/relationships" xmlns:p="http://schemas.openxmlformats.org/presentationml/2006/main">
+  <p:cSld>
+    <p:spTree>
+      <p:nvGrpSpPr>
+        <p:cNvPr id="1" name="">
+          <a:extLst>
+            <a:ext uri="{FF2B5EF4-FFF2-40B4-BE49-F238E27FC236}">
+              <a16:creationId xmlns:a16="http://schemas.microsoft.com/office/drawing/2014/main" id="{D29AA06E-E03B-73D9-757E-28D4AC0CBE0D}"/>
+            </a:ext>
+          </a:extLst>
+        </p:cNvPr>
+        <p:cNvGrpSpPr/>
+        <p:nvPr/>
+      </p:nvGrpSpPr>
+      <p:grpSpPr>
+        <a:xfrm>
+          <a:off x="0" y="0"/>
+          <a:ext cx="0" cy="0"/>
+          <a:chOff x="0" y="0"/>
+          <a:chExt cx="0" cy="0"/>
+        </a:xfrm>
+      </p:grpSpPr>
+      <p:sp>
+        <p:nvSpPr>
+          <p:cNvPr id="2" name="TextBox 1">
+            <a:extLst>
+              <a:ext uri="{FF2B5EF4-FFF2-40B4-BE49-F238E27FC236}">
+                <a16:creationId xmlns:a16="http://schemas.microsoft.com/office/drawing/2014/main" id="{406ECF57-2AD8-2869-76D6-B72E6EF3461E}"/>
+              </a:ext>
+            </a:extLst>
+          </p:cNvPr>
+          <p:cNvSpPr txBox="1"/>
+          <p:nvPr/>
+        </p:nvSpPr>
+        <p:spPr>
+          <a:xfrm>
+            <a:off x="3421999" y="540132"/>
+            <a:ext cx="5348002" cy="5777736"/>
+          </a:xfrm>
+          <a:prstGeom prst="rect">
+            <a:avLst/>
+          </a:prstGeom>
+          <a:noFill/>
+        </p:spPr>
+        <p:txBody>
+          <a:bodyPr wrap="none" rtlCol="0">
+            <a:spAutoFit/>
+          </a:bodyPr>
+          <a:lstStyle/>
+          <a:p>
+            <a:pPr>
+              <a:lnSpc>
+                <a:spcPct val="125000"/>
+              </a:lnSpc>
+            </a:pPr>
+            <a:r>
+              <a:rPr lang="en-US" sz="6000" b="0" i="0" dirty="0">
+                <a:solidFill>
+                  <a:schemeClr val="bg1"/>
+                </a:solidFill>
+                <a:effectLst/>
+                <a:latin typeface="Menlo"/>
+              </a:rPr>
+              <a:t>1 2  </a:t>
+            </a:r>
+            <a:r>
+              <a:rPr lang="en-US" sz="3900" b="0" i="0" dirty="0">
+                <a:solidFill>
+                  <a:schemeClr val="bg1"/>
+                </a:solidFill>
+                <a:effectLst/>
+                <a:latin typeface="Menlo"/>
+              </a:rPr>
+              <a:t>Repeat both.</a:t>
+            </a:r>
+          </a:p>
+          <a:p>
+            <a:pPr>
+              <a:lnSpc>
+                <a:spcPct val="125000"/>
+              </a:lnSpc>
+            </a:pPr>
+            <a:r>
+              <a:rPr lang="en-US" sz="6000" dirty="0">
+                <a:solidFill>
+                  <a:schemeClr val="bg1"/>
+                </a:solidFill>
+                <a:latin typeface="Menlo"/>
+              </a:rPr>
+              <a:t>1     </a:t>
+            </a:r>
+            <a:r>
+              <a:rPr lang="en-US" sz="3900" dirty="0">
+                <a:solidFill>
+                  <a:schemeClr val="bg1"/>
+                </a:solidFill>
+                <a:latin typeface="Menlo"/>
+              </a:rPr>
+              <a:t>Repeat the first.</a:t>
+            </a:r>
+          </a:p>
+          <a:p>
+            <a:pPr>
+              <a:lnSpc>
+                <a:spcPct val="125000"/>
+              </a:lnSpc>
+            </a:pPr>
+            <a:r>
+              <a:rPr lang="en-US" sz="6000" b="0" i="0" dirty="0">
+                <a:solidFill>
+                  <a:schemeClr val="bg1"/>
+                </a:solidFill>
+                <a:effectLst/>
+                <a:latin typeface="Menlo"/>
+              </a:rPr>
+              <a:t>2     </a:t>
+            </a:r>
+            <a:r>
+              <a:rPr lang="en-US" sz="3900" b="0" i="0" dirty="0">
+                <a:solidFill>
+                  <a:schemeClr val="bg1"/>
+                </a:solidFill>
+                <a:effectLst/>
+                <a:latin typeface="Menlo"/>
+              </a:rPr>
+              <a:t>Repeat the second.</a:t>
+            </a:r>
+          </a:p>
+          <a:p>
+            <a:pPr>
+              <a:lnSpc>
+                <a:spcPct val="125000"/>
+              </a:lnSpc>
+            </a:pPr>
+            <a:r>
+              <a:rPr lang="en-US" sz="6000" dirty="0">
+                <a:solidFill>
+                  <a:schemeClr val="bg1"/>
+                </a:solidFill>
+                <a:latin typeface="Menlo"/>
+              </a:rPr>
+              <a:t>2 1  </a:t>
+            </a:r>
+            <a:r>
+              <a:rPr lang="en-US" sz="3900" dirty="0">
+                <a:solidFill>
+                  <a:schemeClr val="bg1"/>
+                </a:solidFill>
+                <a:latin typeface="Menlo"/>
+              </a:rPr>
+              <a:t>Reverse and say.</a:t>
+            </a:r>
+          </a:p>
+          <a:p>
+            <a:pPr>
+              <a:lnSpc>
+                <a:spcPct val="125000"/>
+              </a:lnSpc>
+            </a:pPr>
+            <a:r>
+              <a:rPr lang="en-US" sz="6000" b="0" i="0" dirty="0">
+                <a:solidFill>
+                  <a:schemeClr val="bg1"/>
+                </a:solidFill>
+                <a:effectLst/>
+                <a:latin typeface="Menlo"/>
+              </a:rPr>
+              <a:t>0     </a:t>
+            </a:r>
+            <a:r>
+              <a:rPr lang="en-US" sz="3900" b="0" i="0" dirty="0">
+                <a:solidFill>
+                  <a:schemeClr val="bg1"/>
+                </a:solidFill>
+                <a:effectLst/>
+                <a:latin typeface="Menlo"/>
+              </a:rPr>
+              <a:t>Do nothing.</a:t>
+            </a:r>
+          </a:p>
+        </p:txBody>
+      </p:sp>
+    </p:spTree>
+    <p:extLst>
+      <p:ext uri="{BB962C8B-B14F-4D97-AF65-F5344CB8AC3E}">
+        <p14:creationId xmlns:p14="http://schemas.microsoft.com/office/powerpoint/2010/main" val="1208737659"/>
+      </p:ext>
+    </p:extLst>
+  </p:cSld>
+  <p:clrMapOvr>
+    <a:masterClrMapping/>
+  </p:clrMapOvr>
+</p:sld>
+</file>
+
+<file path=ppt/slides/slide7.xml><?xml version="1.0" encoding="utf-8"?>
+<p:sld xmlns:a="http://schemas.openxmlformats.org/drawingml/2006/main" xmlns:r="http://schemas.openxmlformats.org/officeDocument/2006/relationships" xmlns:p="http://schemas.openxmlformats.org/presentationml/2006/main">
+  <p:cSld>
+    <p:spTree>
+      <p:nvGrpSpPr>
+        <p:cNvPr id="1" name="">
+          <a:extLst>
+            <a:ext uri="{FF2B5EF4-FFF2-40B4-BE49-F238E27FC236}">
+              <a16:creationId xmlns:a16="http://schemas.microsoft.com/office/drawing/2014/main" id="{ECB9B012-ED7A-67D5-CDF1-DB9235726258}"/>
+            </a:ext>
+          </a:extLst>
+        </p:cNvPr>
+        <p:cNvGrpSpPr/>
+        <p:nvPr/>
+      </p:nvGrpSpPr>
+      <p:grpSpPr>
+        <a:xfrm>
+          <a:off x="0" y="0"/>
+          <a:ext cx="0" cy="0"/>
+          <a:chOff x="0" y="0"/>
+          <a:chExt cx="0" cy="0"/>
+        </a:xfrm>
+      </p:grpSpPr>
+      <p:sp>
+        <p:nvSpPr>
+          <p:cNvPr id="2" name="TextBox 1">
+            <a:extLst>
+              <a:ext uri="{FF2B5EF4-FFF2-40B4-BE49-F238E27FC236}">
+                <a16:creationId xmlns:a16="http://schemas.microsoft.com/office/drawing/2014/main" id="{6D7DA2FA-E2ED-9099-5DEF-BA558F83BB5E}"/>
+              </a:ext>
+            </a:extLst>
+          </p:cNvPr>
+          <p:cNvSpPr txBox="1"/>
+          <p:nvPr/>
+        </p:nvSpPr>
+        <p:spPr>
+          <a:xfrm>
+            <a:off x="2532172" y="1570350"/>
+            <a:ext cx="7127657" cy="3717300"/>
+          </a:xfrm>
+          <a:prstGeom prst="rect">
+            <a:avLst/>
+          </a:prstGeom>
+          <a:noFill/>
+        </p:spPr>
+        <p:txBody>
+          <a:bodyPr wrap="none" rtlCol="0">
+            <a:spAutoFit/>
+          </a:bodyPr>
+          <a:lstStyle/>
+          <a:p>
+            <a:pPr>
+              <a:lnSpc>
+                <a:spcPct val="125000"/>
+              </a:lnSpc>
+            </a:pPr>
+            <a:r>
+              <a:rPr lang="en-US" sz="4800" b="0" i="0" dirty="0">
+                <a:solidFill>
+                  <a:schemeClr val="bg1"/>
+                </a:solidFill>
+                <a:effectLst/>
+                <a:latin typeface="Menlo"/>
+              </a:rPr>
+              <a:t>Space  </a:t>
+            </a:r>
+            <a:r>
+              <a:rPr lang="en-US" sz="3200" b="0" i="0" dirty="0">
+                <a:solidFill>
+                  <a:schemeClr val="bg1"/>
+                </a:solidFill>
+                <a:effectLst/>
+                <a:latin typeface="Menlo"/>
+              </a:rPr>
+              <a:t>Continue the experiment.</a:t>
+            </a:r>
+          </a:p>
+          <a:p>
+            <a:pPr>
+              <a:lnSpc>
+                <a:spcPct val="125000"/>
+              </a:lnSpc>
+            </a:pPr>
+            <a:r>
+              <a:rPr lang="en-US" sz="4800" dirty="0">
+                <a:solidFill>
+                  <a:schemeClr val="bg1"/>
+                </a:solidFill>
+                <a:latin typeface="Menlo"/>
+              </a:rPr>
+              <a:t>Q          </a:t>
+            </a:r>
+            <a:r>
+              <a:rPr lang="en-US" sz="3200" dirty="0">
+                <a:solidFill>
+                  <a:schemeClr val="bg1"/>
+                </a:solidFill>
+                <a:latin typeface="Menlo"/>
+              </a:rPr>
+              <a:t>Quit.</a:t>
+            </a:r>
+          </a:p>
+          <a:p>
+            <a:pPr>
+              <a:lnSpc>
+                <a:spcPct val="125000"/>
+              </a:lnSpc>
+            </a:pPr>
+            <a:r>
+              <a:rPr lang="en-US" sz="4800" b="0" i="0" dirty="0">
+                <a:solidFill>
+                  <a:schemeClr val="bg1"/>
+                </a:solidFill>
+                <a:effectLst/>
+                <a:latin typeface="Menlo"/>
+              </a:rPr>
+              <a:t>R          </a:t>
+            </a:r>
+            <a:r>
+              <a:rPr lang="en-US" sz="3200" b="0" i="0" dirty="0">
+                <a:solidFill>
+                  <a:schemeClr val="bg1"/>
+                </a:solidFill>
+                <a:effectLst/>
+                <a:latin typeface="Menlo"/>
+              </a:rPr>
+              <a:t>Repeat the </a:t>
+            </a:r>
+            <a:r>
+              <a:rPr lang="en-US" sz="3200" dirty="0">
+                <a:solidFill>
+                  <a:schemeClr val="bg1"/>
+                </a:solidFill>
+                <a:latin typeface="Menlo"/>
+              </a:rPr>
+              <a:t>whole practice</a:t>
+            </a:r>
+            <a:r>
+              <a:rPr lang="en-US" sz="3200" b="0" i="0" dirty="0">
+                <a:solidFill>
+                  <a:schemeClr val="bg1"/>
+                </a:solidFill>
+                <a:effectLst/>
+                <a:latin typeface="Menlo"/>
+              </a:rPr>
+              <a:t>.</a:t>
+            </a:r>
+          </a:p>
+          <a:p>
+            <a:pPr>
+              <a:lnSpc>
+                <a:spcPct val="125000"/>
+              </a:lnSpc>
+            </a:pPr>
+            <a:r>
+              <a:rPr lang="en-US" sz="4800" dirty="0">
+                <a:solidFill>
+                  <a:schemeClr val="bg1"/>
+                </a:solidFill>
+                <a:latin typeface="Menlo"/>
+              </a:rPr>
+              <a:t>P          </a:t>
+            </a:r>
+            <a:r>
+              <a:rPr lang="en-US" sz="3200" dirty="0">
+                <a:solidFill>
+                  <a:schemeClr val="bg1"/>
+                </a:solidFill>
+                <a:latin typeface="Menlo"/>
+              </a:rPr>
+              <a:t>Repeat the mixed practice only.</a:t>
+            </a:r>
+          </a:p>
+        </p:txBody>
+      </p:sp>
+    </p:spTree>
+    <p:extLst>
+      <p:ext uri="{BB962C8B-B14F-4D97-AF65-F5344CB8AC3E}">
+        <p14:creationId xmlns:p14="http://schemas.microsoft.com/office/powerpoint/2010/main" val="1584843054"/>
+      </p:ext>
+    </p:extLst>
+  </p:cSld>
+  <p:clrMapOvr>
+    <a:masterClrMapping/>
+  </p:clrMapOvr>
+</p:sld>
+</file>
+
+<file path=ppt/slides/slide8.xml><?xml version="1.0" encoding="utf-8"?>
+<p:sld xmlns:a="http://schemas.openxmlformats.org/drawingml/2006/main" xmlns:r="http://schemas.openxmlformats.org/officeDocument/2006/relationships" xmlns:p="http://schemas.openxmlformats.org/presentationml/2006/main">
+  <p:cSld>
+    <p:spTree>
+      <p:nvGrpSpPr>
+        <p:cNvPr id="1" name="">
+          <a:extLst>
+            <a:ext uri="{FF2B5EF4-FFF2-40B4-BE49-F238E27FC236}">
+              <a16:creationId xmlns:a16="http://schemas.microsoft.com/office/drawing/2014/main" id="{CD54C0AC-C3CD-8E7E-EF09-BB039956A02D}"/>
+            </a:ext>
+          </a:extLst>
+        </p:cNvPr>
+        <p:cNvGrpSpPr/>
+        <p:nvPr/>
+      </p:nvGrpSpPr>
+      <p:grpSpPr>
+        <a:xfrm>
+          <a:off x="0" y="0"/>
+          <a:ext cx="0" cy="0"/>
+          <a:chOff x="0" y="0"/>
+          <a:chExt cx="0" cy="0"/>
+        </a:xfrm>
+      </p:grpSpPr>
+      <p:sp>
+        <p:nvSpPr>
+          <p:cNvPr id="3" name="TextBox 2">
+            <a:extLst>
+              <a:ext uri="{FF2B5EF4-FFF2-40B4-BE49-F238E27FC236}">
+                <a16:creationId xmlns:a16="http://schemas.microsoft.com/office/drawing/2014/main" id="{95DA5035-1F92-D29D-24B4-B350B0F02AB2}"/>
+              </a:ext>
+            </a:extLst>
+          </p:cNvPr>
+          <p:cNvSpPr txBox="1"/>
+          <p:nvPr/>
+        </p:nvSpPr>
+        <p:spPr>
+          <a:xfrm>
+            <a:off x="5380099" y="2844225"/>
+            <a:ext cx="1431802" cy="1169551"/>
+          </a:xfrm>
+          <a:prstGeom prst="rect">
+            <a:avLst/>
+          </a:prstGeom>
+          <a:noFill/>
+        </p:spPr>
+        <p:txBody>
+          <a:bodyPr wrap="none" rtlCol="0">
+            <a:spAutoFit/>
+          </a:bodyPr>
+          <a:lstStyle/>
+          <a:p>
+            <a:r>
+              <a:rPr lang="en-US" sz="7000" dirty="0">
+                <a:solidFill>
+                  <a:schemeClr val="bg1"/>
+                </a:solidFill>
+                <a:latin typeface="Arial" panose="020B0604020202020204" pitchFamily="34" charset="0"/>
+                <a:cs typeface="Arial" panose="020B0604020202020204" pitchFamily="34" charset="0"/>
+              </a:rPr>
+              <a:t>1 2</a:t>
+            </a:r>
+          </a:p>
+        </p:txBody>
+      </p:sp>
+    </p:spTree>
+    <p:extLst>
+      <p:ext uri="{BB962C8B-B14F-4D97-AF65-F5344CB8AC3E}">
+        <p14:creationId xmlns:p14="http://schemas.microsoft.com/office/powerpoint/2010/main" val="3331593954"/>
+      </p:ext>
+    </p:extLst>
+  </p:cSld>
+  <p:clrMapOvr>
+    <a:masterClrMapping/>
+  </p:clrMapOvr>
+</p:sld>
+</file>
+
+<file path=ppt/slides/slide9.xml><?xml version="1.0" encoding="utf-8"?>
+<p:sld xmlns:a="http://schemas.openxmlformats.org/drawingml/2006/main" xmlns:r="http://schemas.openxmlformats.org/officeDocument/2006/relationships" xmlns:p="http://schemas.openxmlformats.org/presentationml/2006/main">
+  <p:cSld>
+    <p:spTree>
+      <p:nvGrpSpPr>
+        <p:cNvPr id="1" name="">
+          <a:extLst>
+            <a:ext uri="{FF2B5EF4-FFF2-40B4-BE49-F238E27FC236}">
+              <a16:creationId xmlns:a16="http://schemas.microsoft.com/office/drawing/2014/main" id="{20CA9688-EE1C-4862-3F61-B66F728D29B0}"/>
+            </a:ext>
+          </a:extLst>
+        </p:cNvPr>
+        <p:cNvGrpSpPr/>
+        <p:nvPr/>
+      </p:nvGrpSpPr>
+      <p:grpSpPr>
+        <a:xfrm>
+          <a:off x="0" y="0"/>
+          <a:ext cx="0" cy="0"/>
+          <a:chOff x="0" y="0"/>
+          <a:chExt cx="0" cy="0"/>
+        </a:xfrm>
+      </p:grpSpPr>
+      <p:grpSp>
+        <p:nvGrpSpPr>
+          <p:cNvPr id="7" name="Group 6">
+            <a:extLst>
+              <a:ext uri="{FF2B5EF4-FFF2-40B4-BE49-F238E27FC236}">
+                <a16:creationId xmlns:a16="http://schemas.microsoft.com/office/drawing/2014/main" id="{90803A9D-7595-BF0E-1160-950F84653BD3}"/>
+              </a:ext>
+            </a:extLst>
+          </p:cNvPr>
+          <p:cNvGrpSpPr/>
+          <p:nvPr/>
+        </p:nvGrpSpPr>
+        <p:grpSpPr>
+          <a:xfrm>
+            <a:off x="5380098" y="2817823"/>
+            <a:ext cx="1450091" cy="1785104"/>
+            <a:chOff x="5380098" y="2765663"/>
+            <a:chExt cx="1450091" cy="1785104"/>
+          </a:xfrm>
+        </p:grpSpPr>
+        <p:sp>
+          <p:nvSpPr>
+            <p:cNvPr id="3" name="TextBox 2">
+              <a:extLst>
+                <a:ext uri="{FF2B5EF4-FFF2-40B4-BE49-F238E27FC236}">
+                  <a16:creationId xmlns:a16="http://schemas.microsoft.com/office/drawing/2014/main" id="{C3F1973B-85A8-3B04-009D-F04C6DE74364}"/>
+                </a:ext>
+              </a:extLst>
+            </p:cNvPr>
+            <p:cNvSpPr txBox="1"/>
+            <p:nvPr/>
+          </p:nvSpPr>
+          <p:spPr>
+            <a:xfrm>
+              <a:off x="5380098" y="2792850"/>
+              <a:ext cx="683200" cy="1169551"/>
+            </a:xfrm>
+            <a:prstGeom prst="rect">
+              <a:avLst/>
+            </a:prstGeom>
+            <a:noFill/>
+          </p:spPr>
+          <p:txBody>
+            <a:bodyPr wrap="none" rtlCol="0">
+              <a:spAutoFit/>
+            </a:bodyPr>
+            <a:lstStyle/>
+            <a:p>
+              <a:r>
+                <a:rPr lang="en-US" sz="7000" dirty="0">
+                  <a:solidFill>
+                    <a:schemeClr val="bg1"/>
+                  </a:solidFill>
+                  <a:latin typeface="Arial" panose="020B0604020202020204" pitchFamily="34" charset="0"/>
+                  <a:cs typeface="Arial" panose="020B0604020202020204" pitchFamily="34" charset="0"/>
+                </a:rPr>
+                <a:t>1</a:t>
+              </a:r>
+            </a:p>
+          </p:txBody>
+        </p:sp>
+        <p:sp>
+          <p:nvSpPr>
+            <p:cNvPr id="4" name="TextBox 3">
+              <a:extLst>
+                <a:ext uri="{FF2B5EF4-FFF2-40B4-BE49-F238E27FC236}">
+                  <a16:creationId xmlns:a16="http://schemas.microsoft.com/office/drawing/2014/main" id="{F83211FB-ABF0-F4F7-3700-67EFCA82FF8C}"/>
+                </a:ext>
+              </a:extLst>
+            </p:cNvPr>
+            <p:cNvSpPr txBox="1"/>
+            <p:nvPr/>
+          </p:nvSpPr>
+          <p:spPr>
+            <a:xfrm>
+              <a:off x="6097296" y="2765663"/>
+              <a:ext cx="732893" cy="1785104"/>
+            </a:xfrm>
+            <a:prstGeom prst="rect">
+              <a:avLst/>
+            </a:prstGeom>
+            <a:noFill/>
+          </p:spPr>
+          <p:txBody>
+            <a:bodyPr wrap="none" rtlCol="0">
+              <a:spAutoFit/>
+            </a:bodyPr>
+            <a:lstStyle/>
+            <a:p>
+              <a:r>
+                <a:rPr lang="en-US" sz="11000" dirty="0">
+                  <a:solidFill>
+                    <a:schemeClr val="bg1"/>
+                  </a:solidFill>
+                  <a:latin typeface="Arial" panose="020B0604020202020204" pitchFamily="34" charset="0"/>
+                  <a:cs typeface="Arial" panose="020B0604020202020204" pitchFamily="34" charset="0"/>
+                </a:rPr>
+                <a:t>*</a:t>
+              </a:r>
+            </a:p>
+          </p:txBody>
+        </p:sp>
+      </p:grpSp>
+    </p:spTree>
+    <p:extLst>
+      <p:ext uri="{BB962C8B-B14F-4D97-AF65-F5344CB8AC3E}">
+        <p14:creationId xmlns:p14="http://schemas.microsoft.com/office/powerpoint/2010/main" val="2175600506"/>
       </p:ext>
     </p:extLst>
   </p:cSld>

--- a/stim/instructions.pptx
+++ b/stim/instructions.pptx
@@ -270,7 +270,7 @@
           <a:p>
             <a:fld id="{EEF644FE-562C-401D-8F4D-8C6CAC9B5F76}" type="datetimeFigureOut">
               <a:rPr lang="en-US" smtClean="0"/>
-              <a:t>12/7/2024</a:t>
+              <a:t>12/9/2024</a:t>
             </a:fld>
             <a:endParaRPr lang="en-US"/>
           </a:p>
@@ -468,7 +468,7 @@
           <a:p>
             <a:fld id="{EEF644FE-562C-401D-8F4D-8C6CAC9B5F76}" type="datetimeFigureOut">
               <a:rPr lang="en-US" smtClean="0"/>
-              <a:t>12/7/2024</a:t>
+              <a:t>12/9/2024</a:t>
             </a:fld>
             <a:endParaRPr lang="en-US"/>
           </a:p>
@@ -676,7 +676,7 @@
           <a:p>
             <a:fld id="{EEF644FE-562C-401D-8F4D-8C6CAC9B5F76}" type="datetimeFigureOut">
               <a:rPr lang="en-US" smtClean="0"/>
-              <a:t>12/7/2024</a:t>
+              <a:t>12/9/2024</a:t>
             </a:fld>
             <a:endParaRPr lang="en-US"/>
           </a:p>
@@ -874,7 +874,7 @@
           <a:p>
             <a:fld id="{EEF644FE-562C-401D-8F4D-8C6CAC9B5F76}" type="datetimeFigureOut">
               <a:rPr lang="en-US" smtClean="0"/>
-              <a:t>12/7/2024</a:t>
+              <a:t>12/9/2024</a:t>
             </a:fld>
             <a:endParaRPr lang="en-US"/>
           </a:p>
@@ -1149,7 +1149,7 @@
           <a:p>
             <a:fld id="{EEF644FE-562C-401D-8F4D-8C6CAC9B5F76}" type="datetimeFigureOut">
               <a:rPr lang="en-US" smtClean="0"/>
-              <a:t>12/7/2024</a:t>
+              <a:t>12/9/2024</a:t>
             </a:fld>
             <a:endParaRPr lang="en-US"/>
           </a:p>
@@ -1414,7 +1414,7 @@
           <a:p>
             <a:fld id="{EEF644FE-562C-401D-8F4D-8C6CAC9B5F76}" type="datetimeFigureOut">
               <a:rPr lang="en-US" smtClean="0"/>
-              <a:t>12/7/2024</a:t>
+              <a:t>12/9/2024</a:t>
             </a:fld>
             <a:endParaRPr lang="en-US"/>
           </a:p>
@@ -1826,7 +1826,7 @@
           <a:p>
             <a:fld id="{EEF644FE-562C-401D-8F4D-8C6CAC9B5F76}" type="datetimeFigureOut">
               <a:rPr lang="en-US" smtClean="0"/>
-              <a:t>12/7/2024</a:t>
+              <a:t>12/9/2024</a:t>
             </a:fld>
             <a:endParaRPr lang="en-US"/>
           </a:p>
@@ -1967,7 +1967,7 @@
           <a:p>
             <a:fld id="{EEF644FE-562C-401D-8F4D-8C6CAC9B5F76}" type="datetimeFigureOut">
               <a:rPr lang="en-US" smtClean="0"/>
-              <a:t>12/7/2024</a:t>
+              <a:t>12/9/2024</a:t>
             </a:fld>
             <a:endParaRPr lang="en-US"/>
           </a:p>
@@ -2080,7 +2080,7 @@
           <a:p>
             <a:fld id="{EEF644FE-562C-401D-8F4D-8C6CAC9B5F76}" type="datetimeFigureOut">
               <a:rPr lang="en-US" smtClean="0"/>
-              <a:t>12/7/2024</a:t>
+              <a:t>12/9/2024</a:t>
             </a:fld>
             <a:endParaRPr lang="en-US"/>
           </a:p>
@@ -2391,7 +2391,7 @@
           <a:p>
             <a:fld id="{EEF644FE-562C-401D-8F4D-8C6CAC9B5F76}" type="datetimeFigureOut">
               <a:rPr lang="en-US" smtClean="0"/>
-              <a:t>12/7/2024</a:t>
+              <a:t>12/9/2024</a:t>
             </a:fld>
             <a:endParaRPr lang="en-US"/>
           </a:p>
@@ -2679,7 +2679,7 @@
           <a:p>
             <a:fld id="{EEF644FE-562C-401D-8F4D-8C6CAC9B5F76}" type="datetimeFigureOut">
               <a:rPr lang="en-US" smtClean="0"/>
-              <a:t>12/7/2024</a:t>
+              <a:t>12/9/2024</a:t>
             </a:fld>
             <a:endParaRPr lang="en-US"/>
           </a:p>
@@ -2923,7 +2923,7 @@
           <a:p>
             <a:fld id="{EEF644FE-562C-401D-8F4D-8C6CAC9B5F76}" type="datetimeFigureOut">
               <a:rPr lang="en-US" smtClean="0"/>
-              <a:t>12/7/2024</a:t>
+              <a:t>12/9/2024</a:t>
             </a:fld>
             <a:endParaRPr lang="en-US"/>
           </a:p>
@@ -5433,8 +5433,8 @@
         </p:nvSpPr>
         <p:spPr>
           <a:xfrm>
-            <a:off x="3421999" y="540132"/>
-            <a:ext cx="5348002" cy="5777736"/>
+            <a:off x="4834239" y="540132"/>
+            <a:ext cx="4609019" cy="5777736"/>
           </a:xfrm>
           <a:prstGeom prst="rect">
             <a:avLst/>
@@ -5460,7 +5460,7 @@
                 <a:effectLst/>
                 <a:latin typeface="Menlo"/>
               </a:rPr>
-              <a:t>1 2  </a:t>
+              <a:t>   </a:t>
             </a:r>
             <a:r>
               <a:rPr lang="en-US" sz="3900" b="0" i="0" dirty="0">
@@ -5486,7 +5486,7 @@
                 </a:solidFill>
                 <a:latin typeface="Menlo"/>
               </a:rPr>
-              <a:t>1     </a:t>
+              <a:t>   </a:t>
             </a:r>
             <a:r>
               <a:rPr lang="en-US" sz="3900" dirty="0">
@@ -5505,6 +5505,15 @@
               </a:lnSpc>
             </a:pPr>
             <a:r>
+              <a:rPr lang="en-US" sz="6000" dirty="0">
+                <a:solidFill>
+                  <a:schemeClr val="bg1"/>
+                </a:solidFill>
+                <a:latin typeface="Menlo"/>
+              </a:rPr>
+              <a:t> </a:t>
+            </a:r>
+            <a:r>
               <a:rPr lang="en-US" sz="6000" b="0" i="0" dirty="0">
                 <a:solidFill>
                   <a:schemeClr val="bg1"/>
@@ -5512,7 +5521,7 @@
                 <a:effectLst/>
                 <a:latin typeface="Menlo"/>
               </a:rPr>
-              <a:t>2     </a:t>
+              <a:t>  </a:t>
             </a:r>
             <a:r>
               <a:rPr lang="en-US" sz="3900" b="0" i="0" dirty="0">
@@ -5538,7 +5547,7 @@
                 </a:solidFill>
                 <a:latin typeface="Menlo"/>
               </a:rPr>
-              <a:t>2 1  </a:t>
+              <a:t>   </a:t>
             </a:r>
             <a:r>
               <a:rPr lang="en-US" sz="3900" dirty="0">
@@ -5564,7 +5573,7 @@
                 <a:effectLst/>
                 <a:latin typeface="Menlo"/>
               </a:rPr>
-              <a:t>0     </a:t>
+              <a:t>   </a:t>
             </a:r>
             <a:r>
               <a:rPr lang="en-US" sz="3900" b="0" i="0" dirty="0">
@@ -5579,6 +5588,397 @@
           </a:p>
         </p:txBody>
       </p:sp>
+      <p:sp>
+        <p:nvSpPr>
+          <p:cNvPr id="3" name="TextBox 2">
+            <a:extLst>
+              <a:ext uri="{FF2B5EF4-FFF2-40B4-BE49-F238E27FC236}">
+                <a16:creationId xmlns:a16="http://schemas.microsoft.com/office/drawing/2014/main" id="{02D7FE6F-5A6D-B3A4-5FCF-F7EA8AF12352}"/>
+              </a:ext>
+            </a:extLst>
+          </p:cNvPr>
+          <p:cNvSpPr txBox="1"/>
+          <p:nvPr/>
+        </p:nvSpPr>
+        <p:spPr>
+          <a:xfrm>
+            <a:off x="3491438" y="659825"/>
+            <a:ext cx="1431802" cy="1169551"/>
+          </a:xfrm>
+          <a:prstGeom prst="rect">
+            <a:avLst/>
+          </a:prstGeom>
+          <a:noFill/>
+        </p:spPr>
+        <p:txBody>
+          <a:bodyPr wrap="none" rtlCol="0">
+            <a:spAutoFit/>
+          </a:bodyPr>
+          <a:lstStyle/>
+          <a:p>
+            <a:r>
+              <a:rPr lang="en-US" sz="7000" dirty="0">
+                <a:solidFill>
+                  <a:schemeClr val="bg1"/>
+                </a:solidFill>
+                <a:latin typeface="Arial" panose="020B0604020202020204" pitchFamily="34" charset="0"/>
+                <a:cs typeface="Arial" panose="020B0604020202020204" pitchFamily="34" charset="0"/>
+              </a:rPr>
+              <a:t>1 2</a:t>
+            </a:r>
+          </a:p>
+        </p:txBody>
+      </p:sp>
+      <p:grpSp>
+        <p:nvGrpSpPr>
+          <p:cNvPr id="4" name="Group 3">
+            <a:extLst>
+              <a:ext uri="{FF2B5EF4-FFF2-40B4-BE49-F238E27FC236}">
+                <a16:creationId xmlns:a16="http://schemas.microsoft.com/office/drawing/2014/main" id="{5BD0841F-8CCD-2B4B-37C8-F2671ADB4E72}"/>
+              </a:ext>
+            </a:extLst>
+          </p:cNvPr>
+          <p:cNvGrpSpPr/>
+          <p:nvPr/>
+        </p:nvGrpSpPr>
+        <p:grpSpPr>
+          <a:xfrm>
+            <a:off x="3502614" y="1840439"/>
+            <a:ext cx="1450091" cy="1785104"/>
+            <a:chOff x="5380098" y="2765663"/>
+            <a:chExt cx="1450091" cy="1785104"/>
+          </a:xfrm>
+        </p:grpSpPr>
+        <p:sp>
+          <p:nvSpPr>
+            <p:cNvPr id="5" name="TextBox 4">
+              <a:extLst>
+                <a:ext uri="{FF2B5EF4-FFF2-40B4-BE49-F238E27FC236}">
+                  <a16:creationId xmlns:a16="http://schemas.microsoft.com/office/drawing/2014/main" id="{F4862D04-534C-275E-990C-681317EC0006}"/>
+                </a:ext>
+              </a:extLst>
+            </p:cNvPr>
+            <p:cNvSpPr txBox="1"/>
+            <p:nvPr/>
+          </p:nvSpPr>
+          <p:spPr>
+            <a:xfrm>
+              <a:off x="5380098" y="2792850"/>
+              <a:ext cx="683200" cy="1169551"/>
+            </a:xfrm>
+            <a:prstGeom prst="rect">
+              <a:avLst/>
+            </a:prstGeom>
+            <a:noFill/>
+          </p:spPr>
+          <p:txBody>
+            <a:bodyPr wrap="none" rtlCol="0">
+              <a:spAutoFit/>
+            </a:bodyPr>
+            <a:lstStyle/>
+            <a:p>
+              <a:r>
+                <a:rPr lang="en-US" sz="7000" dirty="0">
+                  <a:solidFill>
+                    <a:schemeClr val="bg1"/>
+                  </a:solidFill>
+                  <a:latin typeface="Arial" panose="020B0604020202020204" pitchFamily="34" charset="0"/>
+                  <a:cs typeface="Arial" panose="020B0604020202020204" pitchFamily="34" charset="0"/>
+                </a:rPr>
+                <a:t>1</a:t>
+              </a:r>
+            </a:p>
+          </p:txBody>
+        </p:sp>
+        <p:sp>
+          <p:nvSpPr>
+            <p:cNvPr id="6" name="TextBox 5">
+              <a:extLst>
+                <a:ext uri="{FF2B5EF4-FFF2-40B4-BE49-F238E27FC236}">
+                  <a16:creationId xmlns:a16="http://schemas.microsoft.com/office/drawing/2014/main" id="{9C143DE6-748B-2408-6707-40D560B1FABD}"/>
+                </a:ext>
+              </a:extLst>
+            </p:cNvPr>
+            <p:cNvSpPr txBox="1"/>
+            <p:nvPr/>
+          </p:nvSpPr>
+          <p:spPr>
+            <a:xfrm>
+              <a:off x="6097296" y="2765663"/>
+              <a:ext cx="732893" cy="1785104"/>
+            </a:xfrm>
+            <a:prstGeom prst="rect">
+              <a:avLst/>
+            </a:prstGeom>
+            <a:noFill/>
+          </p:spPr>
+          <p:txBody>
+            <a:bodyPr wrap="none" rtlCol="0">
+              <a:spAutoFit/>
+            </a:bodyPr>
+            <a:lstStyle/>
+            <a:p>
+              <a:r>
+                <a:rPr lang="en-US" sz="11000" dirty="0">
+                  <a:solidFill>
+                    <a:schemeClr val="bg1"/>
+                  </a:solidFill>
+                  <a:latin typeface="Arial" panose="020B0604020202020204" pitchFamily="34" charset="0"/>
+                  <a:cs typeface="Arial" panose="020B0604020202020204" pitchFamily="34" charset="0"/>
+                </a:rPr>
+                <a:t>*</a:t>
+              </a:r>
+            </a:p>
+          </p:txBody>
+        </p:sp>
+      </p:grpSp>
+      <p:grpSp>
+        <p:nvGrpSpPr>
+          <p:cNvPr id="7" name="Group 6">
+            <a:extLst>
+              <a:ext uri="{FF2B5EF4-FFF2-40B4-BE49-F238E27FC236}">
+                <a16:creationId xmlns:a16="http://schemas.microsoft.com/office/drawing/2014/main" id="{FE4E0588-9D4A-AF50-59E6-6D460C86056D}"/>
+              </a:ext>
+            </a:extLst>
+          </p:cNvPr>
+          <p:cNvGrpSpPr/>
+          <p:nvPr/>
+        </p:nvGrpSpPr>
+        <p:grpSpPr>
+          <a:xfrm>
+            <a:off x="3501336" y="2978186"/>
+            <a:ext cx="1452646" cy="1785104"/>
+            <a:chOff x="5350594" y="2768838"/>
+            <a:chExt cx="1452646" cy="1785104"/>
+          </a:xfrm>
+        </p:grpSpPr>
+        <p:sp>
+          <p:nvSpPr>
+            <p:cNvPr id="8" name="TextBox 7">
+              <a:extLst>
+                <a:ext uri="{FF2B5EF4-FFF2-40B4-BE49-F238E27FC236}">
+                  <a16:creationId xmlns:a16="http://schemas.microsoft.com/office/drawing/2014/main" id="{2CCC8F63-8A94-8DDA-5986-BE84057D55C3}"/>
+                </a:ext>
+              </a:extLst>
+            </p:cNvPr>
+            <p:cNvSpPr txBox="1"/>
+            <p:nvPr/>
+          </p:nvSpPr>
+          <p:spPr>
+            <a:xfrm>
+              <a:off x="6120040" y="2792850"/>
+              <a:ext cx="683200" cy="1169551"/>
+            </a:xfrm>
+            <a:prstGeom prst="rect">
+              <a:avLst/>
+            </a:prstGeom>
+            <a:noFill/>
+          </p:spPr>
+          <p:txBody>
+            <a:bodyPr wrap="none" rtlCol="0">
+              <a:spAutoFit/>
+            </a:bodyPr>
+            <a:lstStyle/>
+            <a:p>
+              <a:r>
+                <a:rPr lang="en-US" sz="7000" dirty="0">
+                  <a:solidFill>
+                    <a:schemeClr val="bg1"/>
+                  </a:solidFill>
+                  <a:latin typeface="Arial" panose="020B0604020202020204" pitchFamily="34" charset="0"/>
+                  <a:cs typeface="Arial" panose="020B0604020202020204" pitchFamily="34" charset="0"/>
+                </a:rPr>
+                <a:t>2</a:t>
+              </a:r>
+            </a:p>
+          </p:txBody>
+        </p:sp>
+        <p:sp>
+          <p:nvSpPr>
+            <p:cNvPr id="9" name="TextBox 8">
+              <a:extLst>
+                <a:ext uri="{FF2B5EF4-FFF2-40B4-BE49-F238E27FC236}">
+                  <a16:creationId xmlns:a16="http://schemas.microsoft.com/office/drawing/2014/main" id="{E4C5BDAB-88C7-7306-3E96-1436BE144C12}"/>
+                </a:ext>
+              </a:extLst>
+            </p:cNvPr>
+            <p:cNvSpPr txBox="1"/>
+            <p:nvPr/>
+          </p:nvSpPr>
+          <p:spPr>
+            <a:xfrm>
+              <a:off x="5350594" y="2768838"/>
+              <a:ext cx="732893" cy="1785104"/>
+            </a:xfrm>
+            <a:prstGeom prst="rect">
+              <a:avLst/>
+            </a:prstGeom>
+            <a:noFill/>
+          </p:spPr>
+          <p:txBody>
+            <a:bodyPr wrap="none" rtlCol="0">
+              <a:spAutoFit/>
+            </a:bodyPr>
+            <a:lstStyle/>
+            <a:p>
+              <a:r>
+                <a:rPr lang="en-US" sz="11000" dirty="0">
+                  <a:solidFill>
+                    <a:schemeClr val="bg1"/>
+                  </a:solidFill>
+                  <a:latin typeface="Arial" panose="020B0604020202020204" pitchFamily="34" charset="0"/>
+                  <a:cs typeface="Arial" panose="020B0604020202020204" pitchFamily="34" charset="0"/>
+                </a:rPr>
+                <a:t>*</a:t>
+              </a:r>
+            </a:p>
+          </p:txBody>
+        </p:sp>
+      </p:grpSp>
+      <p:sp>
+        <p:nvSpPr>
+          <p:cNvPr id="10" name="TextBox 9">
+            <a:extLst>
+              <a:ext uri="{FF2B5EF4-FFF2-40B4-BE49-F238E27FC236}">
+                <a16:creationId xmlns:a16="http://schemas.microsoft.com/office/drawing/2014/main" id="{F5A1A7EC-C14A-DB0F-D286-093A0B6B176F}"/>
+              </a:ext>
+            </a:extLst>
+          </p:cNvPr>
+          <p:cNvSpPr txBox="1"/>
+          <p:nvPr/>
+        </p:nvSpPr>
+        <p:spPr>
+          <a:xfrm>
+            <a:off x="3511758" y="4118962"/>
+            <a:ext cx="1431802" cy="1169551"/>
+          </a:xfrm>
+          <a:prstGeom prst="rect">
+            <a:avLst/>
+          </a:prstGeom>
+          <a:noFill/>
+        </p:spPr>
+        <p:txBody>
+          <a:bodyPr wrap="none" rtlCol="0">
+            <a:spAutoFit/>
+          </a:bodyPr>
+          <a:lstStyle/>
+          <a:p>
+            <a:r>
+              <a:rPr lang="en-US" sz="7000" dirty="0">
+                <a:solidFill>
+                  <a:schemeClr val="bg1"/>
+                </a:solidFill>
+                <a:latin typeface="Arial" panose="020B0604020202020204" pitchFamily="34" charset="0"/>
+                <a:cs typeface="Arial" panose="020B0604020202020204" pitchFamily="34" charset="0"/>
+              </a:rPr>
+              <a:t>2 1</a:t>
+            </a:r>
+          </a:p>
+        </p:txBody>
+      </p:sp>
+      <p:grpSp>
+        <p:nvGrpSpPr>
+          <p:cNvPr id="11" name="Group 10">
+            <a:extLst>
+              <a:ext uri="{FF2B5EF4-FFF2-40B4-BE49-F238E27FC236}">
+                <a16:creationId xmlns:a16="http://schemas.microsoft.com/office/drawing/2014/main" id="{4336BC23-7823-B44F-983D-211D41D6B947}"/>
+              </a:ext>
+            </a:extLst>
+          </p:cNvPr>
+          <p:cNvGrpSpPr/>
+          <p:nvPr/>
+        </p:nvGrpSpPr>
+        <p:grpSpPr>
+          <a:xfrm>
+            <a:off x="3487862" y="5262388"/>
+            <a:ext cx="1479595" cy="1786120"/>
+            <a:chOff x="5350594" y="2820998"/>
+            <a:chExt cx="1479595" cy="1786120"/>
+          </a:xfrm>
+        </p:grpSpPr>
+        <p:sp>
+          <p:nvSpPr>
+            <p:cNvPr id="12" name="TextBox 11">
+              <a:extLst>
+                <a:ext uri="{FF2B5EF4-FFF2-40B4-BE49-F238E27FC236}">
+                  <a16:creationId xmlns:a16="http://schemas.microsoft.com/office/drawing/2014/main" id="{2F52C9DF-5659-786E-2E76-88959D24B871}"/>
+                </a:ext>
+              </a:extLst>
+            </p:cNvPr>
+            <p:cNvSpPr txBox="1"/>
+            <p:nvPr/>
+          </p:nvSpPr>
+          <p:spPr>
+            <a:xfrm>
+              <a:off x="6097296" y="2822014"/>
+              <a:ext cx="732893" cy="1785104"/>
+            </a:xfrm>
+            <a:prstGeom prst="rect">
+              <a:avLst/>
+            </a:prstGeom>
+            <a:noFill/>
+          </p:spPr>
+          <p:txBody>
+            <a:bodyPr wrap="none" rtlCol="0">
+              <a:spAutoFit/>
+            </a:bodyPr>
+            <a:lstStyle/>
+            <a:p>
+              <a:r>
+                <a:rPr lang="en-US" sz="11000" dirty="0">
+                  <a:solidFill>
+                    <a:schemeClr val="bg1"/>
+                  </a:solidFill>
+                  <a:latin typeface="Arial" panose="020B0604020202020204" pitchFamily="34" charset="0"/>
+                  <a:cs typeface="Arial" panose="020B0604020202020204" pitchFamily="34" charset="0"/>
+                </a:rPr>
+                <a:t>*</a:t>
+              </a:r>
+            </a:p>
+          </p:txBody>
+        </p:sp>
+        <p:sp>
+          <p:nvSpPr>
+            <p:cNvPr id="13" name="TextBox 12">
+              <a:extLst>
+                <a:ext uri="{FF2B5EF4-FFF2-40B4-BE49-F238E27FC236}">
+                  <a16:creationId xmlns:a16="http://schemas.microsoft.com/office/drawing/2014/main" id="{978E4539-6047-F48E-9A68-DC9CD2653D29}"/>
+                </a:ext>
+              </a:extLst>
+            </p:cNvPr>
+            <p:cNvSpPr txBox="1"/>
+            <p:nvPr/>
+          </p:nvSpPr>
+          <p:spPr>
+            <a:xfrm>
+              <a:off x="5350594" y="2820998"/>
+              <a:ext cx="732893" cy="1785104"/>
+            </a:xfrm>
+            <a:prstGeom prst="rect">
+              <a:avLst/>
+            </a:prstGeom>
+            <a:noFill/>
+          </p:spPr>
+          <p:txBody>
+            <a:bodyPr wrap="none" rtlCol="0">
+              <a:spAutoFit/>
+            </a:bodyPr>
+            <a:lstStyle/>
+            <a:p>
+              <a:r>
+                <a:rPr lang="en-US" sz="11000" dirty="0">
+                  <a:solidFill>
+                    <a:schemeClr val="bg1"/>
+                  </a:solidFill>
+                  <a:latin typeface="Arial" panose="020B0604020202020204" pitchFamily="34" charset="0"/>
+                  <a:cs typeface="Arial" panose="020B0604020202020204" pitchFamily="34" charset="0"/>
+                </a:rPr>
+                <a:t>*</a:t>
+              </a:r>
+            </a:p>
+          </p:txBody>
+        </p:sp>
+      </p:grpSp>
     </p:spTree>
     <p:extLst>
       <p:ext uri="{BB962C8B-B14F-4D97-AF65-F5344CB8AC3E}">
